--- a/Course Materials/Presentation.pptx
+++ b/Course Materials/Presentation.pptx
@@ -10,12 +10,13 @@
     <p:sldId id="258" r:id="rId4"/>
     <p:sldId id="260" r:id="rId5"/>
     <p:sldId id="259" r:id="rId6"/>
-    <p:sldId id="264" r:id="rId7"/>
-    <p:sldId id="266" r:id="rId8"/>
-    <p:sldId id="261" r:id="rId9"/>
-    <p:sldId id="262" r:id="rId10"/>
-    <p:sldId id="263" r:id="rId11"/>
-    <p:sldId id="265" r:id="rId12"/>
+    <p:sldId id="267" r:id="rId7"/>
+    <p:sldId id="264" r:id="rId8"/>
+    <p:sldId id="266" r:id="rId9"/>
+    <p:sldId id="261" r:id="rId10"/>
+    <p:sldId id="268" r:id="rId11"/>
+    <p:sldId id="262" r:id="rId12"/>
+    <p:sldId id="263" r:id="rId13"/>
   </p:sldIdLst>
   <p:sldSz cx="12192000" cy="6858000"/>
   <p:notesSz cx="6858000" cy="9144000"/>
@@ -845,7 +846,7 @@
             <a:fld id="{B61BEF0D-F0BB-DE4B-95CE-6DB70DBA9567}" type="datetimeFigureOut">
               <a:rPr lang="en-US" dirty="0"/>
               <a:pPr/>
-              <a:t>11/19/2024</a:t>
+              <a:t>11/20/2024</a:t>
             </a:fld>
             <a:endParaRPr lang="en-US" dirty="0"/>
           </a:p>
@@ -1098,7 +1099,7 @@
             <a:fld id="{B61BEF0D-F0BB-DE4B-95CE-6DB70DBA9567}" type="datetimeFigureOut">
               <a:rPr lang="en-US" dirty="0"/>
               <a:pPr/>
-              <a:t>11/19/2024</a:t>
+              <a:t>11/20/2024</a:t>
             </a:fld>
             <a:endParaRPr lang="en-US" dirty="0"/>
           </a:p>
@@ -1414,7 +1415,7 @@
             <a:fld id="{B61BEF0D-F0BB-DE4B-95CE-6DB70DBA9567}" type="datetimeFigureOut">
               <a:rPr lang="en-US" dirty="0"/>
               <a:pPr/>
-              <a:t>11/19/2024</a:t>
+              <a:t>11/20/2024</a:t>
             </a:fld>
             <a:endParaRPr lang="en-US" dirty="0"/>
           </a:p>
@@ -1757,7 +1758,7 @@
             <a:fld id="{B61BEF0D-F0BB-DE4B-95CE-6DB70DBA9567}" type="datetimeFigureOut">
               <a:rPr lang="en-US" dirty="0"/>
               <a:pPr/>
-              <a:t>11/19/2024</a:t>
+              <a:t>11/20/2024</a:t>
             </a:fld>
             <a:endParaRPr lang="en-US" dirty="0"/>
           </a:p>
@@ -2073,7 +2074,7 @@
             <a:fld id="{B61BEF0D-F0BB-DE4B-95CE-6DB70DBA9567}" type="datetimeFigureOut">
               <a:rPr lang="en-US" dirty="0"/>
               <a:pPr/>
-              <a:t>11/19/2024</a:t>
+              <a:t>11/20/2024</a:t>
             </a:fld>
             <a:endParaRPr lang="en-US" dirty="0"/>
           </a:p>
@@ -2468,7 +2469,7 @@
             <a:fld id="{B61BEF0D-F0BB-DE4B-95CE-6DB70DBA9567}" type="datetimeFigureOut">
               <a:rPr lang="en-US" dirty="0"/>
               <a:pPr/>
-              <a:t>11/19/2024</a:t>
+              <a:t>11/20/2024</a:t>
             </a:fld>
             <a:endParaRPr lang="en-US" dirty="0"/>
           </a:p>
@@ -2639,7 +2640,7 @@
           <a:p>
             <a:fld id="{55C6B4A9-1611-4792-9094-5F34BCA07E0B}" type="datetimeFigureOut">
               <a:rPr lang="en-US" dirty="0"/>
-              <a:t>11/19/2024</a:t>
+              <a:t>11/20/2024</a:t>
             </a:fld>
             <a:endParaRPr lang="en-US" dirty="0"/>
           </a:p>
@@ -2820,7 +2821,7 @@
             <a:fld id="{B61BEF0D-F0BB-DE4B-95CE-6DB70DBA9567}" type="datetimeFigureOut">
               <a:rPr lang="en-US" dirty="0"/>
               <a:pPr/>
-              <a:t>11/19/2024</a:t>
+              <a:t>11/20/2024</a:t>
             </a:fld>
             <a:endParaRPr lang="en-US" dirty="0"/>
           </a:p>
@@ -2998,7 +2999,7 @@
             <a:fld id="{B61BEF0D-F0BB-DE4B-95CE-6DB70DBA9567}" type="datetimeFigureOut">
               <a:rPr lang="en-US" dirty="0"/>
               <a:pPr/>
-              <a:t>11/19/2024</a:t>
+              <a:t>11/20/2024</a:t>
             </a:fld>
             <a:endParaRPr lang="en-US" dirty="0"/>
           </a:p>
@@ -3247,7 +3248,7 @@
             <a:fld id="{B61BEF0D-F0BB-DE4B-95CE-6DB70DBA9567}" type="datetimeFigureOut">
               <a:rPr lang="en-US" dirty="0"/>
               <a:pPr/>
-              <a:t>11/19/2024</a:t>
+              <a:t>11/20/2024</a:t>
             </a:fld>
             <a:endParaRPr lang="en-US" dirty="0"/>
           </a:p>
@@ -3480,7 +3481,7 @@
           <a:p>
             <a:fld id="{EB712588-04B1-427B-82EE-E8DB90309F08}" type="datetimeFigureOut">
               <a:rPr lang="en-US" dirty="0"/>
-              <a:t>11/19/2024</a:t>
+              <a:t>11/20/2024</a:t>
             </a:fld>
             <a:endParaRPr lang="en-US" dirty="0"/>
           </a:p>
@@ -3855,7 +3856,7 @@
             <a:fld id="{B61BEF0D-F0BB-DE4B-95CE-6DB70DBA9567}" type="datetimeFigureOut">
               <a:rPr lang="en-US" dirty="0"/>
               <a:pPr/>
-              <a:t>11/19/2024</a:t>
+              <a:t>11/20/2024</a:t>
             </a:fld>
             <a:endParaRPr lang="en-US" dirty="0"/>
           </a:p>
@@ -3980,7 +3981,7 @@
             <a:fld id="{B61BEF0D-F0BB-DE4B-95CE-6DB70DBA9567}" type="datetimeFigureOut">
               <a:rPr lang="en-US" dirty="0"/>
               <a:pPr/>
-              <a:t>11/19/2024</a:t>
+              <a:t>11/20/2024</a:t>
             </a:fld>
             <a:endParaRPr lang="en-US" dirty="0"/>
           </a:p>
@@ -4077,7 +4078,7 @@
             <a:fld id="{B61BEF0D-F0BB-DE4B-95CE-6DB70DBA9567}" type="datetimeFigureOut">
               <a:rPr lang="en-US" dirty="0"/>
               <a:pPr/>
-              <a:t>11/19/2024</a:t>
+              <a:t>11/20/2024</a:t>
             </a:fld>
             <a:endParaRPr lang="en-US" dirty="0"/>
           </a:p>
@@ -4333,7 +4334,7 @@
           <a:p>
             <a:fld id="{42A54C80-263E-416B-A8E0-580EDEADCBDC}" type="datetimeFigureOut">
               <a:rPr lang="en-US" dirty="0"/>
-              <a:t>11/19/2024</a:t>
+              <a:t>11/20/2024</a:t>
             </a:fld>
             <a:endParaRPr lang="en-US" dirty="0"/>
           </a:p>
@@ -4597,7 +4598,7 @@
             <a:fld id="{B61BEF0D-F0BB-DE4B-95CE-6DB70DBA9567}" type="datetimeFigureOut">
               <a:rPr lang="en-US" dirty="0"/>
               <a:pPr/>
-              <a:t>11/19/2024</a:t>
+              <a:t>11/20/2024</a:t>
             </a:fld>
             <a:endParaRPr lang="en-US" dirty="0"/>
           </a:p>
@@ -5342,7 +5343,7 @@
             <a:fld id="{B61BEF0D-F0BB-DE4B-95CE-6DB70DBA9567}" type="datetimeFigureOut">
               <a:rPr lang="en-US" dirty="0"/>
               <a:pPr/>
-              <a:t>11/19/2024</a:t>
+              <a:t>11/20/2024</a:t>
             </a:fld>
             <a:endParaRPr lang="en-US" dirty="0"/>
           </a:p>
@@ -5923,17 +5924,6 @@
           <a:lstStyle/>
           <a:p>
             <a:r>
-              <a:rPr lang="en-US" dirty="0" err="1">
-                <a:solidFill>
-                  <a:schemeClr val="tx1">
-                    <a:lumMod val="95000"/>
-                    <a:lumOff val="5000"/>
-                  </a:schemeClr>
-                </a:solidFill>
-              </a:rPr>
-              <a:t>Metin</a:t>
-            </a:r>
-            <a:r>
               <a:rPr lang="en-US" dirty="0">
                 <a:solidFill>
                   <a:schemeClr val="tx1">
@@ -5942,10 +5932,12 @@
                   </a:schemeClr>
                 </a:solidFill>
               </a:rPr>
-              <a:t> </a:t>
-            </a:r>
-            <a:r>
-              <a:rPr lang="en-US" dirty="0" err="1">
+              <a:t>Metin Öz                  Harun Üner</a:t>
+            </a:r>
+          </a:p>
+          <a:p>
+            <a:r>
+              <a:rPr lang="en-US" dirty="0" smtClean="0">
                 <a:solidFill>
                   <a:schemeClr val="tx1">
                     <a:lumMod val="95000"/>
@@ -5953,7 +5945,29 @@
                   </a:schemeClr>
                 </a:solidFill>
               </a:rPr>
-              <a:t>Öz</a:t>
+              <a:t>2019405</a:t>
+            </a:r>
+            <a:r>
+              <a:rPr lang="tr-TR" dirty="0" smtClean="0">
+                <a:solidFill>
+                  <a:schemeClr val="tx1">
+                    <a:lumMod val="95000"/>
+                    <a:lumOff val="5000"/>
+                  </a:schemeClr>
+                </a:solidFill>
+              </a:rPr>
+              <a:t>000</a:t>
+            </a:r>
+            <a:r>
+              <a:rPr lang="en-US" dirty="0" smtClean="0">
+                <a:solidFill>
+                  <a:schemeClr val="tx1">
+                    <a:lumMod val="95000"/>
+                    <a:lumOff val="5000"/>
+                  </a:schemeClr>
+                </a:solidFill>
+              </a:rPr>
+              <a:t>              </a:t>
             </a:r>
             <a:r>
               <a:rPr lang="en-US" dirty="0">
@@ -5964,39 +5978,7 @@
                   </a:schemeClr>
                 </a:solidFill>
               </a:rPr>
-              <a:t>                  Harun </a:t>
-            </a:r>
-            <a:r>
-              <a:rPr lang="en-US" dirty="0" err="1">
-                <a:solidFill>
-                  <a:schemeClr val="tx1">
-                    <a:lumMod val="95000"/>
-                    <a:lumOff val="5000"/>
-                  </a:schemeClr>
-                </a:solidFill>
-              </a:rPr>
-              <a:t>Üner</a:t>
-            </a:r>
-            <a:endParaRPr lang="en-US" dirty="0">
-              <a:solidFill>
-                <a:schemeClr val="tx1">
-                  <a:lumMod val="95000"/>
-                  <a:lumOff val="5000"/>
-                </a:schemeClr>
-              </a:solidFill>
-            </a:endParaRPr>
-          </a:p>
-          <a:p>
-            <a:r>
-              <a:rPr lang="en-US" dirty="0">
-                <a:solidFill>
-                  <a:schemeClr val="tx1">
-                    <a:lumMod val="95000"/>
-                    <a:lumOff val="5000"/>
-                  </a:schemeClr>
-                </a:solidFill>
-              </a:rPr>
-              <a:t>2019405207              2019405207 </a:t>
+              <a:t>2019405207 </a:t>
             </a:r>
           </a:p>
         </p:txBody>
@@ -6041,6 +6023,13 @@
   <p:clrMapOvr>
     <a:masterClrMapping/>
   </p:clrMapOvr>
+  <p:timing>
+    <p:tnLst>
+      <p:par>
+        <p:cTn id="1" dur="indefinite" restart="never" nodeType="tmRoot"/>
+      </p:par>
+    </p:tnLst>
+  </p:timing>
 </p:sld>
 </file>
 
@@ -6063,13 +6052,7 @@
       </p:grpSpPr>
       <p:sp>
         <p:nvSpPr>
-          <p:cNvPr id="2" name="Title 1">
-            <a:extLst>
-              <a:ext uri="{FF2B5EF4-FFF2-40B4-BE49-F238E27FC236}">
-                <a16:creationId xmlns:a16="http://schemas.microsoft.com/office/drawing/2014/main" id="{1DC861A9-3594-CC2F-7955-8B8B5FEE37B9}"/>
-              </a:ext>
-            </a:extLst>
-          </p:cNvPr>
+          <p:cNvPr id="2" name="Unvan 1"/>
           <p:cNvSpPr>
             <a:spLocks noGrp="1"/>
           </p:cNvSpPr>
@@ -6077,53 +6060,1803 @@
             <p:ph type="title"/>
           </p:nvPr>
         </p:nvSpPr>
-        <p:spPr/>
+        <p:spPr>
+          <a:xfrm>
+            <a:off x="677334" y="609600"/>
+            <a:ext cx="8596668" cy="665018"/>
+          </a:xfrm>
+        </p:spPr>
         <p:txBody>
           <a:bodyPr/>
           <a:lstStyle/>
           <a:p>
             <a:r>
-              <a:rPr lang="en-US" dirty="0"/>
-              <a:t>Tail Design and Stability Analysis</a:t>
-            </a:r>
-          </a:p>
-        </p:txBody>
-      </p:sp>
-      <p:sp>
-        <p:nvSpPr>
-          <p:cNvPr id="3" name="Content Placeholder 2">
-            <a:extLst>
-              <a:ext uri="{FF2B5EF4-FFF2-40B4-BE49-F238E27FC236}">
-                <a16:creationId xmlns:a16="http://schemas.microsoft.com/office/drawing/2014/main" id="{62D4517A-A874-33C3-B6F1-C545E9988E64}"/>
-              </a:ext>
-            </a:extLst>
-          </p:cNvPr>
-          <p:cNvSpPr>
-            <a:spLocks noGrp="1"/>
-          </p:cNvSpPr>
-          <p:nvPr>
-            <p:ph idx="1"/>
-          </p:nvPr>
-        </p:nvSpPr>
-        <p:spPr/>
-        <p:txBody>
-          <a:bodyPr/>
+              <a:rPr lang="en-GB" dirty="0" smtClean="0"/>
+              <a:t>XFLR-5 Wing Design and Analysis</a:t>
+            </a:r>
+            <a:endParaRPr lang="en-GB" dirty="0"/>
+          </a:p>
+        </p:txBody>
+      </p:sp>
+      <mc:AlternateContent xmlns:mc="http://schemas.openxmlformats.org/markup-compatibility/2006">
+        <mc:Choice xmlns:a14="http://schemas.microsoft.com/office/drawing/2010/main" Requires="a14">
+          <p:sp>
+            <p:nvSpPr>
+              <p:cNvPr id="3" name="İçerik Yer Tutucusu 2"/>
+              <p:cNvSpPr>
+                <a:spLocks noGrp="1"/>
+              </p:cNvSpPr>
+              <p:nvPr>
+                <p:ph idx="1"/>
+              </p:nvPr>
+            </p:nvSpPr>
+            <p:spPr>
+              <a:xfrm>
+                <a:off x="677335" y="1283855"/>
+                <a:ext cx="2010448" cy="4766744"/>
+              </a:xfrm>
+            </p:spPr>
+            <p:txBody>
+              <a:bodyPr>
+                <a:normAutofit/>
+              </a:bodyPr>
+              <a:lstStyle/>
+              <a:p>
+                <a14:m>
+                  <m:oMath xmlns:m="http://schemas.openxmlformats.org/officeDocument/2006/math">
+                    <m:sSup>
+                      <m:sSupPr>
+                        <m:ctrlPr>
+                          <a:rPr lang="en-GB" b="1" i="1" u="sng" smtClean="0">
+                            <a:solidFill>
+                              <a:schemeClr val="accent2">
+                                <a:lumMod val="75000"/>
+                              </a:schemeClr>
+                            </a:solidFill>
+                            <a:latin typeface="Cambria Math" panose="02040503050406030204" pitchFamily="18" charset="0"/>
+                          </a:rPr>
+                        </m:ctrlPr>
+                      </m:sSupPr>
+                      <m:e>
+                        <m:r>
+                          <a:rPr lang="en-GB" b="1" i="1" u="sng" smtClean="0">
+                            <a:solidFill>
+                              <a:schemeClr val="accent2">
+                                <a:lumMod val="75000"/>
+                              </a:schemeClr>
+                            </a:solidFill>
+                            <a:latin typeface="Cambria Math" panose="02040503050406030204" pitchFamily="18" charset="0"/>
+                          </a:rPr>
+                          <m:t>𝟏</m:t>
+                        </m:r>
+                      </m:e>
+                      <m:sup>
+                        <m:r>
+                          <a:rPr lang="en-GB" b="1" i="1" u="sng" smtClean="0">
+                            <a:solidFill>
+                              <a:schemeClr val="accent2">
+                                <a:lumMod val="75000"/>
+                              </a:schemeClr>
+                            </a:solidFill>
+                            <a:latin typeface="Cambria Math" panose="02040503050406030204" pitchFamily="18" charset="0"/>
+                          </a:rPr>
+                          <m:t>𝒔𝒕</m:t>
+                        </m:r>
+                      </m:sup>
+                    </m:sSup>
+                    <m:r>
+                      <a:rPr lang="en-GB" b="1" i="1" u="sng" smtClean="0">
+                        <a:solidFill>
+                          <a:schemeClr val="accent2">
+                            <a:lumMod val="75000"/>
+                          </a:schemeClr>
+                        </a:solidFill>
+                        <a:latin typeface="Cambria Math" panose="02040503050406030204" pitchFamily="18" charset="0"/>
+                      </a:rPr>
+                      <m:t> </m:t>
+                    </m:r>
+                    <m:r>
+                      <a:rPr lang="en-GB" b="1" i="1" u="sng" smtClean="0">
+                        <a:solidFill>
+                          <a:schemeClr val="accent2">
+                            <a:lumMod val="75000"/>
+                          </a:schemeClr>
+                        </a:solidFill>
+                        <a:latin typeface="Cambria Math" panose="02040503050406030204" pitchFamily="18" charset="0"/>
+                      </a:rPr>
+                      <m:t>𝑰𝒕𝒆𝒓𝒂𝒕𝒊𝒐𝒏</m:t>
+                    </m:r>
+                  </m:oMath>
+                </a14:m>
+                <a:endParaRPr lang="en-GB" b="1" u="sng" dirty="0" smtClean="0">
+                  <a:solidFill>
+                    <a:schemeClr val="accent2">
+                      <a:lumMod val="75000"/>
+                    </a:schemeClr>
+                  </a:solidFill>
+                </a:endParaRPr>
+              </a:p>
+              <a:p>
+                <a:pPr marL="0" indent="0">
+                  <a:buNone/>
+                </a:pPr>
+                <a:r>
+                  <a:rPr lang="en-GB" sz="1600" dirty="0" smtClean="0"/>
+                  <a:t>Wing Area: 19.1</a:t>
+                </a:r>
+                <a14:m>
+                  <m:oMath xmlns:m="http://schemas.openxmlformats.org/officeDocument/2006/math">
+                    <m:sSup>
+                      <m:sSupPr>
+                        <m:ctrlPr>
+                          <a:rPr lang="en-GB" sz="1600" i="1" smtClean="0">
+                            <a:latin typeface="Cambria Math" panose="02040503050406030204" pitchFamily="18" charset="0"/>
+                          </a:rPr>
+                        </m:ctrlPr>
+                      </m:sSupPr>
+                      <m:e>
+                        <m:r>
+                          <a:rPr lang="en-GB" sz="1600" b="0" i="1" smtClean="0">
+                            <a:latin typeface="Cambria Math" panose="02040503050406030204" pitchFamily="18" charset="0"/>
+                          </a:rPr>
+                          <m:t>𝑑𝑚</m:t>
+                        </m:r>
+                      </m:e>
+                      <m:sup>
+                        <m:r>
+                          <a:rPr lang="en-GB" sz="1600" b="0" i="1" smtClean="0">
+                            <a:latin typeface="Cambria Math" panose="02040503050406030204" pitchFamily="18" charset="0"/>
+                          </a:rPr>
+                          <m:t>2</m:t>
+                        </m:r>
+                      </m:sup>
+                    </m:sSup>
+                  </m:oMath>
+                </a14:m>
+                <a:endParaRPr lang="en-GB" sz="1600" dirty="0"/>
+              </a:p>
+              <a:p>
+                <a:pPr marL="0" indent="0">
+                  <a:buNone/>
+                </a:pPr>
+                <a:r>
+                  <a:rPr lang="en-GB" sz="1600" dirty="0" smtClean="0"/>
+                  <a:t>M.A.Chord: 191</a:t>
+                </a:r>
+                <a14:m>
+                  <m:oMath xmlns:m="http://schemas.openxmlformats.org/officeDocument/2006/math">
+                    <m:r>
+                      <a:rPr lang="en-GB" sz="1600" b="0" i="1" smtClean="0">
+                        <a:latin typeface="Cambria Math" panose="02040503050406030204" pitchFamily="18" charset="0"/>
+                      </a:rPr>
+                      <m:t>𝑚𝑚</m:t>
+                    </m:r>
+                  </m:oMath>
+                </a14:m>
+                <a:endParaRPr lang="en-GB" sz="1600" dirty="0" smtClean="0"/>
+              </a:p>
+              <a:p>
+                <a:pPr marL="0" indent="0">
+                  <a:buNone/>
+                </a:pPr>
+                <a:r>
+                  <a:rPr lang="en-GB" sz="1600" dirty="0" smtClean="0"/>
+                  <a:t>Air</a:t>
+                </a:r>
+                <a:r>
+                  <a:rPr lang="tr-TR" sz="1600" dirty="0" smtClean="0"/>
+                  <a:t>f</a:t>
+                </a:r>
+                <a:r>
+                  <a:rPr lang="en-GB" sz="1600" dirty="0" smtClean="0"/>
+                  <a:t>oil: NACA 4412</a:t>
+                </a:r>
+              </a:p>
+              <a:p>
+                <a14:m>
+                  <m:oMath xmlns:m="http://schemas.openxmlformats.org/officeDocument/2006/math">
+                    <m:sSup>
+                      <m:sSupPr>
+                        <m:ctrlPr>
+                          <a:rPr lang="en-GB" b="1" i="1" u="sng" smtClean="0">
+                            <a:solidFill>
+                              <a:schemeClr val="accent2">
+                                <a:lumMod val="75000"/>
+                              </a:schemeClr>
+                            </a:solidFill>
+                            <a:latin typeface="Cambria Math" panose="02040503050406030204" pitchFamily="18" charset="0"/>
+                          </a:rPr>
+                        </m:ctrlPr>
+                      </m:sSupPr>
+                      <m:e>
+                        <m:r>
+                          <a:rPr lang="tr-TR" b="1" i="1" u="sng" smtClean="0">
+                            <a:solidFill>
+                              <a:schemeClr val="accent2">
+                                <a:lumMod val="75000"/>
+                              </a:schemeClr>
+                            </a:solidFill>
+                            <a:latin typeface="Cambria Math" panose="02040503050406030204" pitchFamily="18" charset="0"/>
+                          </a:rPr>
+                          <m:t>𝟑</m:t>
+                        </m:r>
+                      </m:e>
+                      <m:sup>
+                        <m:r>
+                          <a:rPr lang="en-GB" b="1" i="1" u="sng" smtClean="0">
+                            <a:solidFill>
+                              <a:schemeClr val="accent2">
+                                <a:lumMod val="75000"/>
+                              </a:schemeClr>
+                            </a:solidFill>
+                            <a:latin typeface="Cambria Math" panose="02040503050406030204" pitchFamily="18" charset="0"/>
+                          </a:rPr>
+                          <m:t>𝒏𝒅</m:t>
+                        </m:r>
+                      </m:sup>
+                    </m:sSup>
+                    <m:r>
+                      <a:rPr lang="en-GB" b="1" i="1" u="sng" smtClean="0">
+                        <a:solidFill>
+                          <a:schemeClr val="accent2">
+                            <a:lumMod val="75000"/>
+                          </a:schemeClr>
+                        </a:solidFill>
+                        <a:latin typeface="Cambria Math" panose="02040503050406030204" pitchFamily="18" charset="0"/>
+                      </a:rPr>
+                      <m:t> </m:t>
+                    </m:r>
+                    <m:r>
+                      <a:rPr lang="en-GB" b="1" i="1" u="sng" smtClean="0">
+                        <a:solidFill>
+                          <a:schemeClr val="accent2">
+                            <a:lumMod val="75000"/>
+                          </a:schemeClr>
+                        </a:solidFill>
+                        <a:latin typeface="Cambria Math" panose="02040503050406030204" pitchFamily="18" charset="0"/>
+                      </a:rPr>
+                      <m:t>𝑰𝒕𝒆𝒓𝒂𝒕𝒊𝒐𝒏</m:t>
+                    </m:r>
+                  </m:oMath>
+                </a14:m>
+                <a:endParaRPr lang="tr-TR" b="1" u="sng" dirty="0" smtClean="0"/>
+              </a:p>
+              <a:p>
+                <a:pPr marL="0" indent="0">
+                  <a:buNone/>
+                </a:pPr>
+                <a:r>
+                  <a:rPr lang="en-GB" sz="1600" dirty="0"/>
+                  <a:t>Wing Area: 25.0</a:t>
+                </a:r>
+                <a14:m>
+                  <m:oMath xmlns:m="http://schemas.openxmlformats.org/officeDocument/2006/math">
+                    <m:sSup>
+                      <m:sSupPr>
+                        <m:ctrlPr>
+                          <a:rPr lang="en-GB" sz="1600" i="1">
+                            <a:latin typeface="Cambria Math" panose="02040503050406030204" pitchFamily="18" charset="0"/>
+                          </a:rPr>
+                        </m:ctrlPr>
+                      </m:sSupPr>
+                      <m:e>
+                        <m:r>
+                          <a:rPr lang="en-GB" sz="1600" i="1">
+                            <a:latin typeface="Cambria Math" panose="02040503050406030204" pitchFamily="18" charset="0"/>
+                          </a:rPr>
+                          <m:t>𝑑𝑚</m:t>
+                        </m:r>
+                      </m:e>
+                      <m:sup>
+                        <m:r>
+                          <a:rPr lang="en-GB" sz="1600" i="1">
+                            <a:latin typeface="Cambria Math" panose="02040503050406030204" pitchFamily="18" charset="0"/>
+                          </a:rPr>
+                          <m:t>2</m:t>
+                        </m:r>
+                      </m:sup>
+                    </m:sSup>
+                  </m:oMath>
+                </a14:m>
+                <a:endParaRPr lang="en-GB" sz="1600" dirty="0"/>
+              </a:p>
+              <a:p>
+                <a:pPr marL="0" indent="0">
+                  <a:buNone/>
+                </a:pPr>
+                <a:r>
+                  <a:rPr lang="en-GB" sz="1600" dirty="0"/>
+                  <a:t>M.A.Chord: 191</a:t>
+                </a:r>
+                <a14:m>
+                  <m:oMath xmlns:m="http://schemas.openxmlformats.org/officeDocument/2006/math">
+                    <m:r>
+                      <a:rPr lang="en-GB" sz="1600" i="1">
+                        <a:latin typeface="Cambria Math" panose="02040503050406030204" pitchFamily="18" charset="0"/>
+                      </a:rPr>
+                      <m:t>𝑚𝑚</m:t>
+                    </m:r>
+                  </m:oMath>
+                </a14:m>
+                <a:endParaRPr lang="en-GB" sz="1600" dirty="0"/>
+              </a:p>
+              <a:p>
+                <a:pPr marL="0" indent="0">
+                  <a:buNone/>
+                </a:pPr>
+                <a:r>
+                  <a:rPr lang="en-GB" sz="1600" dirty="0"/>
+                  <a:t>Air</a:t>
+                </a:r>
+                <a:r>
+                  <a:rPr lang="tr-TR" sz="1600" dirty="0"/>
+                  <a:t>f</a:t>
+                </a:r>
+                <a:r>
+                  <a:rPr lang="en-GB" sz="1600" dirty="0"/>
+                  <a:t>oil</a:t>
+                </a:r>
+                <a:r>
+                  <a:rPr lang="en-GB" sz="1600" dirty="0"/>
+                  <a:t>: NACA </a:t>
+                </a:r>
+                <a:r>
+                  <a:rPr lang="en-GB" sz="1600" dirty="0" smtClean="0"/>
+                  <a:t>4412</a:t>
+                </a:r>
+                <a:endParaRPr lang="tr-TR" sz="1600" b="1" u="sng" dirty="0" smtClean="0"/>
+              </a:p>
+              <a:p>
+                <a14:m>
+                  <m:oMath xmlns:m="http://schemas.openxmlformats.org/officeDocument/2006/math">
+                    <m:sSup>
+                      <m:sSupPr>
+                        <m:ctrlPr>
+                          <a:rPr lang="en-GB" b="1" i="1" u="sng" smtClean="0">
+                            <a:solidFill>
+                              <a:schemeClr val="accent2">
+                                <a:lumMod val="75000"/>
+                              </a:schemeClr>
+                            </a:solidFill>
+                            <a:latin typeface="Cambria Math" panose="02040503050406030204" pitchFamily="18" charset="0"/>
+                          </a:rPr>
+                        </m:ctrlPr>
+                      </m:sSupPr>
+                      <m:e>
+                        <m:r>
+                          <a:rPr lang="tr-TR" b="1" i="1" u="sng" smtClean="0">
+                            <a:solidFill>
+                              <a:schemeClr val="accent2">
+                                <a:lumMod val="75000"/>
+                              </a:schemeClr>
+                            </a:solidFill>
+                            <a:latin typeface="Cambria Math" panose="02040503050406030204" pitchFamily="18" charset="0"/>
+                          </a:rPr>
+                          <m:t>𝟓</m:t>
+                        </m:r>
+                      </m:e>
+                      <m:sup>
+                        <m:r>
+                          <a:rPr lang="tr-TR" b="1" i="1" u="sng" smtClean="0">
+                            <a:solidFill>
+                              <a:schemeClr val="accent2">
+                                <a:lumMod val="75000"/>
+                              </a:schemeClr>
+                            </a:solidFill>
+                            <a:latin typeface="Cambria Math" panose="02040503050406030204" pitchFamily="18" charset="0"/>
+                          </a:rPr>
+                          <m:t>𝒕𝒉</m:t>
+                        </m:r>
+                      </m:sup>
+                    </m:sSup>
+                    <m:r>
+                      <a:rPr lang="en-GB" b="1" i="1" u="sng" smtClean="0">
+                        <a:solidFill>
+                          <a:schemeClr val="accent2">
+                            <a:lumMod val="75000"/>
+                          </a:schemeClr>
+                        </a:solidFill>
+                        <a:latin typeface="Cambria Math" panose="02040503050406030204" pitchFamily="18" charset="0"/>
+                      </a:rPr>
+                      <m:t>𝑰𝒕𝒆𝒓𝒂𝒕𝒊𝒐𝒏</m:t>
+                    </m:r>
+                  </m:oMath>
+                </a14:m>
+                <a:endParaRPr lang="tr-TR" b="1" u="sng" dirty="0" smtClean="0">
+                  <a:solidFill>
+                    <a:schemeClr val="accent2">
+                      <a:lumMod val="75000"/>
+                    </a:schemeClr>
+                  </a:solidFill>
+                </a:endParaRPr>
+              </a:p>
+              <a:p>
+                <a:pPr marL="0" indent="0">
+                  <a:buNone/>
+                </a:pPr>
+                <a:r>
+                  <a:rPr lang="en-GB" sz="1600" dirty="0"/>
+                  <a:t>Wing Area: 25.2</a:t>
+                </a:r>
+                <a14:m>
+                  <m:oMath xmlns:m="http://schemas.openxmlformats.org/officeDocument/2006/math">
+                    <m:sSup>
+                      <m:sSupPr>
+                        <m:ctrlPr>
+                          <a:rPr lang="en-GB" sz="1600" i="1">
+                            <a:latin typeface="Cambria Math" panose="02040503050406030204" pitchFamily="18" charset="0"/>
+                          </a:rPr>
+                        </m:ctrlPr>
+                      </m:sSupPr>
+                      <m:e>
+                        <m:r>
+                          <a:rPr lang="en-GB" sz="1600" i="1">
+                            <a:latin typeface="Cambria Math" panose="02040503050406030204" pitchFamily="18" charset="0"/>
+                          </a:rPr>
+                          <m:t>𝑑𝑚</m:t>
+                        </m:r>
+                      </m:e>
+                      <m:sup>
+                        <m:r>
+                          <a:rPr lang="en-GB" sz="1600" i="1">
+                            <a:latin typeface="Cambria Math" panose="02040503050406030204" pitchFamily="18" charset="0"/>
+                          </a:rPr>
+                          <m:t>2</m:t>
+                        </m:r>
+                      </m:sup>
+                    </m:sSup>
+                  </m:oMath>
+                </a14:m>
+                <a:endParaRPr lang="en-GB" sz="1600" dirty="0"/>
+              </a:p>
+              <a:p>
+                <a:pPr marL="0" indent="0">
+                  <a:buNone/>
+                </a:pPr>
+                <a:r>
+                  <a:rPr lang="en-GB" sz="1600" dirty="0"/>
+                  <a:t>M.A.Chord: 19</a:t>
+                </a:r>
+                <a:r>
+                  <a:rPr lang="tr-TR" sz="1600" dirty="0" smtClean="0"/>
+                  <a:t>5</a:t>
+                </a:r>
+                <a14:m>
+                  <m:oMath xmlns:m="http://schemas.openxmlformats.org/officeDocument/2006/math">
+                    <m:r>
+                      <a:rPr lang="en-GB" sz="1600" i="1">
+                        <a:latin typeface="Cambria Math" panose="02040503050406030204" pitchFamily="18" charset="0"/>
+                      </a:rPr>
+                      <m:t>𝑚𝑚</m:t>
+                    </m:r>
+                  </m:oMath>
+                </a14:m>
+                <a:endParaRPr lang="en-GB" sz="1600" dirty="0"/>
+              </a:p>
+              <a:p>
+                <a:pPr marL="0" indent="0">
+                  <a:buNone/>
+                </a:pPr>
+                <a:r>
+                  <a:rPr lang="en-GB" sz="1600" dirty="0"/>
+                  <a:t>Airfoil</a:t>
+                </a:r>
+                <a:r>
+                  <a:rPr lang="en-GB" sz="1600" dirty="0"/>
+                  <a:t>: NACA </a:t>
+                </a:r>
+                <a:r>
+                  <a:rPr lang="en-GB" sz="1600" dirty="0" smtClean="0"/>
+                  <a:t>6412</a:t>
+                </a:r>
+                <a:endParaRPr lang="en-GB" sz="1600" b="1" u="sng" dirty="0" smtClean="0"/>
+              </a:p>
+            </p:txBody>
+          </p:sp>
+        </mc:Choice>
+        <mc:Fallback>
+          <p:sp>
+            <p:nvSpPr>
+              <p:cNvPr id="3" name="İçerik Yer Tutucusu 2"/>
+              <p:cNvSpPr>
+                <a:spLocks noGrp="1" noRot="1" noChangeAspect="1" noMove="1" noResize="1" noEditPoints="1" noAdjustHandles="1" noChangeArrowheads="1" noChangeShapeType="1" noTextEdit="1"/>
+              </p:cNvSpPr>
+              <p:nvPr>
+                <p:ph idx="1"/>
+              </p:nvPr>
+            </p:nvSpPr>
+            <p:spPr>
+              <a:xfrm>
+                <a:off x="677335" y="1283855"/>
+                <a:ext cx="2010448" cy="4766744"/>
+              </a:xfrm>
+              <a:blipFill>
+                <a:blip r:embed="rId2"/>
+                <a:stretch>
+                  <a:fillRect l="-1515"/>
+                </a:stretch>
+              </a:blipFill>
+            </p:spPr>
+            <p:txBody>
+              <a:bodyPr/>
+              <a:lstStyle/>
+              <a:p>
+                <a:r>
+                  <a:rPr lang="en-GB">
+                    <a:noFill/>
+                  </a:rPr>
+                  <a:t> </a:t>
+                </a:r>
+              </a:p>
+            </p:txBody>
+          </p:sp>
+        </mc:Fallback>
+      </mc:AlternateContent>
+      <mc:AlternateContent xmlns:mc="http://schemas.openxmlformats.org/markup-compatibility/2006">
+        <mc:Choice xmlns:a14="http://schemas.microsoft.com/office/drawing/2010/main" Requires="a14">
+          <p:sp>
+            <p:nvSpPr>
+              <p:cNvPr id="5" name="İçerik Yer Tutucusu 2"/>
+              <p:cNvSpPr txBox="1">
+                <a:spLocks/>
+              </p:cNvSpPr>
+              <p:nvPr/>
+            </p:nvSpPr>
+            <p:spPr>
+              <a:xfrm>
+                <a:off x="6518141" y="1283855"/>
+                <a:ext cx="2010448" cy="4766744"/>
+              </a:xfrm>
+              <a:prstGeom prst="rect">
+                <a:avLst/>
+              </a:prstGeom>
+            </p:spPr>
+            <p:txBody>
+              <a:bodyPr vert="horz" lIns="91440" tIns="45720" rIns="91440" bIns="45720" rtlCol="0">
+                <a:normAutofit/>
+              </a:bodyPr>
+              <a:lstStyle>
+                <a:lvl1pPr marL="342900" indent="-342900" algn="l" defTabSz="457200" rtl="0" eaLnBrk="1" latinLnBrk="0" hangingPunct="1">
+                  <a:spcBef>
+                    <a:spcPts val="1000"/>
+                  </a:spcBef>
+                  <a:spcAft>
+                    <a:spcPts val="0"/>
+                  </a:spcAft>
+                  <a:buClr>
+                    <a:schemeClr val="accent1"/>
+                  </a:buClr>
+                  <a:buSzPct val="80000"/>
+                  <a:buFont typeface="Wingdings 3" charset="2"/>
+                  <a:buChar char=""/>
+                  <a:defRPr sz="1800" kern="1200">
+                    <a:solidFill>
+                      <a:schemeClr val="tx1">
+                        <a:lumMod val="75000"/>
+                        <a:lumOff val="25000"/>
+                      </a:schemeClr>
+                    </a:solidFill>
+                    <a:latin typeface="+mn-lt"/>
+                    <a:ea typeface="+mn-ea"/>
+                    <a:cs typeface="+mn-cs"/>
+                  </a:defRPr>
+                </a:lvl1pPr>
+                <a:lvl2pPr marL="742950" indent="-285750" algn="l" defTabSz="457200" rtl="0" eaLnBrk="1" latinLnBrk="0" hangingPunct="1">
+                  <a:spcBef>
+                    <a:spcPts val="1000"/>
+                  </a:spcBef>
+                  <a:spcAft>
+                    <a:spcPts val="0"/>
+                  </a:spcAft>
+                  <a:buClr>
+                    <a:schemeClr val="accent1"/>
+                  </a:buClr>
+                  <a:buSzPct val="80000"/>
+                  <a:buFont typeface="Wingdings 3" charset="2"/>
+                  <a:buChar char=""/>
+                  <a:defRPr sz="1600" kern="1200">
+                    <a:solidFill>
+                      <a:schemeClr val="tx1">
+                        <a:lumMod val="75000"/>
+                        <a:lumOff val="25000"/>
+                      </a:schemeClr>
+                    </a:solidFill>
+                    <a:latin typeface="+mn-lt"/>
+                    <a:ea typeface="+mn-ea"/>
+                    <a:cs typeface="+mn-cs"/>
+                  </a:defRPr>
+                </a:lvl2pPr>
+                <a:lvl3pPr marL="1143000" indent="-228600" algn="l" defTabSz="457200" rtl="0" eaLnBrk="1" latinLnBrk="0" hangingPunct="1">
+                  <a:spcBef>
+                    <a:spcPts val="1000"/>
+                  </a:spcBef>
+                  <a:spcAft>
+                    <a:spcPts val="0"/>
+                  </a:spcAft>
+                  <a:buClr>
+                    <a:schemeClr val="accent1"/>
+                  </a:buClr>
+                  <a:buSzPct val="80000"/>
+                  <a:buFont typeface="Wingdings 3" charset="2"/>
+                  <a:buChar char=""/>
+                  <a:defRPr sz="1400" kern="1200">
+                    <a:solidFill>
+                      <a:schemeClr val="tx1">
+                        <a:lumMod val="75000"/>
+                        <a:lumOff val="25000"/>
+                      </a:schemeClr>
+                    </a:solidFill>
+                    <a:latin typeface="+mn-lt"/>
+                    <a:ea typeface="+mn-ea"/>
+                    <a:cs typeface="+mn-cs"/>
+                  </a:defRPr>
+                </a:lvl3pPr>
+                <a:lvl4pPr marL="1600200" indent="-228600" algn="l" defTabSz="457200" rtl="0" eaLnBrk="1" latinLnBrk="0" hangingPunct="1">
+                  <a:spcBef>
+                    <a:spcPts val="1000"/>
+                  </a:spcBef>
+                  <a:spcAft>
+                    <a:spcPts val="0"/>
+                  </a:spcAft>
+                  <a:buClr>
+                    <a:schemeClr val="accent1"/>
+                  </a:buClr>
+                  <a:buSzPct val="80000"/>
+                  <a:buFont typeface="Wingdings 3" charset="2"/>
+                  <a:buChar char=""/>
+                  <a:defRPr sz="1200" kern="1200">
+                    <a:solidFill>
+                      <a:schemeClr val="tx1">
+                        <a:lumMod val="75000"/>
+                        <a:lumOff val="25000"/>
+                      </a:schemeClr>
+                    </a:solidFill>
+                    <a:latin typeface="+mn-lt"/>
+                    <a:ea typeface="+mn-ea"/>
+                    <a:cs typeface="+mn-cs"/>
+                  </a:defRPr>
+                </a:lvl4pPr>
+                <a:lvl5pPr marL="2057400" indent="-228600" algn="l" defTabSz="457200" rtl="0" eaLnBrk="1" latinLnBrk="0" hangingPunct="1">
+                  <a:spcBef>
+                    <a:spcPts val="1000"/>
+                  </a:spcBef>
+                  <a:spcAft>
+                    <a:spcPts val="0"/>
+                  </a:spcAft>
+                  <a:buClr>
+                    <a:schemeClr val="accent1"/>
+                  </a:buClr>
+                  <a:buSzPct val="80000"/>
+                  <a:buFont typeface="Wingdings 3" charset="2"/>
+                  <a:buChar char=""/>
+                  <a:defRPr sz="1200" kern="1200">
+                    <a:solidFill>
+                      <a:schemeClr val="tx1">
+                        <a:lumMod val="75000"/>
+                        <a:lumOff val="25000"/>
+                      </a:schemeClr>
+                    </a:solidFill>
+                    <a:latin typeface="+mn-lt"/>
+                    <a:ea typeface="+mn-ea"/>
+                    <a:cs typeface="+mn-cs"/>
+                  </a:defRPr>
+                </a:lvl5pPr>
+                <a:lvl6pPr marL="2514600" indent="-228600" algn="l" defTabSz="457200" rtl="0" eaLnBrk="1" latinLnBrk="0" hangingPunct="1">
+                  <a:spcBef>
+                    <a:spcPts val="1000"/>
+                  </a:spcBef>
+                  <a:spcAft>
+                    <a:spcPts val="0"/>
+                  </a:spcAft>
+                  <a:buClr>
+                    <a:schemeClr val="accent1"/>
+                  </a:buClr>
+                  <a:buSzPct val="80000"/>
+                  <a:buFont typeface="Wingdings 3" charset="2"/>
+                  <a:buChar char=""/>
+                  <a:defRPr sz="1200" kern="1200">
+                    <a:solidFill>
+                      <a:schemeClr val="tx1">
+                        <a:lumMod val="75000"/>
+                        <a:lumOff val="25000"/>
+                      </a:schemeClr>
+                    </a:solidFill>
+                    <a:latin typeface="+mn-lt"/>
+                    <a:ea typeface="+mn-ea"/>
+                    <a:cs typeface="+mn-cs"/>
+                  </a:defRPr>
+                </a:lvl6pPr>
+                <a:lvl7pPr marL="2971800" indent="-228600" algn="l" defTabSz="457200" rtl="0" eaLnBrk="1" latinLnBrk="0" hangingPunct="1">
+                  <a:spcBef>
+                    <a:spcPts val="1000"/>
+                  </a:spcBef>
+                  <a:spcAft>
+                    <a:spcPts val="0"/>
+                  </a:spcAft>
+                  <a:buClr>
+                    <a:schemeClr val="accent1"/>
+                  </a:buClr>
+                  <a:buSzPct val="80000"/>
+                  <a:buFont typeface="Wingdings 3" charset="2"/>
+                  <a:buChar char=""/>
+                  <a:defRPr sz="1200" kern="1200">
+                    <a:solidFill>
+                      <a:schemeClr val="tx1">
+                        <a:lumMod val="75000"/>
+                        <a:lumOff val="25000"/>
+                      </a:schemeClr>
+                    </a:solidFill>
+                    <a:latin typeface="+mn-lt"/>
+                    <a:ea typeface="+mn-ea"/>
+                    <a:cs typeface="+mn-cs"/>
+                  </a:defRPr>
+                </a:lvl7pPr>
+                <a:lvl8pPr marL="3429000" indent="-228600" algn="l" defTabSz="457200" rtl="0" eaLnBrk="1" latinLnBrk="0" hangingPunct="1">
+                  <a:spcBef>
+                    <a:spcPts val="1000"/>
+                  </a:spcBef>
+                  <a:spcAft>
+                    <a:spcPts val="0"/>
+                  </a:spcAft>
+                  <a:buClr>
+                    <a:schemeClr val="accent1"/>
+                  </a:buClr>
+                  <a:buSzPct val="80000"/>
+                  <a:buFont typeface="Wingdings 3" charset="2"/>
+                  <a:buChar char=""/>
+                  <a:defRPr sz="1200" kern="1200">
+                    <a:solidFill>
+                      <a:schemeClr val="tx1">
+                        <a:lumMod val="75000"/>
+                        <a:lumOff val="25000"/>
+                      </a:schemeClr>
+                    </a:solidFill>
+                    <a:latin typeface="+mn-lt"/>
+                    <a:ea typeface="+mn-ea"/>
+                    <a:cs typeface="+mn-cs"/>
+                  </a:defRPr>
+                </a:lvl8pPr>
+                <a:lvl9pPr marL="3886200" indent="-228600" algn="l" defTabSz="457200" rtl="0" eaLnBrk="1" latinLnBrk="0" hangingPunct="1">
+                  <a:spcBef>
+                    <a:spcPts val="1000"/>
+                  </a:spcBef>
+                  <a:spcAft>
+                    <a:spcPts val="0"/>
+                  </a:spcAft>
+                  <a:buClr>
+                    <a:schemeClr val="accent1"/>
+                  </a:buClr>
+                  <a:buSzPct val="80000"/>
+                  <a:buFont typeface="Wingdings 3" charset="2"/>
+                  <a:buChar char=""/>
+                  <a:defRPr sz="1200" kern="1200">
+                    <a:solidFill>
+                      <a:schemeClr val="tx1">
+                        <a:lumMod val="75000"/>
+                        <a:lumOff val="25000"/>
+                      </a:schemeClr>
+                    </a:solidFill>
+                    <a:latin typeface="+mn-lt"/>
+                    <a:ea typeface="+mn-ea"/>
+                    <a:cs typeface="+mn-cs"/>
+                  </a:defRPr>
+                </a:lvl9pPr>
+              </a:lstStyle>
+              <a:p>
+                <a14:m>
+                  <m:oMath xmlns:m="http://schemas.openxmlformats.org/officeDocument/2006/math">
+                    <m:sSup>
+                      <m:sSupPr>
+                        <m:ctrlPr>
+                          <a:rPr lang="en-GB" b="1" i="1" u="sng" smtClean="0">
+                            <a:solidFill>
+                              <a:schemeClr val="accent2">
+                                <a:lumMod val="75000"/>
+                              </a:schemeClr>
+                            </a:solidFill>
+                            <a:latin typeface="Cambria Math" panose="02040503050406030204" pitchFamily="18" charset="0"/>
+                          </a:rPr>
+                        </m:ctrlPr>
+                      </m:sSupPr>
+                      <m:e>
+                        <m:r>
+                          <a:rPr lang="tr-TR" b="1" i="1" u="sng" smtClean="0">
+                            <a:solidFill>
+                              <a:schemeClr val="accent2">
+                                <a:lumMod val="75000"/>
+                              </a:schemeClr>
+                            </a:solidFill>
+                            <a:latin typeface="Cambria Math" panose="02040503050406030204" pitchFamily="18" charset="0"/>
+                          </a:rPr>
+                          <m:t>𝟐</m:t>
+                        </m:r>
+                      </m:e>
+                      <m:sup>
+                        <m:r>
+                          <a:rPr lang="tr-TR" b="1" i="1" u="sng" smtClean="0">
+                            <a:solidFill>
+                              <a:schemeClr val="accent2">
+                                <a:lumMod val="75000"/>
+                              </a:schemeClr>
+                            </a:solidFill>
+                            <a:latin typeface="Cambria Math" panose="02040503050406030204" pitchFamily="18" charset="0"/>
+                          </a:rPr>
+                          <m:t>𝒏𝒅</m:t>
+                        </m:r>
+                      </m:sup>
+                    </m:sSup>
+                    <m:r>
+                      <a:rPr lang="en-GB" b="1" i="1" u="sng" smtClean="0">
+                        <a:solidFill>
+                          <a:schemeClr val="accent2">
+                            <a:lumMod val="75000"/>
+                          </a:schemeClr>
+                        </a:solidFill>
+                        <a:latin typeface="Cambria Math" panose="02040503050406030204" pitchFamily="18" charset="0"/>
+                      </a:rPr>
+                      <m:t> </m:t>
+                    </m:r>
+                    <m:r>
+                      <a:rPr lang="en-GB" b="1" i="1" u="sng" smtClean="0">
+                        <a:solidFill>
+                          <a:schemeClr val="accent2">
+                            <a:lumMod val="75000"/>
+                          </a:schemeClr>
+                        </a:solidFill>
+                        <a:latin typeface="Cambria Math" panose="02040503050406030204" pitchFamily="18" charset="0"/>
+                      </a:rPr>
+                      <m:t>𝑰𝒕𝒆𝒓𝒂𝒕𝒊𝒐𝒏</m:t>
+                    </m:r>
+                  </m:oMath>
+                </a14:m>
+                <a:endParaRPr lang="tr-TR" b="1" u="sng" dirty="0" smtClean="0">
+                  <a:solidFill>
+                    <a:schemeClr val="accent2">
+                      <a:lumMod val="75000"/>
+                    </a:schemeClr>
+                  </a:solidFill>
+                </a:endParaRPr>
+              </a:p>
+              <a:p>
+                <a:pPr marL="0" indent="0">
+                  <a:buNone/>
+                </a:pPr>
+                <a:r>
+                  <a:rPr lang="en-GB" sz="1600" dirty="0" smtClean="0"/>
+                  <a:t>Wing </a:t>
+                </a:r>
+                <a:r>
+                  <a:rPr lang="en-GB" sz="1600" dirty="0"/>
+                  <a:t>Area: 21.0</a:t>
+                </a:r>
+                <a14:m>
+                  <m:oMath xmlns:m="http://schemas.openxmlformats.org/officeDocument/2006/math">
+                    <m:sSup>
+                      <m:sSupPr>
+                        <m:ctrlPr>
+                          <a:rPr lang="en-GB" sz="1600" i="1">
+                            <a:latin typeface="Cambria Math" panose="02040503050406030204" pitchFamily="18" charset="0"/>
+                          </a:rPr>
+                        </m:ctrlPr>
+                      </m:sSupPr>
+                      <m:e>
+                        <m:r>
+                          <a:rPr lang="en-GB" sz="1600" i="1">
+                            <a:latin typeface="Cambria Math" panose="02040503050406030204" pitchFamily="18" charset="0"/>
+                          </a:rPr>
+                          <m:t>𝑑𝑚</m:t>
+                        </m:r>
+                      </m:e>
+                      <m:sup>
+                        <m:r>
+                          <a:rPr lang="en-GB" sz="1600" i="1">
+                            <a:latin typeface="Cambria Math" panose="02040503050406030204" pitchFamily="18" charset="0"/>
+                          </a:rPr>
+                          <m:t>2</m:t>
+                        </m:r>
+                      </m:sup>
+                    </m:sSup>
+                  </m:oMath>
+                </a14:m>
+                <a:endParaRPr lang="en-GB" sz="1600" dirty="0"/>
+              </a:p>
+              <a:p>
+                <a:pPr marL="0" indent="0">
+                  <a:buNone/>
+                </a:pPr>
+                <a:r>
+                  <a:rPr lang="en-GB" sz="1600" dirty="0"/>
+                  <a:t>M.A.Chord: 191</a:t>
+                </a:r>
+                <a14:m>
+                  <m:oMath xmlns:m="http://schemas.openxmlformats.org/officeDocument/2006/math">
+                    <m:r>
+                      <a:rPr lang="en-GB" sz="1600" i="1">
+                        <a:latin typeface="Cambria Math" panose="02040503050406030204" pitchFamily="18" charset="0"/>
+                      </a:rPr>
+                      <m:t>𝑚𝑚</m:t>
+                    </m:r>
+                  </m:oMath>
+                </a14:m>
+                <a:endParaRPr lang="en-GB" sz="1600" dirty="0"/>
+              </a:p>
+              <a:p>
+                <a:pPr marL="0" indent="0">
+                  <a:buNone/>
+                </a:pPr>
+                <a:r>
+                  <a:rPr lang="en-GB" sz="1600" dirty="0"/>
+                  <a:t>Air</a:t>
+                </a:r>
+                <a:r>
+                  <a:rPr lang="tr-TR" sz="1600" dirty="0"/>
+                  <a:t>f</a:t>
+                </a:r>
+                <a:r>
+                  <a:rPr lang="en-GB" sz="1600" dirty="0"/>
+                  <a:t>oil</a:t>
+                </a:r>
+                <a:r>
+                  <a:rPr lang="en-GB" sz="1600" dirty="0"/>
+                  <a:t>: NACA </a:t>
+                </a:r>
+                <a:r>
+                  <a:rPr lang="en-GB" sz="1600" dirty="0" smtClean="0"/>
+                  <a:t>4412</a:t>
+                </a:r>
+                <a:endParaRPr lang="en-GB" sz="1600" b="1" u="sng" dirty="0" smtClean="0"/>
+              </a:p>
+              <a:p>
+                <a14:m>
+                  <m:oMath xmlns:m="http://schemas.openxmlformats.org/officeDocument/2006/math">
+                    <m:sSup>
+                      <m:sSupPr>
+                        <m:ctrlPr>
+                          <a:rPr lang="en-GB" b="1" i="1" u="sng" smtClean="0">
+                            <a:solidFill>
+                              <a:schemeClr val="accent2">
+                                <a:lumMod val="75000"/>
+                              </a:schemeClr>
+                            </a:solidFill>
+                            <a:latin typeface="Cambria Math" panose="02040503050406030204" pitchFamily="18" charset="0"/>
+                          </a:rPr>
+                        </m:ctrlPr>
+                      </m:sSupPr>
+                      <m:e>
+                        <m:r>
+                          <a:rPr lang="tr-TR" b="1" i="1" u="sng" smtClean="0">
+                            <a:solidFill>
+                              <a:schemeClr val="accent2">
+                                <a:lumMod val="75000"/>
+                              </a:schemeClr>
+                            </a:solidFill>
+                            <a:latin typeface="Cambria Math" panose="02040503050406030204" pitchFamily="18" charset="0"/>
+                          </a:rPr>
+                          <m:t>𝟒</m:t>
+                        </m:r>
+                      </m:e>
+                      <m:sup>
+                        <m:r>
+                          <a:rPr lang="tr-TR" b="1" i="1" u="sng" smtClean="0">
+                            <a:solidFill>
+                              <a:schemeClr val="accent2">
+                                <a:lumMod val="75000"/>
+                              </a:schemeClr>
+                            </a:solidFill>
+                            <a:latin typeface="Cambria Math" panose="02040503050406030204" pitchFamily="18" charset="0"/>
+                          </a:rPr>
+                          <m:t>𝒕𝒉</m:t>
+                        </m:r>
+                      </m:sup>
+                    </m:sSup>
+                    <m:r>
+                      <a:rPr lang="en-GB" b="1" i="1" u="sng" smtClean="0">
+                        <a:solidFill>
+                          <a:schemeClr val="accent2">
+                            <a:lumMod val="75000"/>
+                          </a:schemeClr>
+                        </a:solidFill>
+                        <a:latin typeface="Cambria Math" panose="02040503050406030204" pitchFamily="18" charset="0"/>
+                      </a:rPr>
+                      <m:t> </m:t>
+                    </m:r>
+                    <m:r>
+                      <a:rPr lang="en-GB" b="1" i="1" u="sng" smtClean="0">
+                        <a:solidFill>
+                          <a:schemeClr val="accent2">
+                            <a:lumMod val="75000"/>
+                          </a:schemeClr>
+                        </a:solidFill>
+                        <a:latin typeface="Cambria Math" panose="02040503050406030204" pitchFamily="18" charset="0"/>
+                      </a:rPr>
+                      <m:t>𝑰𝒕𝒆𝒓𝒂𝒕𝒊𝒐𝒏</m:t>
+                    </m:r>
+                  </m:oMath>
+                </a14:m>
+                <a:endParaRPr lang="tr-TR" b="1" u="sng" dirty="0" smtClean="0">
+                  <a:solidFill>
+                    <a:schemeClr val="accent2">
+                      <a:lumMod val="75000"/>
+                    </a:schemeClr>
+                  </a:solidFill>
+                </a:endParaRPr>
+              </a:p>
+              <a:p>
+                <a:pPr marL="0" indent="0">
+                  <a:buNone/>
+                </a:pPr>
+                <a:r>
+                  <a:rPr lang="en-GB" sz="1600" dirty="0"/>
+                  <a:t>Wing Area: 25.0</a:t>
+                </a:r>
+                <a14:m>
+                  <m:oMath xmlns:m="http://schemas.openxmlformats.org/officeDocument/2006/math">
+                    <m:sSup>
+                      <m:sSupPr>
+                        <m:ctrlPr>
+                          <a:rPr lang="en-GB" sz="1600" i="1">
+                            <a:latin typeface="Cambria Math" panose="02040503050406030204" pitchFamily="18" charset="0"/>
+                          </a:rPr>
+                        </m:ctrlPr>
+                      </m:sSupPr>
+                      <m:e>
+                        <m:r>
+                          <a:rPr lang="en-GB" sz="1600" i="1">
+                            <a:latin typeface="Cambria Math" panose="02040503050406030204" pitchFamily="18" charset="0"/>
+                          </a:rPr>
+                          <m:t>𝑑𝑚</m:t>
+                        </m:r>
+                      </m:e>
+                      <m:sup>
+                        <m:r>
+                          <a:rPr lang="en-GB" sz="1600" i="1">
+                            <a:latin typeface="Cambria Math" panose="02040503050406030204" pitchFamily="18" charset="0"/>
+                          </a:rPr>
+                          <m:t>2</m:t>
+                        </m:r>
+                      </m:sup>
+                    </m:sSup>
+                  </m:oMath>
+                </a14:m>
+                <a:endParaRPr lang="en-GB" sz="1600" dirty="0"/>
+              </a:p>
+              <a:p>
+                <a:pPr marL="0" indent="0">
+                  <a:buNone/>
+                </a:pPr>
+                <a:r>
+                  <a:rPr lang="en-GB" sz="1600" dirty="0"/>
+                  <a:t>M.A.Chord: 191</a:t>
+                </a:r>
+                <a14:m>
+                  <m:oMath xmlns:m="http://schemas.openxmlformats.org/officeDocument/2006/math">
+                    <m:r>
+                      <a:rPr lang="en-GB" sz="1600" i="1">
+                        <a:latin typeface="Cambria Math" panose="02040503050406030204" pitchFamily="18" charset="0"/>
+                      </a:rPr>
+                      <m:t>𝑚𝑚</m:t>
+                    </m:r>
+                  </m:oMath>
+                </a14:m>
+                <a:endParaRPr lang="en-GB" sz="1600" dirty="0"/>
+              </a:p>
+              <a:p>
+                <a:pPr marL="0" indent="0">
+                  <a:buNone/>
+                </a:pPr>
+                <a:r>
+                  <a:rPr lang="en-GB" sz="1600" dirty="0"/>
+                  <a:t>Airfoil: NACA </a:t>
+                </a:r>
+                <a:r>
+                  <a:rPr lang="en-GB" sz="1600" dirty="0" smtClean="0"/>
+                  <a:t>6412</a:t>
+                </a:r>
+                <a:endParaRPr lang="en-GB" sz="1600" b="1" u="sng" dirty="0" smtClean="0"/>
+              </a:p>
+              <a:p>
+                <a14:m>
+                  <m:oMath xmlns:m="http://schemas.openxmlformats.org/officeDocument/2006/math">
+                    <m:sSup>
+                      <m:sSupPr>
+                        <m:ctrlPr>
+                          <a:rPr lang="en-GB" b="1" i="1" u="sng" smtClean="0">
+                            <a:solidFill>
+                              <a:schemeClr val="accent2">
+                                <a:lumMod val="75000"/>
+                              </a:schemeClr>
+                            </a:solidFill>
+                            <a:latin typeface="Cambria Math" panose="02040503050406030204" pitchFamily="18" charset="0"/>
+                          </a:rPr>
+                        </m:ctrlPr>
+                      </m:sSupPr>
+                      <m:e>
+                        <m:r>
+                          <a:rPr lang="tr-TR" b="1" i="1" u="sng" smtClean="0">
+                            <a:solidFill>
+                              <a:schemeClr val="accent2">
+                                <a:lumMod val="75000"/>
+                              </a:schemeClr>
+                            </a:solidFill>
+                            <a:latin typeface="Cambria Math" panose="02040503050406030204" pitchFamily="18" charset="0"/>
+                          </a:rPr>
+                          <m:t>𝟔</m:t>
+                        </m:r>
+                      </m:e>
+                      <m:sup>
+                        <m:r>
+                          <a:rPr lang="tr-TR" b="1" i="1" u="sng" smtClean="0">
+                            <a:solidFill>
+                              <a:schemeClr val="accent2">
+                                <a:lumMod val="75000"/>
+                              </a:schemeClr>
+                            </a:solidFill>
+                            <a:latin typeface="Cambria Math" panose="02040503050406030204" pitchFamily="18" charset="0"/>
+                          </a:rPr>
+                          <m:t>𝒕𝒉</m:t>
+                        </m:r>
+                      </m:sup>
+                    </m:sSup>
+                    <m:r>
+                      <a:rPr lang="en-GB" b="1" i="1" u="sng" smtClean="0">
+                        <a:solidFill>
+                          <a:schemeClr val="accent2">
+                            <a:lumMod val="75000"/>
+                          </a:schemeClr>
+                        </a:solidFill>
+                        <a:latin typeface="Cambria Math" panose="02040503050406030204" pitchFamily="18" charset="0"/>
+                      </a:rPr>
+                      <m:t>𝑰𝒕𝒆𝒓𝒂𝒕𝒊𝒐𝒏</m:t>
+                    </m:r>
+                  </m:oMath>
+                </a14:m>
+                <a:endParaRPr lang="en-GB" b="1" u="sng" dirty="0" smtClean="0"/>
+              </a:p>
+              <a:p>
+                <a:pPr marL="0" indent="0">
+                  <a:buFont typeface="Wingdings 3" charset="2"/>
+                  <a:buNone/>
+                </a:pPr>
+                <a:r>
+                  <a:rPr lang="en-GB" sz="1600" dirty="0"/>
+                  <a:t>Wing Area: </a:t>
+                </a:r>
+                <a:r>
+                  <a:rPr lang="en-GB" sz="1600" dirty="0" smtClean="0"/>
+                  <a:t>262</a:t>
+                </a:r>
+                <a14:m>
+                  <m:oMath xmlns:m="http://schemas.openxmlformats.org/officeDocument/2006/math">
+                    <m:sSup>
+                      <m:sSupPr>
+                        <m:ctrlPr>
+                          <a:rPr lang="en-GB" sz="1600" i="1">
+                            <a:latin typeface="Cambria Math" panose="02040503050406030204" pitchFamily="18" charset="0"/>
+                          </a:rPr>
+                        </m:ctrlPr>
+                      </m:sSupPr>
+                      <m:e>
+                        <m:r>
+                          <a:rPr lang="en-GB" sz="1600" i="1">
+                            <a:latin typeface="Cambria Math" panose="02040503050406030204" pitchFamily="18" charset="0"/>
+                          </a:rPr>
+                          <m:t>𝑑𝑚</m:t>
+                        </m:r>
+                      </m:e>
+                      <m:sup>
+                        <m:r>
+                          <a:rPr lang="en-GB" sz="1600" i="1">
+                            <a:latin typeface="Cambria Math" panose="02040503050406030204" pitchFamily="18" charset="0"/>
+                          </a:rPr>
+                          <m:t>2</m:t>
+                        </m:r>
+                      </m:sup>
+                    </m:sSup>
+                  </m:oMath>
+                </a14:m>
+                <a:endParaRPr lang="en-GB" sz="1600" dirty="0"/>
+              </a:p>
+              <a:p>
+                <a:pPr marL="0" indent="0">
+                  <a:buFont typeface="Wingdings 3" charset="2"/>
+                  <a:buNone/>
+                </a:pPr>
+                <a:r>
+                  <a:rPr lang="en-GB" sz="1600" dirty="0"/>
+                  <a:t>M.A.Chord: 1</a:t>
+                </a:r>
+                <a:r>
+                  <a:rPr lang="en-GB" sz="1600" dirty="0" smtClean="0"/>
+                  <a:t>86</a:t>
+                </a:r>
+                <a14:m>
+                  <m:oMath xmlns:m="http://schemas.openxmlformats.org/officeDocument/2006/math">
+                    <m:r>
+                      <a:rPr lang="en-GB" sz="1600" i="1">
+                        <a:latin typeface="Cambria Math" panose="02040503050406030204" pitchFamily="18" charset="0"/>
+                      </a:rPr>
+                      <m:t>𝑚𝑚</m:t>
+                    </m:r>
+                  </m:oMath>
+                </a14:m>
+                <a:endParaRPr lang="en-GB" sz="1600" dirty="0"/>
+              </a:p>
+              <a:p>
+                <a:pPr marL="0" indent="0">
+                  <a:buFont typeface="Wingdings 3" charset="2"/>
+                  <a:buNone/>
+                </a:pPr>
+                <a:r>
+                  <a:rPr lang="en-GB" sz="1600" dirty="0" smtClean="0"/>
+                  <a:t>Airfoil</a:t>
+                </a:r>
+                <a:r>
+                  <a:rPr lang="en-GB" sz="1600" dirty="0"/>
+                  <a:t>: NACA </a:t>
+                </a:r>
+                <a:r>
+                  <a:rPr lang="en-GB" sz="1600" dirty="0" smtClean="0"/>
+                  <a:t>6412</a:t>
+                </a:r>
+                <a:endParaRPr lang="en-GB" sz="1600" dirty="0"/>
+              </a:p>
+            </p:txBody>
+          </p:sp>
+        </mc:Choice>
+        <mc:Fallback>
+          <p:sp>
+            <p:nvSpPr>
+              <p:cNvPr id="5" name="İçerik Yer Tutucusu 2"/>
+              <p:cNvSpPr txBox="1">
+                <a:spLocks noRot="1" noChangeAspect="1" noMove="1" noResize="1" noEditPoints="1" noAdjustHandles="1" noChangeArrowheads="1" noChangeShapeType="1" noTextEdit="1"/>
+              </p:cNvSpPr>
+              <p:nvPr/>
+            </p:nvSpPr>
+            <p:spPr>
+              <a:xfrm>
+                <a:off x="6518141" y="1283855"/>
+                <a:ext cx="2010448" cy="4766744"/>
+              </a:xfrm>
+              <a:prstGeom prst="rect">
+                <a:avLst/>
+              </a:prstGeom>
+              <a:blipFill>
+                <a:blip r:embed="rId3"/>
+                <a:stretch>
+                  <a:fillRect l="-1515"/>
+                </a:stretch>
+              </a:blipFill>
+            </p:spPr>
+            <p:txBody>
+              <a:bodyPr/>
+              <a:lstStyle/>
+              <a:p>
+                <a:r>
+                  <a:rPr lang="en-GB">
+                    <a:noFill/>
+                  </a:rPr>
+                  <a:t> </a:t>
+                </a:r>
+              </a:p>
+            </p:txBody>
+          </p:sp>
+        </mc:Fallback>
+      </mc:AlternateContent>
+      <p:sp>
+        <p:nvSpPr>
+          <p:cNvPr id="16" name="Sağ Ok 15"/>
+          <p:cNvSpPr/>
+          <p:nvPr/>
+        </p:nvSpPr>
+        <p:spPr>
+          <a:xfrm>
+            <a:off x="2829461" y="1377775"/>
+            <a:ext cx="3547001" cy="468000"/>
+          </a:xfrm>
+          <a:prstGeom prst="rightArrow">
+            <a:avLst/>
+          </a:prstGeom>
+          <a:solidFill>
+            <a:schemeClr val="accent1">
+              <a:lumMod val="40000"/>
+              <a:lumOff val="60000"/>
+            </a:schemeClr>
+          </a:solidFill>
+          <a:ln>
+            <a:solidFill>
+              <a:schemeClr val="tx1"/>
+            </a:solidFill>
+          </a:ln>
+        </p:spPr>
+        <p:style>
+          <a:lnRef idx="2">
+            <a:schemeClr val="accent1">
+              <a:shade val="50000"/>
+            </a:schemeClr>
+          </a:lnRef>
+          <a:fillRef idx="1">
+            <a:schemeClr val="accent1"/>
+          </a:fillRef>
+          <a:effectRef idx="0">
+            <a:schemeClr val="accent1"/>
+          </a:effectRef>
+          <a:fontRef idx="minor">
+            <a:schemeClr val="lt1"/>
+          </a:fontRef>
+        </p:style>
+        <p:txBody>
+          <a:bodyPr rtlCol="0" anchor="ctr"/>
           <a:lstStyle/>
           <a:p>
-            <a:endParaRPr lang="en-US"/>
+            <a:pPr algn="ctr"/>
+            <a:r>
+              <a:rPr lang="en-GB" sz="1600" dirty="0" smtClean="0">
+                <a:solidFill>
+                  <a:schemeClr val="tx1"/>
+                </a:solidFill>
+              </a:rPr>
+              <a:t>Increase of wing area</a:t>
+            </a:r>
+            <a:endParaRPr lang="en-GB" sz="1600" dirty="0">
+              <a:solidFill>
+                <a:schemeClr val="tx1"/>
+              </a:solidFill>
+            </a:endParaRPr>
+          </a:p>
+        </p:txBody>
+      </p:sp>
+      <p:sp>
+        <p:nvSpPr>
+          <p:cNvPr id="23" name="Sağ Ok 22"/>
+          <p:cNvSpPr/>
+          <p:nvPr/>
+        </p:nvSpPr>
+        <p:spPr>
+          <a:xfrm rot="9613927" flipV="1">
+            <a:off x="2748808" y="2384580"/>
+            <a:ext cx="3614317" cy="468000"/>
+          </a:xfrm>
+          <a:prstGeom prst="rightArrow">
+            <a:avLst/>
+          </a:prstGeom>
+          <a:solidFill>
+            <a:schemeClr val="accent1">
+              <a:lumMod val="40000"/>
+              <a:lumOff val="60000"/>
+            </a:schemeClr>
+          </a:solidFill>
+          <a:ln>
+            <a:solidFill>
+              <a:schemeClr val="tx1"/>
+            </a:solidFill>
+          </a:ln>
+        </p:spPr>
+        <p:style>
+          <a:lnRef idx="2">
+            <a:schemeClr val="accent1">
+              <a:shade val="50000"/>
+            </a:schemeClr>
+          </a:lnRef>
+          <a:fillRef idx="1">
+            <a:schemeClr val="accent1"/>
+          </a:fillRef>
+          <a:effectRef idx="0">
+            <a:schemeClr val="accent1"/>
+          </a:effectRef>
+          <a:fontRef idx="minor">
+            <a:schemeClr val="lt1"/>
+          </a:fontRef>
+        </p:style>
+        <p:txBody>
+          <a:bodyPr rtlCol="0" anchor="ctr"/>
+          <a:lstStyle/>
+          <a:p>
+            <a:pPr algn="ctr"/>
+            <a:r>
+              <a:rPr lang="en-GB" sz="1600" dirty="0" smtClean="0">
+                <a:solidFill>
+                  <a:schemeClr val="tx1"/>
+                </a:solidFill>
+              </a:rPr>
+              <a:t>Increase of wing area </a:t>
+            </a:r>
+            <a:endParaRPr lang="en-GB" sz="1600" dirty="0">
+              <a:solidFill>
+                <a:schemeClr val="tx1"/>
+              </a:solidFill>
+            </a:endParaRPr>
+          </a:p>
+        </p:txBody>
+      </p:sp>
+      <mc:AlternateContent xmlns:mc="http://schemas.openxmlformats.org/markup-compatibility/2006">
+        <mc:Choice xmlns:a14="http://schemas.microsoft.com/office/drawing/2010/main" Requires="a14">
+          <p:sp>
+            <p:nvSpPr>
+              <p:cNvPr id="25" name="Sağ Ok 24"/>
+              <p:cNvSpPr/>
+              <p:nvPr/>
+            </p:nvSpPr>
+            <p:spPr>
+              <a:xfrm>
+                <a:off x="2854035" y="3273357"/>
+                <a:ext cx="3547001" cy="468000"/>
+              </a:xfrm>
+              <a:prstGeom prst="rightArrow">
+                <a:avLst/>
+              </a:prstGeom>
+              <a:solidFill>
+                <a:schemeClr val="accent1">
+                  <a:lumMod val="40000"/>
+                  <a:lumOff val="60000"/>
+                </a:schemeClr>
+              </a:solidFill>
+              <a:ln>
+                <a:solidFill>
+                  <a:schemeClr val="tx1"/>
+                </a:solidFill>
+              </a:ln>
+            </p:spPr>
+            <p:style>
+              <a:lnRef idx="2">
+                <a:schemeClr val="accent1">
+                  <a:shade val="50000"/>
+                </a:schemeClr>
+              </a:lnRef>
+              <a:fillRef idx="1">
+                <a:schemeClr val="accent1"/>
+              </a:fillRef>
+              <a:effectRef idx="0">
+                <a:schemeClr val="accent1"/>
+              </a:effectRef>
+              <a:fontRef idx="minor">
+                <a:schemeClr val="lt1"/>
+              </a:fontRef>
+            </p:style>
+            <p:txBody>
+              <a:bodyPr rtlCol="0" anchor="ctr"/>
+              <a:lstStyle/>
+              <a:p>
+                <a:pPr algn="ctr"/>
+                <a:r>
+                  <a:rPr lang="tr-TR" sz="1600" dirty="0" smtClean="0">
+                    <a:solidFill>
+                      <a:schemeClr val="tx1"/>
+                    </a:solidFill>
+                  </a:rPr>
+                  <a:t>Change </a:t>
+                </a:r>
+                <a:r>
+                  <a:rPr lang="tr-TR" sz="1600" dirty="0" err="1" smtClean="0">
+                    <a:solidFill>
+                      <a:schemeClr val="tx1"/>
+                    </a:solidFill>
+                  </a:rPr>
+                  <a:t>to</a:t>
+                </a:r>
+                <a:r>
+                  <a:rPr lang="tr-TR" sz="1600" dirty="0" smtClean="0">
+                    <a:solidFill>
+                      <a:schemeClr val="tx1"/>
+                    </a:solidFill>
+                  </a:rPr>
+                  <a:t> </a:t>
+                </a:r>
+                <a:r>
+                  <a:rPr lang="tr-TR" sz="1600" dirty="0" err="1" smtClean="0">
+                    <a:solidFill>
+                      <a:schemeClr val="tx1"/>
+                    </a:solidFill>
+                  </a:rPr>
+                  <a:t>higher</a:t>
+                </a:r>
+                <a:r>
+                  <a:rPr lang="tr-TR" sz="1600" dirty="0" smtClean="0">
+                    <a:solidFill>
+                      <a:schemeClr val="tx1"/>
+                    </a:solidFill>
+                  </a:rPr>
+                  <a:t> </a:t>
+                </a:r>
+                <a14:m>
+                  <m:oMath xmlns:m="http://schemas.openxmlformats.org/officeDocument/2006/math">
+                    <m:sSub>
+                      <m:sSubPr>
+                        <m:ctrlPr>
+                          <a:rPr lang="tr-TR" sz="1600" smtClean="0">
+                            <a:solidFill>
+                              <a:schemeClr val="tx1"/>
+                            </a:solidFill>
+                            <a:latin typeface="Cambria Math" panose="02040503050406030204" pitchFamily="18" charset="0"/>
+                          </a:rPr>
+                        </m:ctrlPr>
+                      </m:sSubPr>
+                      <m:e>
+                        <m:r>
+                          <m:rPr>
+                            <m:sty m:val="p"/>
+                          </m:rPr>
+                          <a:rPr lang="tr-TR" sz="1600" b="0" i="0" smtClean="0">
+                            <a:solidFill>
+                              <a:schemeClr val="tx1"/>
+                            </a:solidFill>
+                            <a:latin typeface="Cambria Math" panose="02040503050406030204" pitchFamily="18" charset="0"/>
+                          </a:rPr>
+                          <m:t>C</m:t>
+                        </m:r>
+                      </m:e>
+                      <m:sub>
+                        <m:r>
+                          <m:rPr>
+                            <m:sty m:val="p"/>
+                          </m:rPr>
+                          <a:rPr lang="tr-TR" sz="1600" b="0" i="0" smtClean="0">
+                            <a:solidFill>
+                              <a:schemeClr val="tx1"/>
+                            </a:solidFill>
+                            <a:latin typeface="Cambria Math" panose="02040503050406030204" pitchFamily="18" charset="0"/>
+                          </a:rPr>
+                          <m:t>L</m:t>
+                        </m:r>
+                      </m:sub>
+                    </m:sSub>
+                    <m:r>
+                      <m:rPr>
+                        <m:sty m:val="p"/>
+                      </m:rPr>
+                      <a:rPr lang="tr-TR" sz="1600" b="0" i="0" smtClean="0">
+                        <a:solidFill>
+                          <a:schemeClr val="tx1"/>
+                        </a:solidFill>
+                        <a:latin typeface="Cambria Math" panose="02040503050406030204" pitchFamily="18" charset="0"/>
+                      </a:rPr>
+                      <m:t>Airfoil</m:t>
+                    </m:r>
+                  </m:oMath>
+                </a14:m>
+                <a:endParaRPr lang="en-GB" sz="1600" dirty="0">
+                  <a:solidFill>
+                    <a:schemeClr val="tx1"/>
+                  </a:solidFill>
+                </a:endParaRPr>
+              </a:p>
+            </p:txBody>
+          </p:sp>
+        </mc:Choice>
+        <mc:Fallback>
+          <p:sp>
+            <p:nvSpPr>
+              <p:cNvPr id="25" name="Sağ Ok 24"/>
+              <p:cNvSpPr>
+                <a:spLocks noRot="1" noChangeAspect="1" noMove="1" noResize="1" noEditPoints="1" noAdjustHandles="1" noChangeArrowheads="1" noChangeShapeType="1" noTextEdit="1"/>
+              </p:cNvSpPr>
+              <p:nvPr/>
+            </p:nvSpPr>
+            <p:spPr>
+              <a:xfrm>
+                <a:off x="2854035" y="3273357"/>
+                <a:ext cx="3547001" cy="468000"/>
+              </a:xfrm>
+              <a:prstGeom prst="rightArrow">
+                <a:avLst/>
+              </a:prstGeom>
+              <a:blipFill>
+                <a:blip r:embed="rId4"/>
+                <a:stretch>
+                  <a:fillRect/>
+                </a:stretch>
+              </a:blipFill>
+              <a:ln>
+                <a:solidFill>
+                  <a:schemeClr val="tx1"/>
+                </a:solidFill>
+              </a:ln>
+            </p:spPr>
+            <p:txBody>
+              <a:bodyPr/>
+              <a:lstStyle/>
+              <a:p>
+                <a:r>
+                  <a:rPr lang="en-GB">
+                    <a:noFill/>
+                  </a:rPr>
+                  <a:t> </a:t>
+                </a:r>
+              </a:p>
+            </p:txBody>
+          </p:sp>
+        </mc:Fallback>
+      </mc:AlternateContent>
+      <p:sp>
+        <p:nvSpPr>
+          <p:cNvPr id="26" name="Sağ Ok 25"/>
+          <p:cNvSpPr/>
+          <p:nvPr/>
+        </p:nvSpPr>
+        <p:spPr>
+          <a:xfrm rot="9738930" flipV="1">
+            <a:off x="2748807" y="4165774"/>
+            <a:ext cx="3614317" cy="468000"/>
+          </a:xfrm>
+          <a:prstGeom prst="rightArrow">
+            <a:avLst/>
+          </a:prstGeom>
+          <a:solidFill>
+            <a:schemeClr val="accent1">
+              <a:lumMod val="40000"/>
+              <a:lumOff val="60000"/>
+            </a:schemeClr>
+          </a:solidFill>
+          <a:ln>
+            <a:solidFill>
+              <a:schemeClr val="tx1"/>
+            </a:solidFill>
+          </a:ln>
+        </p:spPr>
+        <p:style>
+          <a:lnRef idx="2">
+            <a:schemeClr val="accent1">
+              <a:shade val="50000"/>
+            </a:schemeClr>
+          </a:lnRef>
+          <a:fillRef idx="1">
+            <a:schemeClr val="accent1"/>
+          </a:fillRef>
+          <a:effectRef idx="0">
+            <a:schemeClr val="accent1"/>
+          </a:effectRef>
+          <a:fontRef idx="minor">
+            <a:schemeClr val="lt1"/>
+          </a:fontRef>
+        </p:style>
+        <p:txBody>
+          <a:bodyPr rtlCol="0" anchor="ctr"/>
+          <a:lstStyle/>
+          <a:p>
+            <a:pPr algn="ctr"/>
+            <a:r>
+              <a:rPr lang="tr-TR" sz="1600" dirty="0" err="1" smtClean="0">
+                <a:solidFill>
+                  <a:schemeClr val="tx1"/>
+                </a:solidFill>
+              </a:rPr>
+              <a:t>Increase</a:t>
+            </a:r>
+            <a:r>
+              <a:rPr lang="tr-TR" sz="1600" dirty="0" smtClean="0">
+                <a:solidFill>
+                  <a:schemeClr val="tx1"/>
+                </a:solidFill>
+              </a:rPr>
+              <a:t> of </a:t>
+            </a:r>
+            <a:r>
+              <a:rPr lang="tr-TR" sz="1600" dirty="0" err="1" smtClean="0">
+                <a:solidFill>
+                  <a:schemeClr val="tx1"/>
+                </a:solidFill>
+              </a:rPr>
+              <a:t>Root</a:t>
+            </a:r>
+            <a:r>
+              <a:rPr lang="tr-TR" sz="1600" dirty="0" smtClean="0">
+                <a:solidFill>
+                  <a:schemeClr val="tx1"/>
+                </a:solidFill>
+              </a:rPr>
+              <a:t> </a:t>
+            </a:r>
+            <a:r>
+              <a:rPr lang="tr-TR" sz="1600" dirty="0" err="1" smtClean="0">
+                <a:solidFill>
+                  <a:schemeClr val="tx1"/>
+                </a:solidFill>
+              </a:rPr>
+              <a:t>Chord</a:t>
+            </a:r>
+            <a:endParaRPr lang="en-GB" sz="1600" dirty="0">
+              <a:solidFill>
+                <a:schemeClr val="tx1"/>
+              </a:solidFill>
+            </a:endParaRPr>
+          </a:p>
+        </p:txBody>
+      </p:sp>
+      <p:sp>
+        <p:nvSpPr>
+          <p:cNvPr id="27" name="Sağ Ok 26"/>
+          <p:cNvSpPr/>
+          <p:nvPr/>
+        </p:nvSpPr>
+        <p:spPr>
+          <a:xfrm>
+            <a:off x="2854035" y="5029804"/>
+            <a:ext cx="3547001" cy="468000"/>
+          </a:xfrm>
+          <a:prstGeom prst="rightArrow">
+            <a:avLst/>
+          </a:prstGeom>
+          <a:solidFill>
+            <a:schemeClr val="accent1">
+              <a:lumMod val="40000"/>
+              <a:lumOff val="60000"/>
+            </a:schemeClr>
+          </a:solidFill>
+          <a:ln>
+            <a:solidFill>
+              <a:schemeClr val="tx1"/>
+            </a:solidFill>
+          </a:ln>
+        </p:spPr>
+        <p:style>
+          <a:lnRef idx="2">
+            <a:schemeClr val="accent1">
+              <a:shade val="50000"/>
+            </a:schemeClr>
+          </a:lnRef>
+          <a:fillRef idx="1">
+            <a:schemeClr val="accent1"/>
+          </a:fillRef>
+          <a:effectRef idx="0">
+            <a:schemeClr val="accent1"/>
+          </a:effectRef>
+          <a:fontRef idx="minor">
+            <a:schemeClr val="lt1"/>
+          </a:fontRef>
+        </p:style>
+        <p:txBody>
+          <a:bodyPr rtlCol="0" anchor="ctr"/>
+          <a:lstStyle/>
+          <a:p>
+            <a:pPr algn="ctr"/>
+            <a:r>
+              <a:rPr lang="tr-TR" sz="1600" dirty="0" err="1" smtClean="0">
+                <a:solidFill>
+                  <a:schemeClr val="tx1"/>
+                </a:solidFill>
+              </a:rPr>
+              <a:t>Addition</a:t>
+            </a:r>
+            <a:r>
+              <a:rPr lang="tr-TR" sz="1600" dirty="0" smtClean="0">
+                <a:solidFill>
+                  <a:schemeClr val="tx1"/>
+                </a:solidFill>
+              </a:rPr>
+              <a:t> of </a:t>
+            </a:r>
+            <a:r>
+              <a:rPr lang="tr-TR" sz="1600" dirty="0" err="1" smtClean="0">
+                <a:solidFill>
+                  <a:schemeClr val="tx1"/>
+                </a:solidFill>
+              </a:rPr>
+              <a:t>winglets</a:t>
+            </a:r>
+            <a:endParaRPr lang="en-GB" sz="1600" dirty="0">
+              <a:solidFill>
+                <a:schemeClr val="tx1"/>
+              </a:solidFill>
+            </a:endParaRPr>
           </a:p>
         </p:txBody>
       </p:sp>
     </p:spTree>
     <p:extLst>
       <p:ext uri="{BB962C8B-B14F-4D97-AF65-F5344CB8AC3E}">
-        <p14:creationId xmlns:p14="http://schemas.microsoft.com/office/powerpoint/2010/main" val="2655363770"/>
+        <p14:creationId xmlns:p14="http://schemas.microsoft.com/office/powerpoint/2010/main" val="11201856"/>
       </p:ext>
     </p:extLst>
   </p:cSld>
   <p:clrMapOvr>
     <a:masterClrMapping/>
   </p:clrMapOvr>
+  <p:timing>
+    <p:tnLst>
+      <p:par>
+        <p:cTn id="1" dur="indefinite" restart="never" nodeType="tmRoot"/>
+      </p:par>
+    </p:tnLst>
+  </p:timing>
 </p:sld>
 </file>
 
@@ -6144,12 +7877,47 @@
           <a:chExt cx="0" cy="0"/>
         </a:xfrm>
       </p:grpSpPr>
+      <p:pic>
+        <p:nvPicPr>
+          <p:cNvPr id="5" name="Resim 4"/>
+          <p:cNvPicPr>
+            <a:picLocks noChangeAspect="1"/>
+          </p:cNvPicPr>
+          <p:nvPr/>
+        </p:nvPicPr>
+        <p:blipFill>
+          <a:blip r:embed="rId2">
+            <a:extLst>
+              <a:ext uri="{28A0092B-C50C-407E-A947-70E740481C1C}">
+                <a14:useLocalDpi xmlns:a14="http://schemas.microsoft.com/office/drawing/2010/main" val="0"/>
+              </a:ext>
+            </a:extLst>
+          </a:blip>
+          <a:stretch>
+            <a:fillRect/>
+          </a:stretch>
+        </p:blipFill>
+        <p:spPr>
+          <a:xfrm>
+            <a:off x="3716519" y="1403927"/>
+            <a:ext cx="7274753" cy="5061181"/>
+          </a:xfrm>
+          <a:prstGeom prst="rect">
+            <a:avLst/>
+          </a:prstGeom>
+          <a:ln>
+            <a:solidFill>
+              <a:schemeClr val="tx1"/>
+            </a:solidFill>
+          </a:ln>
+        </p:spPr>
+      </p:pic>
       <p:sp>
         <p:nvSpPr>
           <p:cNvPr id="2" name="Title 1">
             <a:extLst>
               <a:ext uri="{FF2B5EF4-FFF2-40B4-BE49-F238E27FC236}">
-                <a16:creationId xmlns:a16="http://schemas.microsoft.com/office/drawing/2014/main" id="{27690A05-2B64-3D55-1604-B59A5C693671}"/>
+                <a16:creationId xmlns:a16="http://schemas.microsoft.com/office/drawing/2014/main" id="{23332FF1-BD1E-2B3C-75B3-C337BCF887B2}"/>
               </a:ext>
             </a:extLst>
           </p:cNvPr>
@@ -6160,21 +7928,222 @@
             <p:ph type="title"/>
           </p:nvPr>
         </p:nvSpPr>
-        <p:spPr/>
-        <p:txBody>
-          <a:bodyPr/>
+        <p:spPr>
+          <a:xfrm>
+            <a:off x="677334" y="609600"/>
+            <a:ext cx="8596668" cy="674255"/>
+          </a:xfrm>
+        </p:spPr>
+        <p:txBody>
+          <a:bodyPr>
+            <a:normAutofit fontScale="90000"/>
+          </a:bodyPr>
           <a:lstStyle/>
           <a:p>
-            <a:endParaRPr lang="tr-TR" dirty="0"/>
-          </a:p>
-        </p:txBody>
-      </p:sp>
-      <p:sp>
-        <p:nvSpPr>
-          <p:cNvPr id="3" name="Content Placeholder 2">
+            <a:r>
+              <a:rPr lang="tr-TR" dirty="0" smtClean="0"/>
+              <a:t>Final Design and </a:t>
+            </a:r>
+            <a:r>
+              <a:rPr lang="tr-TR" dirty="0" err="1" smtClean="0"/>
+              <a:t>Results</a:t>
+            </a:r>
+            <a:r>
+              <a:rPr lang="en-US" dirty="0"/>
+              <a:t/>
+            </a:r>
+            <a:br>
+              <a:rPr lang="en-US" dirty="0"/>
+            </a:br>
+            <a:endParaRPr lang="en-US" dirty="0"/>
+          </a:p>
+        </p:txBody>
+      </p:sp>
+      <p:pic>
+        <p:nvPicPr>
+          <p:cNvPr id="4" name="İçerik Yer Tutucusu 3"/>
+          <p:cNvPicPr>
+            <a:picLocks noGrp="1" noChangeAspect="1"/>
+          </p:cNvPicPr>
+          <p:nvPr>
+            <p:ph idx="1"/>
+          </p:nvPr>
+        </p:nvPicPr>
+        <p:blipFill rotWithShape="1">
+          <a:blip r:embed="rId3">
+            <a:extLst>
+              <a:ext uri="{28A0092B-C50C-407E-A947-70E740481C1C}">
+                <a14:useLocalDpi xmlns:a14="http://schemas.microsoft.com/office/drawing/2010/main" val="0"/>
+              </a:ext>
+            </a:extLst>
+          </a:blip>
+          <a:srcRect l="19780" t="25005" r="27517" b="31210"/>
+          <a:stretch/>
+        </p:blipFill>
+        <p:spPr>
+          <a:xfrm>
+            <a:off x="603443" y="1403927"/>
+            <a:ext cx="2798618" cy="1699492"/>
+          </a:xfrm>
+          <a:ln>
+            <a:solidFill>
+              <a:schemeClr val="tx1"/>
+            </a:solidFill>
+          </a:ln>
+        </p:spPr>
+      </p:pic>
+      <p:sp>
+        <p:nvSpPr>
+          <p:cNvPr id="6" name="Metin kutusu 5"/>
+          <p:cNvSpPr txBox="1"/>
+          <p:nvPr/>
+        </p:nvSpPr>
+        <p:spPr>
+          <a:xfrm>
+            <a:off x="341744" y="3352800"/>
+            <a:ext cx="3260437" cy="2585323"/>
+          </a:xfrm>
+          <a:prstGeom prst="rect">
+            <a:avLst/>
+          </a:prstGeom>
+          <a:noFill/>
+        </p:spPr>
+        <p:txBody>
+          <a:bodyPr wrap="square" rtlCol="0">
+            <a:spAutoFit/>
+          </a:bodyPr>
+          <a:lstStyle/>
+          <a:p>
+            <a:r>
+              <a:rPr lang="en-GB" b="1" u="sng" dirty="0" smtClean="0"/>
+              <a:t>XFLR-5</a:t>
+            </a:r>
+          </a:p>
+          <a:p>
+            <a:r>
+              <a:rPr lang="en-GB" dirty="0" smtClean="0"/>
+              <a:t>6 Iteration is performed for</a:t>
+            </a:r>
+          </a:p>
+          <a:p>
+            <a:r>
+              <a:rPr lang="en-GB" dirty="0" smtClean="0"/>
+              <a:t>different geometries</a:t>
+            </a:r>
+          </a:p>
+          <a:p>
+            <a:r>
+              <a:rPr lang="en-GB" u="sng" dirty="0" smtClean="0"/>
+              <a:t>Final Iteration:</a:t>
+            </a:r>
+          </a:p>
+          <a:p>
+            <a:r>
+              <a:rPr lang="en-GB" dirty="0" smtClean="0"/>
+              <a:t>-Wing Span: 1640</a:t>
+            </a:r>
+            <a:r>
+              <a:rPr lang="en-GB" i="1" dirty="0" smtClean="0"/>
+              <a:t>mm</a:t>
+            </a:r>
+          </a:p>
+          <a:p>
+            <a:r>
+              <a:rPr lang="en-GB" dirty="0" smtClean="0"/>
+              <a:t>-M.A.C: 186</a:t>
+            </a:r>
+            <a:r>
+              <a:rPr lang="en-GB" i="1" dirty="0" smtClean="0"/>
+              <a:t>mm</a:t>
+            </a:r>
+          </a:p>
+          <a:p>
+            <a:r>
+              <a:rPr lang="en-GB" dirty="0" smtClean="0"/>
+              <a:t>-Stall Speed: 8.9</a:t>
+            </a:r>
+            <a:r>
+              <a:rPr lang="en-GB" i="1" dirty="0" smtClean="0"/>
+              <a:t>m/s</a:t>
+            </a:r>
+            <a:r>
+              <a:rPr lang="en-GB" dirty="0" smtClean="0"/>
+              <a:t> @ α=9˚</a:t>
+            </a:r>
+          </a:p>
+          <a:p>
+            <a:r>
+              <a:rPr lang="en-GB" dirty="0" smtClean="0"/>
+              <a:t>-Cruse Speed: 13</a:t>
+            </a:r>
+            <a:r>
+              <a:rPr lang="en-GB" i="1" dirty="0" smtClean="0"/>
+              <a:t>m/s</a:t>
+            </a:r>
+            <a:r>
+              <a:rPr lang="en-GB" dirty="0" smtClean="0"/>
+              <a:t> @ α=</a:t>
+            </a:r>
+            <a:r>
+              <a:rPr lang="tr-TR" dirty="0" smtClean="0"/>
+              <a:t>0</a:t>
+            </a:r>
+            <a:r>
+              <a:rPr lang="en-GB" dirty="0" smtClean="0"/>
+              <a:t>˚</a:t>
+            </a:r>
+          </a:p>
+          <a:p>
+            <a:r>
+              <a:rPr lang="en-GB" dirty="0" smtClean="0"/>
+              <a:t>(for 1500 g take-off weight)</a:t>
+            </a:r>
+          </a:p>
+        </p:txBody>
+      </p:sp>
+    </p:spTree>
+    <p:extLst>
+      <p:ext uri="{BB962C8B-B14F-4D97-AF65-F5344CB8AC3E}">
+        <p14:creationId xmlns:p14="http://schemas.microsoft.com/office/powerpoint/2010/main" val="1589950208"/>
+      </p:ext>
+    </p:extLst>
+  </p:cSld>
+  <p:clrMapOvr>
+    <a:masterClrMapping/>
+  </p:clrMapOvr>
+  <p:timing>
+    <p:tnLst>
+      <p:par>
+        <p:cTn id="1" dur="indefinite" restart="never" nodeType="tmRoot"/>
+      </p:par>
+    </p:tnLst>
+  </p:timing>
+</p:sld>
+</file>
+
+<file path=ppt/slides/slide12.xml><?xml version="1.0" encoding="utf-8"?>
+<p:sld xmlns:a="http://schemas.openxmlformats.org/drawingml/2006/main" xmlns:r="http://schemas.openxmlformats.org/officeDocument/2006/relationships" xmlns:p="http://schemas.openxmlformats.org/presentationml/2006/main">
+  <p:cSld>
+    <p:spTree>
+      <p:nvGrpSpPr>
+        <p:cNvPr id="1" name=""/>
+        <p:cNvGrpSpPr/>
+        <p:nvPr/>
+      </p:nvGrpSpPr>
+      <p:grpSpPr>
+        <a:xfrm>
+          <a:off x="0" y="0"/>
+          <a:ext cx="0" cy="0"/>
+          <a:chOff x="0" y="0"/>
+          <a:chExt cx="0" cy="0"/>
+        </a:xfrm>
+      </p:grpSpPr>
+      <p:sp>
+        <p:nvSpPr>
+          <p:cNvPr id="2" name="Title 1">
             <a:extLst>
               <a:ext uri="{FF2B5EF4-FFF2-40B4-BE49-F238E27FC236}">
-                <a16:creationId xmlns:a16="http://schemas.microsoft.com/office/drawing/2014/main" id="{8219F40F-158B-CEDE-3F21-7689C88E0408}"/>
+                <a16:creationId xmlns:a16="http://schemas.microsoft.com/office/drawing/2014/main" id="{1DC861A9-3594-CC2F-7955-8B8B5FEE37B9}"/>
               </a:ext>
             </a:extLst>
           </p:cNvPr>
@@ -6182,44 +8151,131 @@
             <a:spLocks noGrp="1"/>
           </p:cNvSpPr>
           <p:nvPr>
-            <p:ph idx="1"/>
-          </p:nvPr>
-        </p:nvSpPr>
-        <p:spPr/>
+            <p:ph type="title"/>
+          </p:nvPr>
+        </p:nvSpPr>
+        <p:spPr>
+          <a:xfrm>
+            <a:off x="677334" y="609600"/>
+            <a:ext cx="8596668" cy="646545"/>
+          </a:xfrm>
+        </p:spPr>
         <p:txBody>
           <a:bodyPr/>
           <a:lstStyle/>
           <a:p>
             <a:r>
-              <a:rPr lang="en-US" dirty="0"/>
-              <a:t>Foto </a:t>
-            </a:r>
-            <a:r>
-              <a:rPr lang="en-US" dirty="0" err="1"/>
-              <a:t>referansları</a:t>
-            </a:r>
-            <a:r>
-              <a:rPr lang="en-US" dirty="0"/>
-              <a:t> px4 , </a:t>
-            </a:r>
-            <a:r>
-              <a:rPr lang="en-US" dirty="0" err="1"/>
-              <a:t>wingtra</a:t>
-            </a:r>
-            <a:endParaRPr lang="tr-TR" dirty="0"/>
-          </a:p>
-        </p:txBody>
-      </p:sp>
+              <a:rPr lang="en-GB" dirty="0" smtClean="0"/>
+              <a:t>Furthermore</a:t>
+            </a:r>
+            <a:endParaRPr lang="en-GB" dirty="0"/>
+          </a:p>
+        </p:txBody>
+      </p:sp>
+      <p:pic>
+        <p:nvPicPr>
+          <p:cNvPr id="4" name="Resim 3"/>
+          <p:cNvPicPr>
+            <a:picLocks noChangeAspect="1"/>
+          </p:cNvPicPr>
+          <p:nvPr/>
+        </p:nvPicPr>
+        <p:blipFill rotWithShape="1">
+          <a:blip r:embed="rId2">
+            <a:extLst>
+              <a:ext uri="{28A0092B-C50C-407E-A947-70E740481C1C}">
+                <a14:useLocalDpi xmlns:a14="http://schemas.microsoft.com/office/drawing/2010/main" val="0"/>
+              </a:ext>
+            </a:extLst>
+          </a:blip>
+          <a:srcRect l="35446" t="18005" r="23875" b="23362"/>
+          <a:stretch/>
+        </p:blipFill>
+        <p:spPr>
+          <a:xfrm>
+            <a:off x="5597236" y="1620981"/>
+            <a:ext cx="4091709" cy="2660073"/>
+          </a:xfrm>
+          <a:prstGeom prst="rect">
+            <a:avLst/>
+          </a:prstGeom>
+        </p:spPr>
+      </p:pic>
+      <p:pic>
+        <p:nvPicPr>
+          <p:cNvPr id="5" name="Resim 4"/>
+          <p:cNvPicPr>
+            <a:picLocks noChangeAspect="1"/>
+          </p:cNvPicPr>
+          <p:nvPr/>
+        </p:nvPicPr>
+        <p:blipFill rotWithShape="1">
+          <a:blip r:embed="rId3">
+            <a:extLst>
+              <a:ext uri="{28A0092B-C50C-407E-A947-70E740481C1C}">
+                <a14:useLocalDpi xmlns:a14="http://schemas.microsoft.com/office/drawing/2010/main" val="0"/>
+              </a:ext>
+            </a:extLst>
+          </a:blip>
+          <a:srcRect l="31129" t="25945" r="18091" b="25805"/>
+          <a:stretch/>
+        </p:blipFill>
+        <p:spPr>
+          <a:xfrm>
+            <a:off x="350981" y="2092036"/>
+            <a:ext cx="5107709" cy="2189018"/>
+          </a:xfrm>
+          <a:prstGeom prst="rect">
+            <a:avLst/>
+          </a:prstGeom>
+        </p:spPr>
+      </p:pic>
+      <p:pic>
+        <p:nvPicPr>
+          <p:cNvPr id="6" name="Resim 5"/>
+          <p:cNvPicPr>
+            <a:picLocks noChangeAspect="1"/>
+          </p:cNvPicPr>
+          <p:nvPr/>
+        </p:nvPicPr>
+        <p:blipFill rotWithShape="1">
+          <a:blip r:embed="rId4">
+            <a:extLst>
+              <a:ext uri="{28A0092B-C50C-407E-A947-70E740481C1C}">
+                <a14:useLocalDpi xmlns:a14="http://schemas.microsoft.com/office/drawing/2010/main" val="0"/>
+              </a:ext>
+            </a:extLst>
+          </a:blip>
+          <a:srcRect l="29659" t="34904" r="15611" b="42294"/>
+          <a:stretch/>
+        </p:blipFill>
+        <p:spPr>
+          <a:xfrm>
+            <a:off x="350981" y="4719781"/>
+            <a:ext cx="7887855" cy="1482282"/>
+          </a:xfrm>
+          <a:prstGeom prst="rect">
+            <a:avLst/>
+          </a:prstGeom>
+        </p:spPr>
+      </p:pic>
     </p:spTree>
     <p:extLst>
       <p:ext uri="{BB962C8B-B14F-4D97-AF65-F5344CB8AC3E}">
-        <p14:creationId xmlns:p14="http://schemas.microsoft.com/office/powerpoint/2010/main" val="2304290514"/>
+        <p14:creationId xmlns:p14="http://schemas.microsoft.com/office/powerpoint/2010/main" val="2655363770"/>
       </p:ext>
     </p:extLst>
   </p:cSld>
   <p:clrMapOvr>
     <a:masterClrMapping/>
   </p:clrMapOvr>
+  <p:timing>
+    <p:tnLst>
+      <p:par>
+        <p:cTn id="1" dur="indefinite" restart="never" nodeType="tmRoot"/>
+      </p:par>
+    </p:tnLst>
+  </p:timing>
 </p:sld>
 </file>
 
@@ -6294,7 +8350,7 @@
         <p:spPr/>
         <p:txBody>
           <a:bodyPr>
-            <a:normAutofit lnSpcReduction="10000"/>
+            <a:normAutofit fontScale="92500" lnSpcReduction="10000"/>
           </a:bodyPr>
           <a:lstStyle/>
           <a:p>
@@ -6302,7 +8358,7 @@
               <a:buNone/>
             </a:pPr>
             <a:r>
-              <a:rPr lang="en-US" b="1" dirty="0">
+              <a:rPr lang="en-US" b="1" dirty="0" smtClean="0">
                 <a:solidFill>
                   <a:schemeClr val="tx1">
                     <a:lumMod val="95000"/>
@@ -6310,8 +8366,27 @@
                   </a:schemeClr>
                 </a:solidFill>
               </a:rPr>
-              <a:t>-The Use of VTOLs and their advantages to conventional air vehicles</a:t>
-            </a:r>
+              <a:t>-</a:t>
+            </a:r>
+            <a:r>
+              <a:rPr lang="en-GB" b="1" dirty="0">
+                <a:solidFill>
+                  <a:schemeClr val="tx1">
+                    <a:lumMod val="95000"/>
+                    <a:lumOff val="5000"/>
+                  </a:schemeClr>
+                </a:solidFill>
+              </a:rPr>
+              <a:t>VTOL is a type of aircraft that can take off and land vertically and also perform forward flight like a fixed wing.</a:t>
+            </a:r>
+            <a:endParaRPr lang="en-US" b="1" dirty="0">
+              <a:solidFill>
+                <a:schemeClr val="tx1">
+                  <a:lumMod val="95000"/>
+                  <a:lumOff val="5000"/>
+                </a:schemeClr>
+              </a:solidFill>
+            </a:endParaRPr>
           </a:p>
           <a:p>
             <a:pPr marL="0" indent="0">
@@ -6347,12 +8422,20 @@
               <a:t>  </a:t>
             </a:r>
             <a:r>
-              <a:rPr lang="en-US" b="1" dirty="0" err="1"/>
-              <a:t>Tailsitter</a:t>
+              <a:rPr lang="en-US" b="1" dirty="0" smtClean="0"/>
+              <a:t>Tail</a:t>
+            </a:r>
+            <a:r>
+              <a:rPr lang="tr-TR" b="1" dirty="0" smtClean="0"/>
+              <a:t>-</a:t>
+            </a:r>
+            <a:r>
+              <a:rPr lang="en-US" b="1" dirty="0" smtClean="0"/>
+              <a:t>sitter </a:t>
             </a:r>
             <a:r>
               <a:rPr lang="en-US" b="1" dirty="0"/>
-              <a:t> VTOL drones</a:t>
+              <a:t>VTOL drones</a:t>
             </a:r>
           </a:p>
           <a:p>
@@ -6489,6 +8572,13 @@
   <p:clrMapOvr>
     <a:masterClrMapping/>
   </p:clrMapOvr>
+  <p:timing>
+    <p:tnLst>
+      <p:par>
+        <p:cTn id="1" dur="indefinite" restart="never" nodeType="tmRoot"/>
+      </p:par>
+    </p:tnLst>
+  </p:timing>
 </p:sld>
 </file>
 
@@ -6531,14 +8621,22 @@
           <a:lstStyle/>
           <a:p>
             <a:r>
+              <a:rPr lang="tr-TR" dirty="0" smtClean="0"/>
+              <a:t>Problem Definition and </a:t>
+            </a:r>
+            <a:r>
+              <a:rPr lang="en-US" dirty="0" smtClean="0"/>
+              <a:t>Functional </a:t>
+            </a:r>
+            <a:r>
               <a:rPr lang="en-US" dirty="0"/>
-              <a:t>Functional Requirements :</a:t>
-            </a:r>
-          </a:p>
-        </p:txBody>
-      </p:sp>
-      <mc:AlternateContent xmlns:mc="http://schemas.openxmlformats.org/markup-compatibility/2006">
-        <mc:Choice xmlns:a14="http://schemas.microsoft.com/office/drawing/2010/main" Requires="a14">
+              <a:t>Requirements :</a:t>
+            </a:r>
+          </a:p>
+        </p:txBody>
+      </p:sp>
+      <mc:AlternateContent xmlns:mc="http://schemas.openxmlformats.org/markup-compatibility/2006" xmlns:a14="http://schemas.microsoft.com/office/drawing/2010/main">
+        <mc:Choice Requires="a14">
           <p:sp>
             <p:nvSpPr>
               <p:cNvPr id="3" name="Content Placeholder 2">
@@ -6557,23 +8655,92 @@
             </p:nvSpPr>
             <p:spPr/>
             <p:txBody>
-              <a:bodyPr/>
+              <a:bodyPr>
+                <a:normAutofit/>
+              </a:bodyPr>
               <a:lstStyle/>
               <a:p>
+                <a:pPr marL="0" indent="0">
+                  <a:buNone/>
+                </a:pPr>
                 <a:r>
-                  <a:rPr lang="en-US" dirty="0">
+                  <a:rPr lang="en-GB" dirty="0" smtClean="0"/>
+                  <a:t>The aim of the project is design a fixed wing vtol which can perform transition from hover flight to forward flight by using tilt-rotor mechanism. The aircraft should also follow the functional requirements given below.</a:t>
+                </a:r>
+                <a:endParaRPr lang="en-GB" dirty="0">
+                  <a:latin typeface="+mj-lt"/>
+                </a:endParaRPr>
+              </a:p>
+              <a:p>
+                <a:r>
+                  <a:rPr lang="en-GB" dirty="0" smtClean="0">
                     <a:latin typeface="+mj-lt"/>
                   </a:rPr>
-                  <a:t>Semi-Autonomous Flight </a:t>
+                  <a:t>Semi-Autonomous </a:t>
+                </a:r>
+                <a:r>
+                  <a:rPr lang="en-GB" dirty="0">
+                    <a:latin typeface="+mj-lt"/>
+                  </a:rPr>
+                  <a:t>Flight </a:t>
                 </a:r>
               </a:p>
               <a:p>
                 <a:r>
-                  <a:rPr lang="en-US" dirty="0">
+                  <a:rPr lang="en-GB" dirty="0">
                     <a:latin typeface="+mj-lt"/>
                   </a:rPr>
-                  <a:t>Tilt Rotor mechanism</a:t>
+                  <a:t>Tilt Rotor </a:t>
                 </a:r>
+                <a:r>
+                  <a:rPr lang="en-GB" dirty="0" smtClean="0">
+                    <a:latin typeface="+mj-lt"/>
+                  </a:rPr>
+                  <a:t>mechanism</a:t>
+                </a:r>
+              </a:p>
+              <a:p>
+                <a:pPr lvl="0"/>
+                <a:r>
+                  <a:rPr lang="en-GB" dirty="0"/>
+                  <a:t>Wing-Span: 1000-1500mm [</a:t>
+                </a:r>
+                <a14:m>
+                  <m:oMath xmlns:m="http://schemas.openxmlformats.org/officeDocument/2006/math">
+                    <m:sSub>
+                      <m:sSubPr>
+                        <m:ctrlPr>
+                          <a:rPr lang="en-GB" i="1">
+                            <a:latin typeface="Cambria Math" panose="02040503050406030204" pitchFamily="18" charset="0"/>
+                          </a:rPr>
+                        </m:ctrlPr>
+                      </m:sSubPr>
+                      <m:e>
+                        <m:r>
+                          <a:rPr lang="en-GB" i="1">
+                            <a:latin typeface="Cambria Math" panose="02040503050406030204" pitchFamily="18" charset="0"/>
+                          </a:rPr>
+                          <m:t>𝐿</m:t>
+                        </m:r>
+                      </m:e>
+                      <m:sub>
+                        <m:r>
+                          <a:rPr lang="en-GB" i="1">
+                            <a:latin typeface="Cambria Math" panose="02040503050406030204" pitchFamily="18" charset="0"/>
+                          </a:rPr>
+                          <m:t>𝑤𝑠</m:t>
+                        </m:r>
+                      </m:sub>
+                    </m:sSub>
+                  </m:oMath>
+                </a14:m>
+                <a:r>
+                  <a:rPr lang="en-GB" dirty="0" smtClean="0"/>
+                  <a:t>]</a:t>
+                </a:r>
+                <a:endParaRPr lang="en-GB" dirty="0">
+                  <a:latin typeface="+mj-lt"/>
+                </a:endParaRPr>
               </a:p>
               <a:p>
                 <a:r>
@@ -6590,9 +8757,9 @@
                     <m:sSub>
                       <m:sSubPr>
                         <m:ctrlPr>
-                          <a:rPr lang="tr-TR" sz="1800" i="1">
+                          <a:rPr lang="en-GB" sz="1800" i="1">
                             <a:effectLst/>
-                            <a:latin typeface="+mj-lt"/>
+                            <a:latin typeface="Cambria Math" panose="02040503050406030204" pitchFamily="18" charset="0"/>
                             <a:ea typeface="Calibri" panose="020F0502020204030204" pitchFamily="34" charset="0"/>
                             <a:cs typeface="Times New Roman" panose="02020603050405020304" pitchFamily="18" charset="0"/>
                           </a:rPr>
@@ -6602,7 +8769,7 @@
                         <m:r>
                           <a:rPr lang="en-GB" sz="1800" i="1">
                             <a:effectLst/>
-                            <a:latin typeface="+mj-lt"/>
+                            <a:latin typeface="Cambria Math" panose="02040503050406030204" pitchFamily="18" charset="0"/>
                             <a:ea typeface="Calibri" panose="020F0502020204030204" pitchFamily="34" charset="0"/>
                             <a:cs typeface="Times New Roman" panose="02020603050405020304" pitchFamily="18" charset="0"/>
                           </a:rPr>
@@ -6613,7 +8780,7 @@
                         <m:r>
                           <a:rPr lang="en-GB" sz="1800" i="1">
                             <a:effectLst/>
-                            <a:latin typeface="+mj-lt"/>
+                            <a:latin typeface="Cambria Math" panose="02040503050406030204" pitchFamily="18" charset="0"/>
                             <a:ea typeface="Calibri" panose="020F0502020204030204" pitchFamily="34" charset="0"/>
                             <a:cs typeface="Times New Roman" panose="02020603050405020304" pitchFamily="18" charset="0"/>
                           </a:rPr>
@@ -6648,9 +8815,9 @@
                     <m:sSub>
                       <m:sSubPr>
                         <m:ctrlPr>
-                          <a:rPr lang="tr-TR" sz="1800" i="1">
+                          <a:rPr lang="en-GB" sz="1800" i="1">
                             <a:effectLst/>
-                            <a:latin typeface="+mj-lt"/>
+                            <a:latin typeface="Cambria Math" panose="02040503050406030204" pitchFamily="18" charset="0"/>
                             <a:ea typeface="Calibri" panose="020F0502020204030204" pitchFamily="34" charset="0"/>
                             <a:cs typeface="Times New Roman" panose="02020603050405020304" pitchFamily="18" charset="0"/>
                           </a:rPr>
@@ -6660,7 +8827,7 @@
                         <m:r>
                           <a:rPr lang="en-GB" sz="1800" i="1">
                             <a:effectLst/>
-                            <a:latin typeface="+mj-lt"/>
+                            <a:latin typeface="Cambria Math" panose="02040503050406030204" pitchFamily="18" charset="0"/>
                             <a:ea typeface="Calibri" panose="020F0502020204030204" pitchFamily="34" charset="0"/>
                             <a:cs typeface="Times New Roman" panose="02020603050405020304" pitchFamily="18" charset="0"/>
                           </a:rPr>
@@ -6671,7 +8838,7 @@
                         <m:r>
                           <a:rPr lang="en-GB" sz="1800" i="1">
                             <a:effectLst/>
-                            <a:latin typeface="+mj-lt"/>
+                            <a:latin typeface="Cambria Math" panose="02040503050406030204" pitchFamily="18" charset="0"/>
                             <a:ea typeface="Calibri" panose="020F0502020204030204" pitchFamily="34" charset="0"/>
                             <a:cs typeface="Times New Roman" panose="02020603050405020304" pitchFamily="18" charset="0"/>
                           </a:rPr>
@@ -6690,12 +8857,6 @@
                   </a:rPr>
                   <a:t>]</a:t>
                 </a:r>
-                <a:endParaRPr lang="tr-TR" sz="1800" dirty="0">
-                  <a:effectLst/>
-                  <a:latin typeface="+mj-lt"/>
-                  <a:ea typeface="Calibri" panose="020F0502020204030204" pitchFamily="34" charset="0"/>
-                  <a:cs typeface="Times New Roman" panose="02020603050405020304" pitchFamily="18" charset="0"/>
-                </a:endParaRPr>
               </a:p>
               <a:p>
                 <a:r>
@@ -6712,9 +8873,9 @@
                     <m:sSub>
                       <m:sSubPr>
                         <m:ctrlPr>
-                          <a:rPr lang="tr-TR" sz="1800" i="1">
+                          <a:rPr lang="en-GB" sz="1800" i="1">
                             <a:effectLst/>
-                            <a:latin typeface="+mj-lt"/>
+                            <a:latin typeface="Cambria Math" panose="02040503050406030204" pitchFamily="18" charset="0"/>
                             <a:ea typeface="Calibri" panose="020F0502020204030204" pitchFamily="34" charset="0"/>
                             <a:cs typeface="Times New Roman" panose="02020603050405020304" pitchFamily="18" charset="0"/>
                           </a:rPr>
@@ -6724,7 +8885,7 @@
                         <m:r>
                           <a:rPr lang="en-GB" sz="1800" i="1">
                             <a:effectLst/>
-                            <a:latin typeface="+mj-lt"/>
+                            <a:latin typeface="Cambria Math" panose="02040503050406030204" pitchFamily="18" charset="0"/>
                             <a:ea typeface="Calibri" panose="020F0502020204030204" pitchFamily="34" charset="0"/>
                             <a:cs typeface="Times New Roman" panose="02020603050405020304" pitchFamily="18" charset="0"/>
                           </a:rPr>
@@ -6735,7 +8896,7 @@
                         <m:r>
                           <a:rPr lang="en-GB" sz="1800" i="1">
                             <a:effectLst/>
-                            <a:latin typeface="+mj-lt"/>
+                            <a:latin typeface="Cambria Math" panose="02040503050406030204" pitchFamily="18" charset="0"/>
                             <a:ea typeface="Calibri" panose="020F0502020204030204" pitchFamily="34" charset="0"/>
                             <a:cs typeface="Times New Roman" panose="02020603050405020304" pitchFamily="18" charset="0"/>
                           </a:rPr>
@@ -6746,7 +8907,7 @@
                   </m:oMath>
                 </a14:m>
                 <a:r>
-                  <a:rPr lang="en-GB" sz="1800" dirty="0">
+                  <a:rPr lang="en-GB" sz="1800" dirty="0" smtClean="0">
                     <a:effectLst/>
                     <a:latin typeface="+mj-lt"/>
                     <a:ea typeface="Calibri" panose="020F0502020204030204" pitchFamily="34" charset="0"/>
@@ -6754,15 +8915,17 @@
                   </a:rPr>
                   <a:t>]</a:t>
                 </a:r>
-                <a:endParaRPr lang="tr-TR" sz="1800" dirty="0">
-                  <a:effectLst/>
-                  <a:latin typeface="+mj-lt"/>
-                  <a:ea typeface="Calibri" panose="020F0502020204030204" pitchFamily="34" charset="0"/>
-                  <a:cs typeface="Times New Roman" panose="02020603050405020304" pitchFamily="18" charset="0"/>
-                </a:endParaRPr>
               </a:p>
               <a:p>
-                <a:endParaRPr lang="tr-TR" sz="1800" dirty="0">
+                <a:r>
+                  <a:rPr lang="en-GB" dirty="0" smtClean="0">
+                    <a:latin typeface="+mj-lt"/>
+                    <a:ea typeface="Calibri" panose="020F0502020204030204" pitchFamily="34" charset="0"/>
+                    <a:cs typeface="Times New Roman" panose="02020603050405020304" pitchFamily="18" charset="0"/>
+                  </a:rPr>
+                  <a:t>Mostly 3D Printed Manufacturing</a:t>
+                </a:r>
+                <a:endParaRPr lang="en-GB" sz="1800" dirty="0">
                   <a:effectLst/>
                   <a:latin typeface="Times New Roman" panose="02020603050405020304" pitchFamily="18" charset="0"/>
                   <a:ea typeface="Calibri" panose="020F0502020204030204" pitchFamily="34" charset="0"/>
@@ -6770,12 +8933,12 @@
                 </a:endParaRPr>
               </a:p>
               <a:p>
-                <a:endParaRPr lang="en-US" dirty="0"/>
+                <a:endParaRPr lang="en-GB" dirty="0"/>
               </a:p>
             </p:txBody>
           </p:sp>
         </mc:Choice>
-        <mc:Fallback>
+        <mc:Fallback xmlns="">
           <p:sp>
             <p:nvSpPr>
               <p:cNvPr id="3" name="Content Placeholder 2">
@@ -6796,7 +8959,7 @@
               <a:blipFill>
                 <a:blip r:embed="rId2"/>
                 <a:stretch>
-                  <a:fillRect l="-142" t="-942"/>
+                  <a:fillRect l="-567" t="-942"/>
                 </a:stretch>
               </a:blipFill>
             </p:spPr>
@@ -6805,7 +8968,7 @@
               <a:lstStyle/>
               <a:p>
                 <a:r>
-                  <a:rPr lang="tr-TR">
+                  <a:rPr lang="en-GB">
                     <a:noFill/>
                   </a:rPr>
                   <a:t> </a:t>
@@ -6825,6 +8988,13 @@
   <p:clrMapOvr>
     <a:masterClrMapping/>
   </p:clrMapOvr>
+  <p:timing>
+    <p:tnLst>
+      <p:par>
+        <p:cTn id="1" dur="indefinite" restart="never" nodeType="tmRoot"/>
+      </p:par>
+    </p:tnLst>
+  </p:timing>
 </p:sld>
 </file>
 
@@ -6845,39 +9015,6 @@
           <a:chExt cx="0" cy="0"/>
         </a:xfrm>
       </p:grpSpPr>
-      <p:sp>
-        <p:nvSpPr>
-          <p:cNvPr id="2" name="Title 1">
-            <a:extLst>
-              <a:ext uri="{FF2B5EF4-FFF2-40B4-BE49-F238E27FC236}">
-                <a16:creationId xmlns:a16="http://schemas.microsoft.com/office/drawing/2014/main" id="{B73928D0-747F-8792-E271-D573D830E53C}"/>
-              </a:ext>
-            </a:extLst>
-          </p:cNvPr>
-          <p:cNvSpPr>
-            <a:spLocks noGrp="1"/>
-          </p:cNvSpPr>
-          <p:nvPr>
-            <p:ph type="title"/>
-          </p:nvPr>
-        </p:nvSpPr>
-        <p:spPr>
-          <a:xfrm>
-            <a:off x="3776669" y="0"/>
-            <a:ext cx="3297900" cy="670561"/>
-          </a:xfrm>
-        </p:spPr>
-        <p:txBody>
-          <a:bodyPr/>
-          <a:lstStyle/>
-          <a:p>
-            <a:r>
-              <a:rPr lang="en-US" dirty="0"/>
-              <a:t>Gantt Chart</a:t>
-            </a:r>
-          </a:p>
-        </p:txBody>
-      </p:sp>
       <p:pic>
         <p:nvPicPr>
           <p:cNvPr id="5" name="Content Placeholder 4">
@@ -6901,9 +9038,14 @@
         </p:blipFill>
         <p:spPr>
           <a:xfrm>
-            <a:off x="0" y="847023"/>
-            <a:ext cx="11320230" cy="6010977"/>
+            <a:off x="336382" y="277091"/>
+            <a:ext cx="11571120" cy="6144198"/>
           </a:xfrm>
+          <a:ln w="19050">
+            <a:solidFill>
+              <a:schemeClr val="tx1"/>
+            </a:solidFill>
+          </a:ln>
         </p:spPr>
       </p:pic>
     </p:spTree>
@@ -6916,6 +9058,13 @@
   <p:clrMapOvr>
     <a:masterClrMapping/>
   </p:clrMapOvr>
+  <p:timing>
+    <p:tnLst>
+      <p:par>
+        <p:cTn id="1" dur="indefinite" restart="never" nodeType="tmRoot"/>
+      </p:par>
+    </p:tnLst>
+  </p:timing>
 </p:sld>
 </file>
 
@@ -6966,10 +9115,10 @@
       </p:sp>
       <p:pic>
         <p:nvPicPr>
-          <p:cNvPr id="5" name="Picture 4">
+          <p:cNvPr id="6" name="Picture 5">
             <a:extLst>
               <a:ext uri="{FF2B5EF4-FFF2-40B4-BE49-F238E27FC236}">
-                <a16:creationId xmlns:a16="http://schemas.microsoft.com/office/drawing/2014/main" id="{D6E3B4A0-BF44-D02F-2E3C-735668860242}"/>
+                <a16:creationId xmlns:a16="http://schemas.microsoft.com/office/drawing/2014/main" id="{3DC5E0D9-FB7A-F6AB-869A-102C7CD579CA}"/>
               </a:ext>
             </a:extLst>
           </p:cNvPr>
@@ -6986,109 +9135,14 @@
         </p:blipFill>
         <p:spPr>
           <a:xfrm>
-            <a:off x="5365150" y="1782886"/>
-            <a:ext cx="3541864" cy="2443393"/>
+            <a:off x="538787" y="2794643"/>
+            <a:ext cx="4798412" cy="2950375"/>
           </a:xfrm>
           <a:prstGeom prst="rect">
             <a:avLst/>
           </a:prstGeom>
         </p:spPr>
       </p:pic>
-      <p:pic>
-        <p:nvPicPr>
-          <p:cNvPr id="6" name="Picture 5">
-            <a:extLst>
-              <a:ext uri="{FF2B5EF4-FFF2-40B4-BE49-F238E27FC236}">
-                <a16:creationId xmlns:a16="http://schemas.microsoft.com/office/drawing/2014/main" id="{3DC5E0D9-FB7A-F6AB-869A-102C7CD579CA}"/>
-              </a:ext>
-            </a:extLst>
-          </p:cNvPr>
-          <p:cNvPicPr>
-            <a:picLocks noChangeAspect="1"/>
-          </p:cNvPicPr>
-          <p:nvPr/>
-        </p:nvPicPr>
-        <p:blipFill>
-          <a:blip r:embed="rId3"/>
-          <a:stretch>
-            <a:fillRect/>
-          </a:stretch>
-        </p:blipFill>
-        <p:spPr>
-          <a:xfrm>
-            <a:off x="677334" y="1635125"/>
-            <a:ext cx="3494971" cy="2148935"/>
-          </a:xfrm>
-          <a:prstGeom prst="rect">
-            <a:avLst/>
-          </a:prstGeom>
-        </p:spPr>
-      </p:pic>
-      <p:pic>
-        <p:nvPicPr>
-          <p:cNvPr id="8" name="Picture 7">
-            <a:extLst>
-              <a:ext uri="{FF2B5EF4-FFF2-40B4-BE49-F238E27FC236}">
-                <a16:creationId xmlns:a16="http://schemas.microsoft.com/office/drawing/2014/main" id="{60ECE5BD-20A6-A17E-D37F-12ED60BAB978}"/>
-              </a:ext>
-            </a:extLst>
-          </p:cNvPr>
-          <p:cNvPicPr>
-            <a:picLocks noChangeAspect="1"/>
-          </p:cNvPicPr>
-          <p:nvPr/>
-        </p:nvPicPr>
-        <p:blipFill>
-          <a:blip r:embed="rId4"/>
-          <a:srcRect l="711"/>
-          <a:stretch/>
-        </p:blipFill>
-        <p:spPr>
-          <a:xfrm>
-            <a:off x="2171700" y="4738918"/>
-            <a:ext cx="5393724" cy="2009972"/>
-          </a:xfrm>
-          <a:prstGeom prst="rect">
-            <a:avLst/>
-          </a:prstGeom>
-        </p:spPr>
-      </p:pic>
-      <p:sp>
-        <p:nvSpPr>
-          <p:cNvPr id="9" name="TextBox 8">
-            <a:extLst>
-              <a:ext uri="{FF2B5EF4-FFF2-40B4-BE49-F238E27FC236}">
-                <a16:creationId xmlns:a16="http://schemas.microsoft.com/office/drawing/2014/main" id="{96829849-B409-DE87-6408-0917A188FBDB}"/>
-              </a:ext>
-            </a:extLst>
-          </p:cNvPr>
-          <p:cNvSpPr txBox="1"/>
-          <p:nvPr/>
-        </p:nvSpPr>
-        <p:spPr>
-          <a:xfrm>
-            <a:off x="4164005" y="4200525"/>
-            <a:ext cx="1342034" cy="369332"/>
-          </a:xfrm>
-          <a:prstGeom prst="rect">
-            <a:avLst/>
-          </a:prstGeom>
-          <a:noFill/>
-        </p:spPr>
-        <p:txBody>
-          <a:bodyPr wrap="none" rtlCol="0">
-            <a:spAutoFit/>
-          </a:bodyPr>
-          <a:lstStyle/>
-          <a:p>
-            <a:r>
-              <a:rPr lang="en-US" b="1" dirty="0"/>
-              <a:t>Concept 3 </a:t>
-            </a:r>
-            <a:endParaRPr lang="tr-TR" b="1" dirty="0"/>
-          </a:p>
-        </p:txBody>
-      </p:sp>
       <p:sp>
         <p:nvSpPr>
           <p:cNvPr id="10" name="TextBox 9">
@@ -7103,8 +9157,8 @@
         </p:nvSpPr>
         <p:spPr>
           <a:xfrm>
-            <a:off x="1753802" y="1365929"/>
-            <a:ext cx="1342034" cy="369332"/>
+            <a:off x="1975475" y="1556945"/>
+            <a:ext cx="2191626" cy="584775"/>
           </a:xfrm>
           <a:prstGeom prst="rect">
             <a:avLst/>
@@ -7118,10 +9172,18 @@
           <a:lstStyle/>
           <a:p>
             <a:r>
+              <a:rPr lang="en-US" sz="3200" b="1" dirty="0"/>
+              <a:t>Concept</a:t>
+            </a:r>
+            <a:r>
               <a:rPr lang="en-US" b="1" dirty="0"/>
-              <a:t>Concept 1 </a:t>
-            </a:r>
-            <a:endParaRPr lang="tr-TR" b="1" dirty="0"/>
+              <a:t> </a:t>
+            </a:r>
+            <a:r>
+              <a:rPr lang="en-US" sz="3200" b="1" dirty="0"/>
+              <a:t>1 </a:t>
+            </a:r>
+            <a:endParaRPr lang="tr-TR" sz="3200" b="1" dirty="0"/>
           </a:p>
         </p:txBody>
       </p:sp>
@@ -7140,7 +9202,7 @@
         <p:spPr>
           <a:xfrm>
             <a:off x="6677663" y="1372279"/>
-            <a:ext cx="1342034" cy="369332"/>
+            <a:ext cx="253596" cy="369332"/>
           </a:xfrm>
           <a:prstGeom prst="rect">
             <a:avLst/>
@@ -7154,10 +9216,104 @@
           <a:lstStyle/>
           <a:p>
             <a:r>
-              <a:rPr lang="en-US" b="1" dirty="0"/>
-              <a:t>Concept 2 </a:t>
+              <a:rPr lang="en-US" b="1" dirty="0" smtClean="0"/>
+              <a:t> </a:t>
             </a:r>
             <a:endParaRPr lang="tr-TR" b="1" dirty="0"/>
+          </a:p>
+        </p:txBody>
+      </p:sp>
+      <p:sp>
+        <p:nvSpPr>
+          <p:cNvPr id="7" name="Metin kutusu 6"/>
+          <p:cNvSpPr txBox="1"/>
+          <p:nvPr/>
+        </p:nvSpPr>
+        <p:spPr>
+          <a:xfrm>
+            <a:off x="5911272" y="2530763"/>
+            <a:ext cx="3749964" cy="3416320"/>
+          </a:xfrm>
+          <a:prstGeom prst="rect">
+            <a:avLst/>
+          </a:prstGeom>
+          <a:noFill/>
+        </p:spPr>
+        <p:txBody>
+          <a:bodyPr wrap="square" rtlCol="0">
+            <a:spAutoFit/>
+          </a:bodyPr>
+          <a:lstStyle/>
+          <a:p>
+            <a:pPr marL="285750" indent="-285750">
+              <a:buFont typeface="Arial" panose="020B0604020202020204" pitchFamily="34" charset="0"/>
+              <a:buChar char="•"/>
+            </a:pPr>
+            <a:r>
+              <a:rPr lang="en-GB" dirty="0" smtClean="0"/>
+              <a:t>3 rotors </a:t>
+            </a:r>
+          </a:p>
+          <a:p>
+            <a:pPr marL="285750" indent="-285750">
+              <a:buFont typeface="Arial" panose="020B0604020202020204" pitchFamily="34" charset="0"/>
+              <a:buChar char="•"/>
+            </a:pPr>
+            <a:r>
+              <a:rPr lang="en-GB" dirty="0" smtClean="0"/>
+              <a:t>2 front rotors are able to tilt in y-axes</a:t>
+            </a:r>
+          </a:p>
+          <a:p>
+            <a:pPr marL="285750" indent="-285750">
+              <a:buFont typeface="Arial" panose="020B0604020202020204" pitchFamily="34" charset="0"/>
+              <a:buChar char="•"/>
+            </a:pPr>
+            <a:r>
+              <a:rPr lang="en-GB" dirty="0" smtClean="0"/>
+              <a:t>Only 1 (Rear) passive rotor causes extra drag during horizontal flight</a:t>
+            </a:r>
+          </a:p>
+          <a:p>
+            <a:pPr marL="285750" indent="-285750">
+              <a:buFont typeface="Arial" panose="020B0604020202020204" pitchFamily="34" charset="0"/>
+              <a:buChar char="•"/>
+            </a:pPr>
+            <a:r>
+              <a:rPr lang="en-GB" dirty="0" smtClean="0"/>
+              <a:t>Quite Stable for vertical flight (3-point stability triangle)</a:t>
+            </a:r>
+          </a:p>
+          <a:p>
+            <a:pPr marL="285750" indent="-285750">
+              <a:buFont typeface="Arial" panose="020B0604020202020204" pitchFamily="34" charset="0"/>
+              <a:buChar char="•"/>
+            </a:pPr>
+            <a:r>
+              <a:rPr lang="en-GB" dirty="0" smtClean="0"/>
+              <a:t>Less bending moment on wings</a:t>
+            </a:r>
+          </a:p>
+          <a:p>
+            <a:pPr marL="285750" indent="-285750">
+              <a:buFont typeface="Arial" panose="020B0604020202020204" pitchFamily="34" charset="0"/>
+              <a:buChar char="•"/>
+            </a:pPr>
+            <a:endParaRPr lang="en-GB" dirty="0" smtClean="0"/>
+          </a:p>
+          <a:p>
+            <a:pPr marL="285750" indent="-285750">
+              <a:buFont typeface="Arial" panose="020B0604020202020204" pitchFamily="34" charset="0"/>
+              <a:buChar char="•"/>
+            </a:pPr>
+            <a:endParaRPr lang="en-GB" dirty="0" smtClean="0"/>
+          </a:p>
+          <a:p>
+            <a:pPr marL="285750" indent="-285750">
+              <a:buFont typeface="Arial" panose="020B0604020202020204" pitchFamily="34" charset="0"/>
+              <a:buChar char="•"/>
+            </a:pPr>
+            <a:endParaRPr lang="en-GB" dirty="0"/>
           </a:p>
         </p:txBody>
       </p:sp>
@@ -7171,6 +9327,13 @@
   <p:clrMapOvr>
     <a:masterClrMapping/>
   </p:clrMapOvr>
+  <p:timing>
+    <p:tnLst>
+      <p:par>
+        <p:cTn id="1" dur="indefinite" restart="never" nodeType="tmRoot"/>
+      </p:par>
+    </p:tnLst>
+  </p:timing>
 </p:sld>
 </file>
 
@@ -7191,6 +9354,308 @@
           <a:chExt cx="0" cy="0"/>
         </a:xfrm>
       </p:grpSpPr>
+      <p:pic>
+        <p:nvPicPr>
+          <p:cNvPr id="4" name="Picture 7">
+            <a:extLst>
+              <a:ext uri="{FF2B5EF4-FFF2-40B4-BE49-F238E27FC236}">
+                <a16:creationId xmlns:a16="http://schemas.microsoft.com/office/drawing/2014/main" id="{60ECE5BD-20A6-A17E-D37F-12ED60BAB978}"/>
+              </a:ext>
+            </a:extLst>
+          </p:cNvPr>
+          <p:cNvPicPr>
+            <a:picLocks noGrp="1" noChangeAspect="1"/>
+          </p:cNvPicPr>
+          <p:nvPr>
+            <p:ph idx="1"/>
+          </p:nvPr>
+        </p:nvPicPr>
+        <p:blipFill>
+          <a:blip r:embed="rId2"/>
+          <a:srcRect l="711"/>
+          <a:stretch/>
+        </p:blipFill>
+        <p:spPr>
+          <a:xfrm>
+            <a:off x="559344" y="4562763"/>
+            <a:ext cx="4932346" cy="1838037"/>
+          </a:xfrm>
+          <a:prstGeom prst="rect">
+            <a:avLst/>
+          </a:prstGeom>
+        </p:spPr>
+      </p:pic>
+      <p:sp>
+        <p:nvSpPr>
+          <p:cNvPr id="5" name="Dikdörtgen 4"/>
+          <p:cNvSpPr/>
+          <p:nvPr/>
+        </p:nvSpPr>
+        <p:spPr>
+          <a:xfrm>
+            <a:off x="1573647" y="3733860"/>
+            <a:ext cx="2246128" cy="584775"/>
+          </a:xfrm>
+          <a:prstGeom prst="rect">
+            <a:avLst/>
+          </a:prstGeom>
+        </p:spPr>
+        <p:txBody>
+          <a:bodyPr wrap="none">
+            <a:spAutoFit/>
+          </a:bodyPr>
+          <a:lstStyle/>
+          <a:p>
+            <a:r>
+              <a:rPr lang="en-US" sz="3200" b="1" dirty="0"/>
+              <a:t>Concept 3 </a:t>
+            </a:r>
+            <a:endParaRPr lang="tr-TR" sz="3200" b="1" dirty="0"/>
+          </a:p>
+        </p:txBody>
+      </p:sp>
+      <p:pic>
+        <p:nvPicPr>
+          <p:cNvPr id="6" name="Picture 4">
+            <a:extLst>
+              <a:ext uri="{FF2B5EF4-FFF2-40B4-BE49-F238E27FC236}">
+                <a16:creationId xmlns:a16="http://schemas.microsoft.com/office/drawing/2014/main" id="{D6E3B4A0-BF44-D02F-2E3C-735668860242}"/>
+              </a:ext>
+            </a:extLst>
+          </p:cNvPr>
+          <p:cNvPicPr>
+            <a:picLocks noChangeAspect="1"/>
+          </p:cNvPicPr>
+          <p:nvPr/>
+        </p:nvPicPr>
+        <p:blipFill>
+          <a:blip r:embed="rId3"/>
+          <a:stretch>
+            <a:fillRect/>
+          </a:stretch>
+        </p:blipFill>
+        <p:spPr>
+          <a:xfrm>
+            <a:off x="1255040" y="923258"/>
+            <a:ext cx="3541864" cy="2443393"/>
+          </a:xfrm>
+          <a:prstGeom prst="rect">
+            <a:avLst/>
+          </a:prstGeom>
+        </p:spPr>
+      </p:pic>
+      <p:sp>
+        <p:nvSpPr>
+          <p:cNvPr id="7" name="TextBox 11">
+            <a:extLst>
+              <a:ext uri="{FF2B5EF4-FFF2-40B4-BE49-F238E27FC236}">
+                <a16:creationId xmlns:a16="http://schemas.microsoft.com/office/drawing/2014/main" id="{DA2F3D23-378B-67BC-0EDA-EF9E7B8EE52B}"/>
+              </a:ext>
+            </a:extLst>
+          </p:cNvPr>
+          <p:cNvSpPr txBox="1"/>
+          <p:nvPr/>
+        </p:nvSpPr>
+        <p:spPr>
+          <a:xfrm>
+            <a:off x="1573647" y="273402"/>
+            <a:ext cx="2268680" cy="584775"/>
+          </a:xfrm>
+          <a:prstGeom prst="rect">
+            <a:avLst/>
+          </a:prstGeom>
+          <a:noFill/>
+        </p:spPr>
+        <p:txBody>
+          <a:bodyPr wrap="square" rtlCol="0">
+            <a:spAutoFit/>
+          </a:bodyPr>
+          <a:lstStyle/>
+          <a:p>
+            <a:r>
+              <a:rPr lang="en-US" sz="3200" b="1" dirty="0"/>
+              <a:t>Concept 2 </a:t>
+            </a:r>
+            <a:endParaRPr lang="tr-TR" sz="3200" b="1" dirty="0"/>
+          </a:p>
+        </p:txBody>
+      </p:sp>
+      <p:sp>
+        <p:nvSpPr>
+          <p:cNvPr id="8" name="Metin kutusu 7"/>
+          <p:cNvSpPr txBox="1"/>
+          <p:nvPr/>
+        </p:nvSpPr>
+        <p:spPr>
+          <a:xfrm>
+            <a:off x="5883565" y="923258"/>
+            <a:ext cx="3352800" cy="2308324"/>
+          </a:xfrm>
+          <a:prstGeom prst="rect">
+            <a:avLst/>
+          </a:prstGeom>
+          <a:noFill/>
+        </p:spPr>
+        <p:txBody>
+          <a:bodyPr wrap="square" rtlCol="0">
+            <a:spAutoFit/>
+          </a:bodyPr>
+          <a:lstStyle/>
+          <a:p>
+            <a:pPr marL="285750" indent="-285750">
+              <a:buFont typeface="Arial" panose="020B0604020202020204" pitchFamily="34" charset="0"/>
+              <a:buChar char="•"/>
+            </a:pPr>
+            <a:r>
+              <a:rPr lang="en-GB" dirty="0" smtClean="0"/>
+              <a:t>4 rotors, 2 of them </a:t>
+            </a:r>
+            <a:r>
+              <a:rPr lang="tr-TR" dirty="0" smtClean="0"/>
+              <a:t>(Front) </a:t>
+            </a:r>
+            <a:r>
+              <a:rPr lang="en-GB" dirty="0" smtClean="0"/>
+              <a:t>are able to tilt</a:t>
+            </a:r>
+          </a:p>
+          <a:p>
+            <a:pPr marL="285750" indent="-285750">
+              <a:buFont typeface="Arial" panose="020B0604020202020204" pitchFamily="34" charset="0"/>
+              <a:buChar char="•"/>
+            </a:pPr>
+            <a:r>
+              <a:rPr lang="en-GB" dirty="0" smtClean="0"/>
+              <a:t>2 passive rotor causes extra drag during horizontal flight</a:t>
+            </a:r>
+          </a:p>
+          <a:p>
+            <a:pPr marL="285750" indent="-285750">
+              <a:buFont typeface="Arial" panose="020B0604020202020204" pitchFamily="34" charset="0"/>
+              <a:buChar char="•"/>
+            </a:pPr>
+            <a:r>
+              <a:rPr lang="en-GB" dirty="0" smtClean="0"/>
+              <a:t>Extra weight for rotor arm tubes</a:t>
+            </a:r>
+          </a:p>
+          <a:p>
+            <a:pPr marL="285750" indent="-285750">
+              <a:buFont typeface="Arial" panose="020B0604020202020204" pitchFamily="34" charset="0"/>
+              <a:buChar char="•"/>
+            </a:pPr>
+            <a:r>
+              <a:rPr lang="en-GB" dirty="0" smtClean="0"/>
+              <a:t>Most stable concept for vertical flight</a:t>
+            </a:r>
+            <a:endParaRPr lang="en-GB" dirty="0"/>
+          </a:p>
+        </p:txBody>
+      </p:sp>
+      <p:sp>
+        <p:nvSpPr>
+          <p:cNvPr id="9" name="Metin kutusu 8"/>
+          <p:cNvSpPr txBox="1"/>
+          <p:nvPr/>
+        </p:nvSpPr>
+        <p:spPr>
+          <a:xfrm>
+            <a:off x="5883564" y="4318635"/>
+            <a:ext cx="3657599" cy="1754326"/>
+          </a:xfrm>
+          <a:prstGeom prst="rect">
+            <a:avLst/>
+          </a:prstGeom>
+          <a:noFill/>
+        </p:spPr>
+        <p:txBody>
+          <a:bodyPr wrap="square" rtlCol="0">
+            <a:spAutoFit/>
+          </a:bodyPr>
+          <a:lstStyle/>
+          <a:p>
+            <a:pPr marL="285750" indent="-285750">
+              <a:buFont typeface="Arial" panose="020B0604020202020204" pitchFamily="34" charset="0"/>
+              <a:buChar char="•"/>
+            </a:pPr>
+            <a:r>
+              <a:rPr lang="en-GB" dirty="0" smtClean="0"/>
+              <a:t>2 rotors, both are able to tilt</a:t>
+            </a:r>
+          </a:p>
+          <a:p>
+            <a:pPr marL="285750" indent="-285750">
+              <a:buFont typeface="Arial" panose="020B0604020202020204" pitchFamily="34" charset="0"/>
+              <a:buChar char="•"/>
+            </a:pPr>
+            <a:r>
+              <a:rPr lang="tr-TR" dirty="0"/>
+              <a:t>N</a:t>
+            </a:r>
+            <a:r>
+              <a:rPr lang="en-GB" dirty="0" smtClean="0"/>
+              <a:t>o passive rotor, no extra drag</a:t>
+            </a:r>
+          </a:p>
+          <a:p>
+            <a:pPr marL="285750" indent="-285750">
+              <a:buFont typeface="Arial" panose="020B0604020202020204" pitchFamily="34" charset="0"/>
+              <a:buChar char="•"/>
+            </a:pPr>
+            <a:r>
+              <a:rPr lang="en-GB" dirty="0" smtClean="0"/>
+              <a:t>Highest bending moment on wing </a:t>
+            </a:r>
+          </a:p>
+          <a:p>
+            <a:pPr marL="285750" indent="-285750">
+              <a:buFont typeface="Arial" panose="020B0604020202020204" pitchFamily="34" charset="0"/>
+              <a:buChar char="•"/>
+            </a:pPr>
+            <a:r>
+              <a:rPr lang="en-GB" dirty="0" smtClean="0"/>
+              <a:t>Least stable concept for vertical flight</a:t>
+            </a:r>
+          </a:p>
+        </p:txBody>
+      </p:sp>
+    </p:spTree>
+    <p:extLst>
+      <p:ext uri="{BB962C8B-B14F-4D97-AF65-F5344CB8AC3E}">
+        <p14:creationId xmlns:p14="http://schemas.microsoft.com/office/powerpoint/2010/main" val="1810620157"/>
+      </p:ext>
+    </p:extLst>
+  </p:cSld>
+  <p:clrMapOvr>
+    <a:masterClrMapping/>
+  </p:clrMapOvr>
+  <p:timing>
+    <p:tnLst>
+      <p:par>
+        <p:cTn id="1" dur="indefinite" restart="never" nodeType="tmRoot"/>
+      </p:par>
+    </p:tnLst>
+  </p:timing>
+</p:sld>
+</file>
+
+<file path=ppt/slides/slide7.xml><?xml version="1.0" encoding="utf-8"?>
+<p:sld xmlns:a="http://schemas.openxmlformats.org/drawingml/2006/main" xmlns:r="http://schemas.openxmlformats.org/officeDocument/2006/relationships" xmlns:p="http://schemas.openxmlformats.org/presentationml/2006/main">
+  <p:cSld>
+    <p:spTree>
+      <p:nvGrpSpPr>
+        <p:cNvPr id="1" name=""/>
+        <p:cNvGrpSpPr/>
+        <p:nvPr/>
+      </p:nvGrpSpPr>
+      <p:grpSpPr>
+        <a:xfrm>
+          <a:off x="0" y="0"/>
+          <a:ext cx="0" cy="0"/>
+          <a:chOff x="0" y="0"/>
+          <a:chExt cx="0" cy="0"/>
+        </a:xfrm>
+      </p:grpSpPr>
       <p:sp>
         <p:nvSpPr>
           <p:cNvPr id="2" name="Title 1">
@@ -7207,16 +9672,20 @@
             <p:ph type="title"/>
           </p:nvPr>
         </p:nvSpPr>
-        <p:spPr/>
+        <p:spPr>
+          <a:xfrm>
+            <a:off x="668098" y="249383"/>
+            <a:ext cx="8596668" cy="679704"/>
+          </a:xfrm>
+        </p:spPr>
         <p:txBody>
           <a:bodyPr/>
           <a:lstStyle/>
           <a:p>
             <a:r>
-              <a:rPr lang="en-US"/>
+              <a:rPr lang="en-US" dirty="0"/>
               <a:t>Binary Dominance Matrix </a:t>
             </a:r>
-            <a:endParaRPr lang="en-US" dirty="0"/>
           </a:p>
         </p:txBody>
       </p:sp>
@@ -7243,9 +9712,14 @@
         </p:blipFill>
         <p:spPr>
           <a:xfrm>
-            <a:off x="866274" y="1289304"/>
+            <a:off x="668098" y="929087"/>
             <a:ext cx="7382577" cy="5573551"/>
           </a:xfrm>
+          <a:ln>
+            <a:solidFill>
+              <a:schemeClr val="tx1"/>
+            </a:solidFill>
+          </a:ln>
         </p:spPr>
       </p:pic>
     </p:spTree>
@@ -7258,10 +9732,17 @@
   <p:clrMapOvr>
     <a:masterClrMapping/>
   </p:clrMapOvr>
+  <p:timing>
+    <p:tnLst>
+      <p:par>
+        <p:cTn id="1" dur="indefinite" restart="never" nodeType="tmRoot"/>
+      </p:par>
+    </p:tnLst>
+  </p:timing>
 </p:sld>
 </file>
 
-<file path=ppt/slides/slide7.xml><?xml version="1.0" encoding="utf-8"?>
+<file path=ppt/slides/slide8.xml><?xml version="1.0" encoding="utf-8"?>
 <p:sld xmlns:a="http://schemas.openxmlformats.org/drawingml/2006/main" xmlns:r="http://schemas.openxmlformats.org/officeDocument/2006/relationships" xmlns:p="http://schemas.openxmlformats.org/presentationml/2006/main">
   <p:cSld>
     <p:spTree>
@@ -7352,10 +9833,17 @@
   <p:clrMapOvr>
     <a:masterClrMapping/>
   </p:clrMapOvr>
+  <p:timing>
+    <p:tnLst>
+      <p:par>
+        <p:cTn id="1" dur="indefinite" restart="never" nodeType="tmRoot"/>
+      </p:par>
+    </p:tnLst>
+  </p:timing>
 </p:sld>
 </file>
 
-<file path=ppt/slides/slide8.xml><?xml version="1.0" encoding="utf-8"?>
+<file path=ppt/slides/slide9.xml><?xml version="1.0" encoding="utf-8"?>
 <p:sld xmlns:a="http://schemas.openxmlformats.org/drawingml/2006/main" xmlns:r="http://schemas.openxmlformats.org/officeDocument/2006/relationships" xmlns:p="http://schemas.openxmlformats.org/presentationml/2006/main">
   <p:cSld>
     <p:spTree>
@@ -7388,7 +9876,12 @@
             <p:ph type="title"/>
           </p:nvPr>
         </p:nvSpPr>
-        <p:spPr/>
+        <p:spPr>
+          <a:xfrm>
+            <a:off x="677334" y="609600"/>
+            <a:ext cx="8596668" cy="593700"/>
+          </a:xfrm>
+        </p:spPr>
         <p:txBody>
           <a:bodyPr>
             <a:normAutofit fontScale="90000"/>
@@ -7397,11 +9890,16 @@
           <a:p>
             <a:r>
               <a:rPr lang="en-US" dirty="0"/>
-              <a:t>Airfoil Selection</a:t>
-            </a:r>
-            <a:br>
+              <a:t>Airfoil </a:t>
+            </a:r>
+            <a:r>
+              <a:rPr lang="en-US" dirty="0" smtClean="0"/>
+              <a:t>Selection</a:t>
+            </a:r>
+            <a:r>
               <a:rPr lang="en-US" dirty="0"/>
-            </a:br>
+              <a:t/>
+            </a:r>
             <a:br>
               <a:rPr lang="en-US" dirty="0"/>
             </a:br>
@@ -7427,7 +9925,7 @@
         </p:nvSpPr>
         <p:spPr>
           <a:xfrm>
-            <a:off x="677334" y="1371601"/>
+            <a:off x="677334" y="1920613"/>
             <a:ext cx="8596668" cy="4669762"/>
           </a:xfrm>
         </p:spPr>
@@ -7497,7 +9995,7 @@
         </p:blipFill>
         <p:spPr>
           <a:xfrm>
-            <a:off x="711192" y="1930400"/>
+            <a:off x="750529" y="2260912"/>
             <a:ext cx="5384808" cy="980501"/>
           </a:xfrm>
           <a:prstGeom prst="rect">
@@ -7527,7 +10025,7 @@
         </p:blipFill>
         <p:spPr>
           <a:xfrm>
-            <a:off x="637997" y="3429000"/>
+            <a:off x="677334" y="3893785"/>
             <a:ext cx="5458003" cy="966300"/>
           </a:xfrm>
           <a:prstGeom prst="rect">
@@ -7557,7 +10055,7 @@
         </p:blipFill>
         <p:spPr>
           <a:xfrm>
-            <a:off x="711192" y="5372916"/>
+            <a:off x="750529" y="5548407"/>
             <a:ext cx="5329666" cy="1041968"/>
           </a:xfrm>
           <a:prstGeom prst="rect">
@@ -7565,6 +10063,284 @@
           </a:prstGeom>
         </p:spPr>
       </p:pic>
+      <p:sp>
+        <p:nvSpPr>
+          <p:cNvPr id="4" name="Metin kutusu 3"/>
+          <p:cNvSpPr txBox="1"/>
+          <p:nvPr/>
+        </p:nvSpPr>
+        <p:spPr>
+          <a:xfrm>
+            <a:off x="6337341" y="2411475"/>
+            <a:ext cx="2773994" cy="369332"/>
+          </a:xfrm>
+          <a:prstGeom prst="rect">
+            <a:avLst/>
+          </a:prstGeom>
+          <a:noFill/>
+        </p:spPr>
+        <p:txBody>
+          <a:bodyPr wrap="square" rtlCol="0">
+            <a:spAutoFit/>
+          </a:bodyPr>
+          <a:lstStyle/>
+          <a:p>
+            <a:pPr marL="285750" indent="-285750">
+              <a:buFont typeface="Arial" panose="020B0604020202020204" pitchFamily="34" charset="0"/>
+              <a:buChar char="•"/>
+            </a:pPr>
+            <a:r>
+              <a:rPr lang="en-GB" dirty="0" smtClean="0"/>
+              <a:t>Low</a:t>
+            </a:r>
+            <a:r>
+              <a:rPr lang="tr-TR" dirty="0" smtClean="0"/>
+              <a:t> </a:t>
+            </a:r>
+            <a:r>
+              <a:rPr lang="en-GB" dirty="0" smtClean="0"/>
+              <a:t>Drag</a:t>
+            </a:r>
+            <a:r>
+              <a:rPr lang="tr-TR" dirty="0" smtClean="0"/>
+              <a:t> </a:t>
+            </a:r>
+            <a:r>
+              <a:rPr lang="en-GB" dirty="0" smtClean="0"/>
+              <a:t>Coefficient</a:t>
+            </a:r>
+            <a:endParaRPr lang="en-GB" dirty="0"/>
+          </a:p>
+        </p:txBody>
+      </p:sp>
+      <mc:AlternateContent xmlns:mc="http://schemas.openxmlformats.org/markup-compatibility/2006" xmlns:a14="http://schemas.microsoft.com/office/drawing/2010/main">
+        <mc:Choice Requires="a14">
+          <p:sp>
+            <p:nvSpPr>
+              <p:cNvPr id="8" name="Metin kutusu 7"/>
+              <p:cNvSpPr txBox="1"/>
+              <p:nvPr/>
+            </p:nvSpPr>
+            <p:spPr>
+              <a:xfrm>
+                <a:off x="6337341" y="5847522"/>
+                <a:ext cx="2773994" cy="369332"/>
+              </a:xfrm>
+              <a:prstGeom prst="rect">
+                <a:avLst/>
+              </a:prstGeom>
+              <a:noFill/>
+            </p:spPr>
+            <p:txBody>
+              <a:bodyPr wrap="square" rtlCol="0">
+                <a:spAutoFit/>
+              </a:bodyPr>
+              <a:lstStyle/>
+              <a:p>
+                <a:pPr marL="285750" indent="-285750">
+                  <a:buFont typeface="Arial" panose="020B0604020202020204" pitchFamily="34" charset="0"/>
+                  <a:buChar char="•"/>
+                </a:pPr>
+                <a:r>
+                  <a:rPr lang="tr-TR" dirty="0" smtClean="0"/>
+                  <a:t>High </a:t>
+                </a:r>
+                <a14:m>
+                  <m:oMath xmlns:m="http://schemas.openxmlformats.org/officeDocument/2006/math">
+                    <m:sSub>
+                      <m:sSubPr>
+                        <m:ctrlPr>
+                          <a:rPr lang="tr-TR" i="1" smtClean="0">
+                            <a:latin typeface="Cambria Math" panose="02040503050406030204" pitchFamily="18" charset="0"/>
+                          </a:rPr>
+                        </m:ctrlPr>
+                      </m:sSubPr>
+                      <m:e>
+                        <m:r>
+                          <a:rPr lang="tr-TR" b="0" i="1" smtClean="0">
+                            <a:latin typeface="Cambria Math" panose="02040503050406030204" pitchFamily="18" charset="0"/>
+                          </a:rPr>
+                          <m:t>𝐶</m:t>
+                        </m:r>
+                      </m:e>
+                      <m:sub>
+                        <m:r>
+                          <a:rPr lang="tr-TR" b="0" i="1" smtClean="0">
+                            <a:latin typeface="Cambria Math" panose="02040503050406030204" pitchFamily="18" charset="0"/>
+                          </a:rPr>
+                          <m:t>𝐿</m:t>
+                        </m:r>
+                      </m:sub>
+                    </m:sSub>
+                    <m:r>
+                      <a:rPr lang="tr-TR" b="0" i="1" smtClean="0">
+                        <a:latin typeface="Cambria Math" panose="02040503050406030204" pitchFamily="18" charset="0"/>
+                      </a:rPr>
+                      <m:t>/</m:t>
+                    </m:r>
+                    <m:sSub>
+                      <m:sSubPr>
+                        <m:ctrlPr>
+                          <a:rPr lang="tr-TR" b="0" i="1" smtClean="0">
+                            <a:latin typeface="Cambria Math" panose="02040503050406030204" pitchFamily="18" charset="0"/>
+                          </a:rPr>
+                        </m:ctrlPr>
+                      </m:sSubPr>
+                      <m:e>
+                        <m:r>
+                          <a:rPr lang="tr-TR" b="0" i="1" smtClean="0">
+                            <a:latin typeface="Cambria Math" panose="02040503050406030204" pitchFamily="18" charset="0"/>
+                          </a:rPr>
+                          <m:t>𝐶</m:t>
+                        </m:r>
+                      </m:e>
+                      <m:sub>
+                        <m:r>
+                          <a:rPr lang="tr-TR" b="0" i="1" smtClean="0">
+                            <a:latin typeface="Cambria Math" panose="02040503050406030204" pitchFamily="18" charset="0"/>
+                          </a:rPr>
+                          <m:t>𝐷</m:t>
+                        </m:r>
+                      </m:sub>
+                    </m:sSub>
+                  </m:oMath>
+                </a14:m>
+                <a:r>
+                  <a:rPr lang="tr-TR" dirty="0" smtClean="0"/>
+                  <a:t> Ratio</a:t>
+                </a:r>
+                <a:endParaRPr lang="en-GB" dirty="0"/>
+              </a:p>
+            </p:txBody>
+          </p:sp>
+        </mc:Choice>
+        <mc:Fallback xmlns="">
+          <p:sp>
+            <p:nvSpPr>
+              <p:cNvPr id="8" name="Metin kutusu 7"/>
+              <p:cNvSpPr txBox="1">
+                <a:spLocks noRot="1" noChangeAspect="1" noMove="1" noResize="1" noEditPoints="1" noAdjustHandles="1" noChangeArrowheads="1" noChangeShapeType="1" noTextEdit="1"/>
+              </p:cNvSpPr>
+              <p:nvPr/>
+            </p:nvSpPr>
+            <p:spPr>
+              <a:xfrm>
+                <a:off x="6337341" y="5847522"/>
+                <a:ext cx="2773994" cy="369332"/>
+              </a:xfrm>
+              <a:prstGeom prst="rect">
+                <a:avLst/>
+              </a:prstGeom>
+              <a:blipFill>
+                <a:blip r:embed="rId5"/>
+                <a:stretch>
+                  <a:fillRect l="-1538" t="-9836" b="-22951"/>
+                </a:stretch>
+              </a:blipFill>
+            </p:spPr>
+            <p:txBody>
+              <a:bodyPr/>
+              <a:lstStyle/>
+              <a:p>
+                <a:r>
+                  <a:rPr lang="en-GB">
+                    <a:noFill/>
+                  </a:rPr>
+                  <a:t> </a:t>
+                </a:r>
+              </a:p>
+            </p:txBody>
+          </p:sp>
+        </mc:Fallback>
+      </mc:AlternateContent>
+      <p:sp>
+        <p:nvSpPr>
+          <p:cNvPr id="10" name="Metin kutusu 9"/>
+          <p:cNvSpPr txBox="1"/>
+          <p:nvPr/>
+        </p:nvSpPr>
+        <p:spPr>
+          <a:xfrm>
+            <a:off x="6337341" y="3813491"/>
+            <a:ext cx="2773994" cy="646331"/>
+          </a:xfrm>
+          <a:prstGeom prst="rect">
+            <a:avLst/>
+          </a:prstGeom>
+          <a:noFill/>
+        </p:spPr>
+        <p:txBody>
+          <a:bodyPr wrap="square" rtlCol="0">
+            <a:spAutoFit/>
+          </a:bodyPr>
+          <a:lstStyle/>
+          <a:p>
+            <a:pPr marL="285750" indent="-285750">
+              <a:buFont typeface="Arial" panose="020B0604020202020204" pitchFamily="34" charset="0"/>
+              <a:buChar char="•"/>
+            </a:pPr>
+            <a:r>
+              <a:rPr lang="en-GB" dirty="0" smtClean="0"/>
+              <a:t>Low Chamber</a:t>
+            </a:r>
+            <a:r>
+              <a:rPr lang="tr-TR" dirty="0" smtClean="0"/>
+              <a:t>-</a:t>
+            </a:r>
+            <a:r>
+              <a:rPr lang="en-GB" dirty="0" smtClean="0"/>
+              <a:t>Ease of Manufacturing</a:t>
+            </a:r>
+            <a:endParaRPr lang="en-GB" dirty="0"/>
+          </a:p>
+        </p:txBody>
+      </p:sp>
+      <p:sp>
+        <p:nvSpPr>
+          <p:cNvPr id="6" name="Metin kutusu 5"/>
+          <p:cNvSpPr txBox="1"/>
+          <p:nvPr/>
+        </p:nvSpPr>
+        <p:spPr>
+          <a:xfrm>
+            <a:off x="711192" y="1203300"/>
+            <a:ext cx="8442044" cy="646331"/>
+          </a:xfrm>
+          <a:prstGeom prst="rect">
+            <a:avLst/>
+          </a:prstGeom>
+          <a:noFill/>
+        </p:spPr>
+        <p:txBody>
+          <a:bodyPr wrap="square" rtlCol="0">
+            <a:spAutoFit/>
+          </a:bodyPr>
+          <a:lstStyle/>
+          <a:p>
+            <a:r>
+              <a:rPr lang="en-GB" u="sng" dirty="0" smtClean="0">
+                <a:solidFill>
+                  <a:srgbClr val="0070C0"/>
+                </a:solidFill>
+              </a:rPr>
+              <a:t>airfoiltools.com</a:t>
+            </a:r>
+            <a:r>
+              <a:rPr lang="en-GB" dirty="0" smtClean="0"/>
+              <a:t> web tool is used to select a</a:t>
+            </a:r>
+            <a:r>
+              <a:rPr lang="tr-TR" dirty="0" smtClean="0"/>
+              <a:t>ir</a:t>
+            </a:r>
+            <a:r>
+              <a:rPr lang="en-GB" dirty="0" smtClean="0"/>
+              <a:t>foil, compare and understand their strengths for our design.</a:t>
+            </a:r>
+            <a:endParaRPr lang="en-GB" dirty="0"/>
+          </a:p>
+        </p:txBody>
+      </p:sp>
     </p:spTree>
     <p:extLst>
       <p:ext uri="{BB962C8B-B14F-4D97-AF65-F5344CB8AC3E}">
@@ -7575,93 +10351,13 @@
   <p:clrMapOvr>
     <a:masterClrMapping/>
   </p:clrMapOvr>
-</p:sld>
-</file>
-
-<file path=ppt/slides/slide9.xml><?xml version="1.0" encoding="utf-8"?>
-<p:sld xmlns:a="http://schemas.openxmlformats.org/drawingml/2006/main" xmlns:r="http://schemas.openxmlformats.org/officeDocument/2006/relationships" xmlns:p="http://schemas.openxmlformats.org/presentationml/2006/main">
-  <p:cSld>
-    <p:spTree>
-      <p:nvGrpSpPr>
-        <p:cNvPr id="1" name=""/>
-        <p:cNvGrpSpPr/>
-        <p:nvPr/>
-      </p:nvGrpSpPr>
-      <p:grpSpPr>
-        <a:xfrm>
-          <a:off x="0" y="0"/>
-          <a:ext cx="0" cy="0"/>
-          <a:chOff x="0" y="0"/>
-          <a:chExt cx="0" cy="0"/>
-        </a:xfrm>
-      </p:grpSpPr>
-      <p:sp>
-        <p:nvSpPr>
-          <p:cNvPr id="2" name="Title 1">
-            <a:extLst>
-              <a:ext uri="{FF2B5EF4-FFF2-40B4-BE49-F238E27FC236}">
-                <a16:creationId xmlns:a16="http://schemas.microsoft.com/office/drawing/2014/main" id="{23332FF1-BD1E-2B3C-75B3-C337BCF887B2}"/>
-              </a:ext>
-            </a:extLst>
-          </p:cNvPr>
-          <p:cNvSpPr>
-            <a:spLocks noGrp="1"/>
-          </p:cNvSpPr>
-          <p:nvPr>
-            <p:ph type="title"/>
-          </p:nvPr>
-        </p:nvSpPr>
-        <p:spPr/>
-        <p:txBody>
-          <a:bodyPr/>
-          <a:lstStyle/>
-          <a:p>
-            <a:r>
-              <a:rPr lang="en-US" dirty="0"/>
-              <a:t>Wing Design and Lift Analysis </a:t>
-            </a:r>
-            <a:br>
-              <a:rPr lang="en-US" dirty="0"/>
-            </a:br>
-            <a:endParaRPr lang="en-US" dirty="0"/>
-          </a:p>
-        </p:txBody>
-      </p:sp>
-      <p:sp>
-        <p:nvSpPr>
-          <p:cNvPr id="3" name="Content Placeholder 2">
-            <a:extLst>
-              <a:ext uri="{FF2B5EF4-FFF2-40B4-BE49-F238E27FC236}">
-                <a16:creationId xmlns:a16="http://schemas.microsoft.com/office/drawing/2014/main" id="{27EFB4D6-5CFC-344A-97F6-A1E136811205}"/>
-              </a:ext>
-            </a:extLst>
-          </p:cNvPr>
-          <p:cNvSpPr>
-            <a:spLocks noGrp="1"/>
-          </p:cNvSpPr>
-          <p:nvPr>
-            <p:ph idx="1"/>
-          </p:nvPr>
-        </p:nvSpPr>
-        <p:spPr/>
-        <p:txBody>
-          <a:bodyPr/>
-          <a:lstStyle/>
-          <a:p>
-            <a:endParaRPr lang="en-US"/>
-          </a:p>
-        </p:txBody>
-      </p:sp>
-    </p:spTree>
-    <p:extLst>
-      <p:ext uri="{BB962C8B-B14F-4D97-AF65-F5344CB8AC3E}">
-        <p14:creationId xmlns:p14="http://schemas.microsoft.com/office/powerpoint/2010/main" val="1589950208"/>
-      </p:ext>
-    </p:extLst>
-  </p:cSld>
-  <p:clrMapOvr>
-    <a:masterClrMapping/>
-  </p:clrMapOvr>
+  <p:timing>
+    <p:tnLst>
+      <p:par>
+        <p:cTn id="1" dur="indefinite" restart="never" nodeType="tmRoot"/>
+      </p:par>
+    </p:tnLst>
+  </p:timing>
 </p:sld>
 </file>
 

--- a/Course Materials/Presentation.pptx
+++ b/Course Materials/Presentation.pptx
@@ -846,7 +846,7 @@
             <a:fld id="{B61BEF0D-F0BB-DE4B-95CE-6DB70DBA9567}" type="datetimeFigureOut">
               <a:rPr lang="en-US" dirty="0"/>
               <a:pPr/>
-              <a:t>11/20/2024</a:t>
+              <a:t>11/21/2024</a:t>
             </a:fld>
             <a:endParaRPr lang="en-US" dirty="0"/>
           </a:p>
@@ -1099,7 +1099,7 @@
             <a:fld id="{B61BEF0D-F0BB-DE4B-95CE-6DB70DBA9567}" type="datetimeFigureOut">
               <a:rPr lang="en-US" dirty="0"/>
               <a:pPr/>
-              <a:t>11/20/2024</a:t>
+              <a:t>11/21/2024</a:t>
             </a:fld>
             <a:endParaRPr lang="en-US" dirty="0"/>
           </a:p>
@@ -1415,7 +1415,7 @@
             <a:fld id="{B61BEF0D-F0BB-DE4B-95CE-6DB70DBA9567}" type="datetimeFigureOut">
               <a:rPr lang="en-US" dirty="0"/>
               <a:pPr/>
-              <a:t>11/20/2024</a:t>
+              <a:t>11/21/2024</a:t>
             </a:fld>
             <a:endParaRPr lang="en-US" dirty="0"/>
           </a:p>
@@ -1758,7 +1758,7 @@
             <a:fld id="{B61BEF0D-F0BB-DE4B-95CE-6DB70DBA9567}" type="datetimeFigureOut">
               <a:rPr lang="en-US" dirty="0"/>
               <a:pPr/>
-              <a:t>11/20/2024</a:t>
+              <a:t>11/21/2024</a:t>
             </a:fld>
             <a:endParaRPr lang="en-US" dirty="0"/>
           </a:p>
@@ -2074,7 +2074,7 @@
             <a:fld id="{B61BEF0D-F0BB-DE4B-95CE-6DB70DBA9567}" type="datetimeFigureOut">
               <a:rPr lang="en-US" dirty="0"/>
               <a:pPr/>
-              <a:t>11/20/2024</a:t>
+              <a:t>11/21/2024</a:t>
             </a:fld>
             <a:endParaRPr lang="en-US" dirty="0"/>
           </a:p>
@@ -2469,7 +2469,7 @@
             <a:fld id="{B61BEF0D-F0BB-DE4B-95CE-6DB70DBA9567}" type="datetimeFigureOut">
               <a:rPr lang="en-US" dirty="0"/>
               <a:pPr/>
-              <a:t>11/20/2024</a:t>
+              <a:t>11/21/2024</a:t>
             </a:fld>
             <a:endParaRPr lang="en-US" dirty="0"/>
           </a:p>
@@ -2640,7 +2640,7 @@
           <a:p>
             <a:fld id="{55C6B4A9-1611-4792-9094-5F34BCA07E0B}" type="datetimeFigureOut">
               <a:rPr lang="en-US" dirty="0"/>
-              <a:t>11/20/2024</a:t>
+              <a:t>11/21/2024</a:t>
             </a:fld>
             <a:endParaRPr lang="en-US" dirty="0"/>
           </a:p>
@@ -2821,7 +2821,7 @@
             <a:fld id="{B61BEF0D-F0BB-DE4B-95CE-6DB70DBA9567}" type="datetimeFigureOut">
               <a:rPr lang="en-US" dirty="0"/>
               <a:pPr/>
-              <a:t>11/20/2024</a:t>
+              <a:t>11/21/2024</a:t>
             </a:fld>
             <a:endParaRPr lang="en-US" dirty="0"/>
           </a:p>
@@ -2999,7 +2999,7 @@
             <a:fld id="{B61BEF0D-F0BB-DE4B-95CE-6DB70DBA9567}" type="datetimeFigureOut">
               <a:rPr lang="en-US" dirty="0"/>
               <a:pPr/>
-              <a:t>11/20/2024</a:t>
+              <a:t>11/21/2024</a:t>
             </a:fld>
             <a:endParaRPr lang="en-US" dirty="0"/>
           </a:p>
@@ -3248,7 +3248,7 @@
             <a:fld id="{B61BEF0D-F0BB-DE4B-95CE-6DB70DBA9567}" type="datetimeFigureOut">
               <a:rPr lang="en-US" dirty="0"/>
               <a:pPr/>
-              <a:t>11/20/2024</a:t>
+              <a:t>11/21/2024</a:t>
             </a:fld>
             <a:endParaRPr lang="en-US" dirty="0"/>
           </a:p>
@@ -3481,7 +3481,7 @@
           <a:p>
             <a:fld id="{EB712588-04B1-427B-82EE-E8DB90309F08}" type="datetimeFigureOut">
               <a:rPr lang="en-US" dirty="0"/>
-              <a:t>11/20/2024</a:t>
+              <a:t>11/21/2024</a:t>
             </a:fld>
             <a:endParaRPr lang="en-US" dirty="0"/>
           </a:p>
@@ -3856,7 +3856,7 @@
             <a:fld id="{B61BEF0D-F0BB-DE4B-95CE-6DB70DBA9567}" type="datetimeFigureOut">
               <a:rPr lang="en-US" dirty="0"/>
               <a:pPr/>
-              <a:t>11/20/2024</a:t>
+              <a:t>11/21/2024</a:t>
             </a:fld>
             <a:endParaRPr lang="en-US" dirty="0"/>
           </a:p>
@@ -3981,7 +3981,7 @@
             <a:fld id="{B61BEF0D-F0BB-DE4B-95CE-6DB70DBA9567}" type="datetimeFigureOut">
               <a:rPr lang="en-US" dirty="0"/>
               <a:pPr/>
-              <a:t>11/20/2024</a:t>
+              <a:t>11/21/2024</a:t>
             </a:fld>
             <a:endParaRPr lang="en-US" dirty="0"/>
           </a:p>
@@ -4078,7 +4078,7 @@
             <a:fld id="{B61BEF0D-F0BB-DE4B-95CE-6DB70DBA9567}" type="datetimeFigureOut">
               <a:rPr lang="en-US" dirty="0"/>
               <a:pPr/>
-              <a:t>11/20/2024</a:t>
+              <a:t>11/21/2024</a:t>
             </a:fld>
             <a:endParaRPr lang="en-US" dirty="0"/>
           </a:p>
@@ -4334,7 +4334,7 @@
           <a:p>
             <a:fld id="{42A54C80-263E-416B-A8E0-580EDEADCBDC}" type="datetimeFigureOut">
               <a:rPr lang="en-US" dirty="0"/>
-              <a:t>11/20/2024</a:t>
+              <a:t>11/21/2024</a:t>
             </a:fld>
             <a:endParaRPr lang="en-US" dirty="0"/>
           </a:p>
@@ -4598,7 +4598,7 @@
             <a:fld id="{B61BEF0D-F0BB-DE4B-95CE-6DB70DBA9567}" type="datetimeFigureOut">
               <a:rPr lang="en-US" dirty="0"/>
               <a:pPr/>
-              <a:t>11/20/2024</a:t>
+              <a:t>11/21/2024</a:t>
             </a:fld>
             <a:endParaRPr lang="en-US" dirty="0"/>
           </a:p>
@@ -5343,7 +5343,7 @@
             <a:fld id="{B61BEF0D-F0BB-DE4B-95CE-6DB70DBA9567}" type="datetimeFigureOut">
               <a:rPr lang="en-US" dirty="0"/>
               <a:pPr/>
-              <a:t>11/20/2024</a:t>
+              <a:t>11/21/2024</a:t>
             </a:fld>
             <a:endParaRPr lang="en-US" dirty="0"/>
           </a:p>
@@ -5937,7 +5937,7 @@
           </a:p>
           <a:p>
             <a:r>
-              <a:rPr lang="en-US" dirty="0" smtClean="0">
+              <a:rPr lang="en-US" dirty="0">
                 <a:solidFill>
                   <a:schemeClr val="tx1">
                     <a:lumMod val="95000"/>
@@ -5948,7 +5948,7 @@
               <a:t>2019405</a:t>
             </a:r>
             <a:r>
-              <a:rPr lang="tr-TR" dirty="0" smtClean="0">
+              <a:rPr lang="tr-TR" dirty="0">
                 <a:solidFill>
                   <a:schemeClr val="tx1">
                     <a:lumMod val="95000"/>
@@ -5959,17 +5959,6 @@
               <a:t>000</a:t>
             </a:r>
             <a:r>
-              <a:rPr lang="en-US" dirty="0" smtClean="0">
-                <a:solidFill>
-                  <a:schemeClr val="tx1">
-                    <a:lumMod val="95000"/>
-                    <a:lumOff val="5000"/>
-                  </a:schemeClr>
-                </a:solidFill>
-              </a:rPr>
-              <a:t>              </a:t>
-            </a:r>
-            <a:r>
               <a:rPr lang="en-US" dirty="0">
                 <a:solidFill>
                   <a:schemeClr val="tx1">
@@ -5978,7 +5967,7 @@
                   </a:schemeClr>
                 </a:solidFill>
               </a:rPr>
-              <a:t>2019405207 </a:t>
+              <a:t>              2019405207 </a:t>
             </a:r>
           </a:p>
         </p:txBody>
@@ -6023,13 +6012,6 @@
   <p:clrMapOvr>
     <a:masterClrMapping/>
   </p:clrMapOvr>
-  <p:timing>
-    <p:tnLst>
-      <p:par>
-        <p:cTn id="1" dur="indefinite" restart="never" nodeType="tmRoot"/>
-      </p:par>
-    </p:tnLst>
-  </p:timing>
 </p:sld>
 </file>
 
@@ -6071,15 +6053,14 @@
           <a:lstStyle/>
           <a:p>
             <a:r>
-              <a:rPr lang="en-GB" dirty="0" smtClean="0"/>
+              <a:rPr lang="en-GB" dirty="0"/>
               <a:t>XFLR-5 Wing Design and Analysis</a:t>
             </a:r>
-            <a:endParaRPr lang="en-GB" dirty="0"/>
-          </a:p>
-        </p:txBody>
-      </p:sp>
-      <mc:AlternateContent xmlns:mc="http://schemas.openxmlformats.org/markup-compatibility/2006">
-        <mc:Choice xmlns:a14="http://schemas.microsoft.com/office/drawing/2010/main" Requires="a14">
+          </a:p>
+        </p:txBody>
+      </p:sp>
+      <mc:AlternateContent xmlns:mc="http://schemas.openxmlformats.org/markup-compatibility/2006" xmlns:a14="http://schemas.microsoft.com/office/drawing/2010/main">
+        <mc:Choice Requires="a14">
           <p:sp>
             <p:nvSpPr>
               <p:cNvPr id="3" name="İçerik Yer Tutucusu 2"/>
@@ -6168,7 +6149,7 @@
                     </m:r>
                   </m:oMath>
                 </a14:m>
-                <a:endParaRPr lang="en-GB" b="1" u="sng" dirty="0" smtClean="0">
+                <a:endParaRPr lang="en-GB" b="1" u="sng" dirty="0">
                   <a:solidFill>
                     <a:schemeClr val="accent2">
                       <a:lumMod val="75000"/>
@@ -6181,7 +6162,7 @@
                   <a:buNone/>
                 </a:pPr>
                 <a:r>
-                  <a:rPr lang="en-GB" sz="1600" dirty="0" smtClean="0"/>
+                  <a:rPr lang="en-GB" sz="1600" dirty="0"/>
                   <a:t>Wing Area: 19.1</a:t>
                 </a:r>
                 <a14:m>
@@ -6220,7 +6201,7 @@
                   <a:buNone/>
                 </a:pPr>
                 <a:r>
-                  <a:rPr lang="en-GB" sz="1600" dirty="0" smtClean="0"/>
+                  <a:rPr lang="en-GB" sz="1600" dirty="0"/>
                   <a:t>M.A.Chord: 191</a:t>
                 </a:r>
                 <a14:m>
@@ -6233,22 +6214,22 @@
                     </m:r>
                   </m:oMath>
                 </a14:m>
-                <a:endParaRPr lang="en-GB" sz="1600" dirty="0" smtClean="0"/>
+                <a:endParaRPr lang="en-GB" sz="1600" dirty="0"/>
               </a:p>
               <a:p>
                 <a:pPr marL="0" indent="0">
                   <a:buNone/>
                 </a:pPr>
                 <a:r>
-                  <a:rPr lang="en-GB" sz="1600" dirty="0" smtClean="0"/>
+                  <a:rPr lang="en-GB" sz="1600" dirty="0"/>
                   <a:t>Air</a:t>
                 </a:r>
                 <a:r>
-                  <a:rPr lang="tr-TR" sz="1600" dirty="0" smtClean="0"/>
+                  <a:rPr lang="tr-TR" sz="1600" dirty="0"/>
                   <a:t>f</a:t>
                 </a:r>
                 <a:r>
-                  <a:rPr lang="en-GB" sz="1600" dirty="0" smtClean="0"/>
+                  <a:rPr lang="en-GB" sz="1600" dirty="0"/>
                   <a:t>oil: NACA 4412</a:t>
                 </a:r>
               </a:p>
@@ -6319,7 +6300,7 @@
                     </m:r>
                   </m:oMath>
                 </a14:m>
-                <a:endParaRPr lang="tr-TR" b="1" u="sng" dirty="0" smtClean="0"/>
+                <a:endParaRPr lang="tr-TR" b="1" u="sng" dirty="0"/>
               </a:p>
               <a:p>
                 <a:pPr marL="0" indent="0">
@@ -6394,17 +6375,9 @@
                 </a:r>
                 <a:r>
                   <a:rPr lang="en-GB" sz="1600" dirty="0"/>
-                  <a:t>oil</a:t>
+                  <a:t>oil: NACA 4412</a:t>
                 </a:r>
-                <a:r>
-                  <a:rPr lang="en-GB" sz="1600" dirty="0"/>
-                  <a:t>: NACA </a:t>
-                </a:r>
-                <a:r>
-                  <a:rPr lang="en-GB" sz="1600" dirty="0" smtClean="0"/>
-                  <a:t>4412</a:t>
-                </a:r>
-                <a:endParaRPr lang="tr-TR" sz="1600" b="1" u="sng" dirty="0" smtClean="0"/>
+                <a:endParaRPr lang="tr-TR" sz="1600" b="1" u="sng" dirty="0"/>
               </a:p>
               <a:p>
                 <a14:m>
@@ -6462,7 +6435,7 @@
                     </m:r>
                   </m:oMath>
                 </a14:m>
-                <a:endParaRPr lang="tr-TR" b="1" u="sng" dirty="0" smtClean="0">
+                <a:endParaRPr lang="tr-TR" b="1" u="sng" dirty="0">
                   <a:solidFill>
                     <a:schemeClr val="accent2">
                       <a:lumMod val="75000"/>
@@ -6518,7 +6491,7 @@
                   <a:t>M.A.Chord: 19</a:t>
                 </a:r>
                 <a:r>
-                  <a:rPr lang="tr-TR" sz="1600" dirty="0" smtClean="0"/>
+                  <a:rPr lang="tr-TR" sz="1600" dirty="0"/>
                   <a:t>5</a:t>
                 </a:r>
                 <a14:m>
@@ -6539,22 +6512,14 @@
                 </a:pPr>
                 <a:r>
                   <a:rPr lang="en-GB" sz="1600" dirty="0"/>
-                  <a:t>Airfoil</a:t>
+                  <a:t>Airfoil: NACA 6412</a:t>
                 </a:r>
-                <a:r>
-                  <a:rPr lang="en-GB" sz="1600" dirty="0"/>
-                  <a:t>: NACA </a:t>
-                </a:r>
-                <a:r>
-                  <a:rPr lang="en-GB" sz="1600" dirty="0" smtClean="0"/>
-                  <a:t>6412</a:t>
-                </a:r>
-                <a:endParaRPr lang="en-GB" sz="1600" b="1" u="sng" dirty="0" smtClean="0"/>
+                <a:endParaRPr lang="en-GB" sz="1600" b="1" u="sng" dirty="0"/>
               </a:p>
             </p:txBody>
           </p:sp>
         </mc:Choice>
-        <mc:Fallback>
+        <mc:Fallback xmlns="">
           <p:sp>
             <p:nvSpPr>
               <p:cNvPr id="3" name="İçerik Yer Tutucusu 2"/>
@@ -6592,8 +6557,8 @@
           </p:sp>
         </mc:Fallback>
       </mc:AlternateContent>
-      <mc:AlternateContent xmlns:mc="http://schemas.openxmlformats.org/markup-compatibility/2006">
-        <mc:Choice xmlns:a14="http://schemas.microsoft.com/office/drawing/2010/main" Requires="a14">
+      <mc:AlternateContent xmlns:mc="http://schemas.openxmlformats.org/markup-compatibility/2006" xmlns:a14="http://schemas.microsoft.com/office/drawing/2010/main">
+        <mc:Choice Requires="a14">
           <p:sp>
             <p:nvSpPr>
               <p:cNvPr id="5" name="İçerik Yer Tutucusu 2"/>
@@ -6909,7 +6874,7 @@
                     </m:r>
                   </m:oMath>
                 </a14:m>
-                <a:endParaRPr lang="tr-TR" b="1" u="sng" dirty="0" smtClean="0">
+                <a:endParaRPr lang="tr-TR" b="1" u="sng" dirty="0">
                   <a:solidFill>
                     <a:schemeClr val="accent2">
                       <a:lumMod val="75000"/>
@@ -6922,12 +6887,8 @@
                   <a:buNone/>
                 </a:pPr>
                 <a:r>
-                  <a:rPr lang="en-GB" sz="1600" dirty="0" smtClean="0"/>
-                  <a:t>Wing </a:t>
-                </a:r>
-                <a:r>
                   <a:rPr lang="en-GB" sz="1600" dirty="0"/>
-                  <a:t>Area: 21.0</a:t>
+                  <a:t>Wing Area: 21.0</a:t>
                 </a:r>
                 <a14:m>
                   <m:oMath xmlns:m="http://schemas.openxmlformats.org/officeDocument/2006/math">
@@ -6994,17 +6955,9 @@
                 </a:r>
                 <a:r>
                   <a:rPr lang="en-GB" sz="1600" dirty="0"/>
-                  <a:t>oil</a:t>
+                  <a:t>oil: NACA 4412</a:t>
                 </a:r>
-                <a:r>
-                  <a:rPr lang="en-GB" sz="1600" dirty="0"/>
-                  <a:t>: NACA </a:t>
-                </a:r>
-                <a:r>
-                  <a:rPr lang="en-GB" sz="1600" dirty="0" smtClean="0"/>
-                  <a:t>4412</a:t>
-                </a:r>
-                <a:endParaRPr lang="en-GB" sz="1600" b="1" u="sng" dirty="0" smtClean="0"/>
+                <a:endParaRPr lang="en-GB" sz="1600" b="1" u="sng" dirty="0"/>
               </a:p>
               <a:p>
                 <a14:m>
@@ -7073,7 +7026,7 @@
                     </m:r>
                   </m:oMath>
                 </a14:m>
-                <a:endParaRPr lang="tr-TR" b="1" u="sng" dirty="0" smtClean="0">
+                <a:endParaRPr lang="tr-TR" b="1" u="sng" dirty="0">
                   <a:solidFill>
                     <a:schemeClr val="accent2">
                       <a:lumMod val="75000"/>
@@ -7146,13 +7099,9 @@
                 </a:pPr>
                 <a:r>
                   <a:rPr lang="en-GB" sz="1600" dirty="0"/>
-                  <a:t>Airfoil: NACA </a:t>
+                  <a:t>Airfoil: NACA 6412</a:t>
                 </a:r>
-                <a:r>
-                  <a:rPr lang="en-GB" sz="1600" dirty="0" smtClean="0"/>
-                  <a:t>6412</a:t>
-                </a:r>
-                <a:endParaRPr lang="en-GB" sz="1600" b="1" u="sng" dirty="0" smtClean="0"/>
+                <a:endParaRPr lang="en-GB" sz="1600" b="1" u="sng" dirty="0"/>
               </a:p>
               <a:p>
                 <a14:m>
@@ -7210,7 +7159,7 @@
                     </m:r>
                   </m:oMath>
                 </a14:m>
-                <a:endParaRPr lang="en-GB" b="1" u="sng" dirty="0" smtClean="0"/>
+                <a:endParaRPr lang="en-GB" b="1" u="sng" dirty="0"/>
               </a:p>
               <a:p>
                 <a:pPr marL="0" indent="0">
@@ -7219,11 +7168,7 @@
                 </a:pPr>
                 <a:r>
                   <a:rPr lang="en-GB" sz="1600" dirty="0"/>
-                  <a:t>Wing Area: </a:t>
-                </a:r>
-                <a:r>
-                  <a:rPr lang="en-GB" sz="1600" dirty="0" smtClean="0"/>
-                  <a:t>262</a:t>
+                  <a:t>Wing Area: 262</a:t>
                 </a:r>
                 <a14:m>
                   <m:oMath xmlns:m="http://schemas.openxmlformats.org/officeDocument/2006/math">
@@ -7263,11 +7208,7 @@
                 </a:pPr>
                 <a:r>
                   <a:rPr lang="en-GB" sz="1600" dirty="0"/>
-                  <a:t>M.A.Chord: 1</a:t>
-                </a:r>
-                <a:r>
-                  <a:rPr lang="en-GB" sz="1600" dirty="0" smtClean="0"/>
-                  <a:t>86</a:t>
+                  <a:t>M.A.Chord: 186</a:t>
                 </a:r>
                 <a14:m>
                   <m:oMath xmlns:m="http://schemas.openxmlformats.org/officeDocument/2006/math">
@@ -7287,23 +7228,14 @@
                   <a:buNone/>
                 </a:pPr>
                 <a:r>
-                  <a:rPr lang="en-GB" sz="1600" dirty="0" smtClean="0"/>
-                  <a:t>Airfoil</a:t>
+                  <a:rPr lang="en-GB" sz="1600" dirty="0"/>
+                  <a:t>Airfoil: NACA 6412</a:t>
                 </a:r>
-                <a:r>
-                  <a:rPr lang="en-GB" sz="1600" dirty="0"/>
-                  <a:t>: NACA </a:t>
-                </a:r>
-                <a:r>
-                  <a:rPr lang="en-GB" sz="1600" dirty="0" smtClean="0"/>
-                  <a:t>6412</a:t>
-                </a:r>
-                <a:endParaRPr lang="en-GB" sz="1600" dirty="0"/>
               </a:p>
             </p:txBody>
           </p:sp>
         </mc:Choice>
-        <mc:Fallback>
+        <mc:Fallback xmlns="">
           <p:sp>
             <p:nvSpPr>
               <p:cNvPr id="5" name="İçerik Yer Tutucusu 2"/>
@@ -7390,18 +7322,13 @@
           <a:p>
             <a:pPr algn="ctr"/>
             <a:r>
-              <a:rPr lang="en-GB" sz="1600" dirty="0" smtClean="0">
+              <a:rPr lang="en-GB" sz="1600" dirty="0">
                 <a:solidFill>
                   <a:schemeClr val="tx1"/>
                 </a:solidFill>
               </a:rPr>
               <a:t>Increase of wing area</a:t>
             </a:r>
-            <a:endParaRPr lang="en-GB" sz="1600" dirty="0">
-              <a:solidFill>
-                <a:schemeClr val="tx1"/>
-              </a:solidFill>
-            </a:endParaRPr>
           </a:p>
         </p:txBody>
       </p:sp>
@@ -7453,23 +7380,18 @@
           <a:p>
             <a:pPr algn="ctr"/>
             <a:r>
-              <a:rPr lang="en-GB" sz="1600" dirty="0" smtClean="0">
+              <a:rPr lang="en-GB" sz="1600" dirty="0">
                 <a:solidFill>
                   <a:schemeClr val="tx1"/>
                 </a:solidFill>
               </a:rPr>
               <a:t>Increase of wing area </a:t>
             </a:r>
-            <a:endParaRPr lang="en-GB" sz="1600" dirty="0">
-              <a:solidFill>
-                <a:schemeClr val="tx1"/>
-              </a:solidFill>
-            </a:endParaRPr>
-          </a:p>
-        </p:txBody>
-      </p:sp>
-      <mc:AlternateContent xmlns:mc="http://schemas.openxmlformats.org/markup-compatibility/2006">
-        <mc:Choice xmlns:a14="http://schemas.microsoft.com/office/drawing/2010/main" Requires="a14">
+          </a:p>
+        </p:txBody>
+      </p:sp>
+      <mc:AlternateContent xmlns:mc="http://schemas.openxmlformats.org/markup-compatibility/2006" xmlns:a14="http://schemas.microsoft.com/office/drawing/2010/main">
+        <mc:Choice Requires="a14">
           <p:sp>
             <p:nvSpPr>
               <p:cNvPr id="25" name="Sağ Ok 24"/>
@@ -7518,7 +7440,7 @@
               <a:p>
                 <a:pPr algn="ctr"/>
                 <a:r>
-                  <a:rPr lang="tr-TR" sz="1600" dirty="0" smtClean="0">
+                  <a:rPr lang="tr-TR" sz="1600" dirty="0">
                     <a:solidFill>
                       <a:schemeClr val="tx1"/>
                     </a:solidFill>
@@ -7526,7 +7448,7 @@
                   <a:t>Change </a:t>
                 </a:r>
                 <a:r>
-                  <a:rPr lang="tr-TR" sz="1600" dirty="0" err="1" smtClean="0">
+                  <a:rPr lang="tr-TR" sz="1600" dirty="0" err="1">
                     <a:solidFill>
                       <a:schemeClr val="tx1"/>
                     </a:solidFill>
@@ -7534,7 +7456,7 @@
                   <a:t>to</a:t>
                 </a:r>
                 <a:r>
-                  <a:rPr lang="tr-TR" sz="1600" dirty="0" smtClean="0">
+                  <a:rPr lang="tr-TR" sz="1600" dirty="0">
                     <a:solidFill>
                       <a:schemeClr val="tx1"/>
                     </a:solidFill>
@@ -7542,7 +7464,7 @@
                   <a:t> </a:t>
                 </a:r>
                 <a:r>
-                  <a:rPr lang="tr-TR" sz="1600" dirty="0" err="1" smtClean="0">
+                  <a:rPr lang="tr-TR" sz="1600" dirty="0" err="1">
                     <a:solidFill>
                       <a:schemeClr val="tx1"/>
                     </a:solidFill>
@@ -7550,7 +7472,7 @@
                   <a:t>higher</a:t>
                 </a:r>
                 <a:r>
-                  <a:rPr lang="tr-TR" sz="1600" dirty="0" smtClean="0">
+                  <a:rPr lang="tr-TR" sz="1600" dirty="0">
                     <a:solidFill>
                       <a:schemeClr val="tx1"/>
                     </a:solidFill>
@@ -7562,7 +7484,7 @@
                     <m:sSub>
                       <m:sSubPr>
                         <m:ctrlPr>
-                          <a:rPr lang="tr-TR" sz="1600" smtClean="0">
+                          <a:rPr lang="tr-TR" sz="1600" i="1" smtClean="0">
                             <a:solidFill>
                               <a:schemeClr val="tx1"/>
                             </a:solidFill>
@@ -7622,7 +7544,7 @@
             </p:txBody>
           </p:sp>
         </mc:Choice>
-        <mc:Fallback>
+        <mc:Fallback xmlns="">
           <p:sp>
             <p:nvSpPr>
               <p:cNvPr id="25" name="Sağ Ok 24"/>
@@ -7714,7 +7636,7 @@
           <a:p>
             <a:pPr algn="ctr"/>
             <a:r>
-              <a:rPr lang="tr-TR" sz="1600" dirty="0" err="1" smtClean="0">
+              <a:rPr lang="tr-TR" sz="1600" dirty="0" err="1">
                 <a:solidFill>
                   <a:schemeClr val="tx1"/>
                 </a:solidFill>
@@ -7722,7 +7644,7 @@
               <a:t>Increase</a:t>
             </a:r>
             <a:r>
-              <a:rPr lang="tr-TR" sz="1600" dirty="0" smtClean="0">
+              <a:rPr lang="tr-TR" sz="1600" dirty="0">
                 <a:solidFill>
                   <a:schemeClr val="tx1"/>
                 </a:solidFill>
@@ -7730,7 +7652,7 @@
               <a:t> of </a:t>
             </a:r>
             <a:r>
-              <a:rPr lang="tr-TR" sz="1600" dirty="0" err="1" smtClean="0">
+              <a:rPr lang="tr-TR" sz="1600" dirty="0" err="1">
                 <a:solidFill>
                   <a:schemeClr val="tx1"/>
                 </a:solidFill>
@@ -7738,7 +7660,7 @@
               <a:t>Root</a:t>
             </a:r>
             <a:r>
-              <a:rPr lang="tr-TR" sz="1600" dirty="0" smtClean="0">
+              <a:rPr lang="tr-TR" sz="1600" dirty="0">
                 <a:solidFill>
                   <a:schemeClr val="tx1"/>
                 </a:solidFill>
@@ -7746,7 +7668,7 @@
               <a:t> </a:t>
             </a:r>
             <a:r>
-              <a:rPr lang="tr-TR" sz="1600" dirty="0" err="1" smtClean="0">
+              <a:rPr lang="tr-TR" sz="1600" dirty="0" err="1">
                 <a:solidFill>
                   <a:schemeClr val="tx1"/>
                 </a:solidFill>
@@ -7809,7 +7731,7 @@
           <a:p>
             <a:pPr algn="ctr"/>
             <a:r>
-              <a:rPr lang="tr-TR" sz="1600" dirty="0" err="1" smtClean="0">
+              <a:rPr lang="tr-TR" sz="1600" dirty="0" err="1">
                 <a:solidFill>
                   <a:schemeClr val="tx1"/>
                 </a:solidFill>
@@ -7817,7 +7739,7 @@
               <a:t>Addition</a:t>
             </a:r>
             <a:r>
-              <a:rPr lang="tr-TR" sz="1600" dirty="0" smtClean="0">
+              <a:rPr lang="tr-TR" sz="1600" dirty="0">
                 <a:solidFill>
                   <a:schemeClr val="tx1"/>
                 </a:solidFill>
@@ -7825,7 +7747,7 @@
               <a:t> of </a:t>
             </a:r>
             <a:r>
-              <a:rPr lang="tr-TR" sz="1600" dirty="0" err="1" smtClean="0">
+              <a:rPr lang="tr-TR" sz="1600" dirty="0" err="1">
                 <a:solidFill>
                   <a:schemeClr val="tx1"/>
                 </a:solidFill>
@@ -7850,13 +7772,6 @@
   <p:clrMapOvr>
     <a:masterClrMapping/>
   </p:clrMapOvr>
-  <p:timing>
-    <p:tnLst>
-      <p:par>
-        <p:cTn id="1" dur="indefinite" restart="never" nodeType="tmRoot"/>
-      </p:par>
-    </p:tnLst>
-  </p:timing>
 </p:sld>
 </file>
 
@@ -7941,16 +7856,12 @@
           <a:lstStyle/>
           <a:p>
             <a:r>
-              <a:rPr lang="tr-TR" dirty="0" smtClean="0"/>
+              <a:rPr lang="tr-TR" dirty="0"/>
               <a:t>Final Design and </a:t>
             </a:r>
             <a:r>
-              <a:rPr lang="tr-TR" dirty="0" err="1" smtClean="0"/>
+              <a:rPr lang="tr-TR" dirty="0" err="1"/>
               <a:t>Results</a:t>
-            </a:r>
-            <a:r>
-              <a:rPr lang="en-US" dirty="0"/>
-              <a:t/>
             </a:r>
             <a:br>
               <a:rPr lang="en-US" dirty="0"/>
@@ -8015,87 +7926,87 @@
           <a:lstStyle/>
           <a:p>
             <a:r>
-              <a:rPr lang="en-GB" b="1" u="sng" dirty="0" smtClean="0"/>
+              <a:rPr lang="en-GB" b="1" u="sng" dirty="0"/>
               <a:t>XFLR-5</a:t>
             </a:r>
           </a:p>
           <a:p>
             <a:r>
-              <a:rPr lang="en-GB" dirty="0" smtClean="0"/>
+              <a:rPr lang="en-GB" dirty="0"/>
               <a:t>6 Iteration is performed for</a:t>
             </a:r>
           </a:p>
           <a:p>
             <a:r>
-              <a:rPr lang="en-GB" dirty="0" smtClean="0"/>
+              <a:rPr lang="en-GB" dirty="0"/>
               <a:t>different geometries</a:t>
             </a:r>
           </a:p>
           <a:p>
             <a:r>
-              <a:rPr lang="en-GB" u="sng" dirty="0" smtClean="0"/>
+              <a:rPr lang="en-GB" u="sng" dirty="0"/>
               <a:t>Final Iteration:</a:t>
             </a:r>
           </a:p>
           <a:p>
             <a:r>
-              <a:rPr lang="en-GB" dirty="0" smtClean="0"/>
+              <a:rPr lang="en-GB" dirty="0"/>
               <a:t>-Wing Span: 1640</a:t>
             </a:r>
             <a:r>
-              <a:rPr lang="en-GB" i="1" dirty="0" smtClean="0"/>
+              <a:rPr lang="en-GB" i="1" dirty="0"/>
               <a:t>mm</a:t>
             </a:r>
           </a:p>
           <a:p>
             <a:r>
-              <a:rPr lang="en-GB" dirty="0" smtClean="0"/>
+              <a:rPr lang="en-GB" dirty="0"/>
               <a:t>-M.A.C: 186</a:t>
             </a:r>
             <a:r>
-              <a:rPr lang="en-GB" i="1" dirty="0" smtClean="0"/>
+              <a:rPr lang="en-GB" i="1" dirty="0"/>
               <a:t>mm</a:t>
             </a:r>
           </a:p>
           <a:p>
             <a:r>
-              <a:rPr lang="en-GB" dirty="0" smtClean="0"/>
+              <a:rPr lang="en-GB" dirty="0"/>
               <a:t>-Stall Speed: 8.9</a:t>
             </a:r>
             <a:r>
-              <a:rPr lang="en-GB" i="1" dirty="0" smtClean="0"/>
+              <a:rPr lang="en-GB" i="1" dirty="0"/>
               <a:t>m/s</a:t>
             </a:r>
             <a:r>
-              <a:rPr lang="en-GB" dirty="0" smtClean="0"/>
+              <a:rPr lang="en-GB" dirty="0"/>
               <a:t> @ α=9˚</a:t>
             </a:r>
           </a:p>
           <a:p>
             <a:r>
-              <a:rPr lang="en-GB" dirty="0" smtClean="0"/>
+              <a:rPr lang="en-GB" dirty="0"/>
               <a:t>-Cruse Speed: 13</a:t>
             </a:r>
             <a:r>
-              <a:rPr lang="en-GB" i="1" dirty="0" smtClean="0"/>
+              <a:rPr lang="en-GB" i="1" dirty="0"/>
               <a:t>m/s</a:t>
             </a:r>
             <a:r>
-              <a:rPr lang="en-GB" dirty="0" smtClean="0"/>
+              <a:rPr lang="en-GB" dirty="0"/>
               <a:t> @ α=</a:t>
             </a:r>
             <a:r>
-              <a:rPr lang="tr-TR" dirty="0" smtClean="0"/>
+              <a:rPr lang="tr-TR" dirty="0"/>
               <a:t>0</a:t>
             </a:r>
             <a:r>
-              <a:rPr lang="en-GB" dirty="0" smtClean="0"/>
+              <a:rPr lang="en-GB" dirty="0"/>
               <a:t>˚</a:t>
             </a:r>
           </a:p>
           <a:p>
             <a:r>
-              <a:rPr lang="en-GB" dirty="0" smtClean="0"/>
+              <a:rPr lang="en-GB" dirty="0"/>
               <a:t>(for 1500 g take-off weight)</a:t>
             </a:r>
           </a:p>
@@ -8111,13 +8022,6 @@
   <p:clrMapOvr>
     <a:masterClrMapping/>
   </p:clrMapOvr>
-  <p:timing>
-    <p:tnLst>
-      <p:par>
-        <p:cTn id="1" dur="indefinite" restart="never" nodeType="tmRoot"/>
-      </p:par>
-    </p:tnLst>
-  </p:timing>
 </p:sld>
 </file>
 
@@ -8165,10 +8069,9 @@
           <a:lstStyle/>
           <a:p>
             <a:r>
-              <a:rPr lang="en-GB" dirty="0" smtClean="0"/>
+              <a:rPr lang="en-GB" dirty="0"/>
               <a:t>Furthermore</a:t>
             </a:r>
-            <a:endParaRPr lang="en-GB" dirty="0"/>
           </a:p>
         </p:txBody>
       </p:sp>
@@ -8269,13 +8172,6 @@
   <p:clrMapOvr>
     <a:masterClrMapping/>
   </p:clrMapOvr>
-  <p:timing>
-    <p:tnLst>
-      <p:par>
-        <p:cTn id="1" dur="indefinite" restart="never" nodeType="tmRoot"/>
-      </p:par>
-    </p:tnLst>
-  </p:timing>
 </p:sld>
 </file>
 
@@ -8358,7 +8254,7 @@
               <a:buNone/>
             </a:pPr>
             <a:r>
-              <a:rPr lang="en-US" b="1" dirty="0" smtClean="0">
+              <a:rPr lang="en-US" b="1" dirty="0">
                 <a:solidFill>
                   <a:schemeClr val="tx1">
                     <a:lumMod val="95000"/>
@@ -8407,7 +8303,7 @@
                   </a:schemeClr>
                 </a:solidFill>
               </a:rPr>
-              <a:t>-The Main Types of VTOLs : </a:t>
+              <a:t>-The Types of fixed-wing VTOLs : </a:t>
             </a:r>
           </a:p>
           <a:p>
@@ -8419,23 +8315,15 @@
           <a:p>
             <a:r>
               <a:rPr lang="en-US" b="1" dirty="0"/>
-              <a:t>  </a:t>
-            </a:r>
-            <a:r>
-              <a:rPr lang="en-US" b="1" dirty="0" smtClean="0"/>
-              <a:t>Tail</a:t>
-            </a:r>
-            <a:r>
-              <a:rPr lang="tr-TR" b="1" dirty="0" smtClean="0"/>
+              <a:t>  Tail</a:t>
+            </a:r>
+            <a:r>
+              <a:rPr lang="tr-TR" b="1" dirty="0"/>
               <a:t>-</a:t>
             </a:r>
             <a:r>
-              <a:rPr lang="en-US" b="1" dirty="0" smtClean="0"/>
-              <a:t>sitter </a:t>
-            </a:r>
-            <a:r>
               <a:rPr lang="en-US" b="1" dirty="0"/>
-              <a:t>VTOL drones</a:t>
+              <a:t>sitter VTOL drones</a:t>
             </a:r>
           </a:p>
           <a:p>
@@ -8572,13 +8460,6 @@
   <p:clrMapOvr>
     <a:masterClrMapping/>
   </p:clrMapOvr>
-  <p:timing>
-    <p:tnLst>
-      <p:par>
-        <p:cTn id="1" dur="indefinite" restart="never" nodeType="tmRoot"/>
-      </p:par>
-    </p:tnLst>
-  </p:timing>
 </p:sld>
 </file>
 
@@ -8621,16 +8502,12 @@
           <a:lstStyle/>
           <a:p>
             <a:r>
-              <a:rPr lang="tr-TR" dirty="0" smtClean="0"/>
+              <a:rPr lang="tr-TR" dirty="0"/>
               <a:t>Problem Definition and </a:t>
             </a:r>
             <a:r>
-              <a:rPr lang="en-US" dirty="0" smtClean="0"/>
-              <a:t>Functional </a:t>
-            </a:r>
-            <a:r>
               <a:rPr lang="en-US" dirty="0"/>
-              <a:t>Requirements :</a:t>
+              <a:t>Functional Requirements :</a:t>
             </a:r>
           </a:p>
         </p:txBody>
@@ -8664,7 +8541,7 @@
                   <a:buNone/>
                 </a:pPr>
                 <a:r>
-                  <a:rPr lang="en-GB" dirty="0" smtClean="0"/>
+                  <a:rPr lang="en-GB" dirty="0"/>
                   <a:t>The aim of the project is design a fixed wing vtol which can perform transition from hover flight to forward flight by using tilt-rotor mechanism. The aircraft should also follow the functional requirements given below.</a:t>
                 </a:r>
                 <a:endParaRPr lang="en-GB" dirty="0">
@@ -8673,16 +8550,10 @@
               </a:p>
               <a:p>
                 <a:r>
-                  <a:rPr lang="en-GB" dirty="0" smtClean="0">
-                    <a:latin typeface="+mj-lt"/>
-                  </a:rPr>
-                  <a:t>Semi-Autonomous </a:t>
-                </a:r>
-                <a:r>
                   <a:rPr lang="en-GB" dirty="0">
                     <a:latin typeface="+mj-lt"/>
                   </a:rPr>
-                  <a:t>Flight </a:t>
+                  <a:t>Semi-Autonomous Flight </a:t>
                 </a:r>
               </a:p>
               <a:p>
@@ -8690,13 +8561,7 @@
                   <a:rPr lang="en-GB" dirty="0">
                     <a:latin typeface="+mj-lt"/>
                   </a:rPr>
-                  <a:t>Tilt Rotor </a:t>
-                </a:r>
-                <a:r>
-                  <a:rPr lang="en-GB" dirty="0" smtClean="0">
-                    <a:latin typeface="+mj-lt"/>
-                  </a:rPr>
-                  <a:t>mechanism</a:t>
+                  <a:t>Tilt Rotor mechanism</a:t>
                 </a:r>
               </a:p>
               <a:p>
@@ -8735,7 +8600,7 @@
                   </m:oMath>
                 </a14:m>
                 <a:r>
-                  <a:rPr lang="en-GB" dirty="0" smtClean="0"/>
+                  <a:rPr lang="en-GB" dirty="0"/>
                   <a:t>]</a:t>
                 </a:r>
                 <a:endParaRPr lang="en-GB" dirty="0">
@@ -8907,7 +8772,7 @@
                   </m:oMath>
                 </a14:m>
                 <a:r>
-                  <a:rPr lang="en-GB" sz="1800" dirty="0" smtClean="0">
+                  <a:rPr lang="en-GB" sz="1800" dirty="0">
                     <a:effectLst/>
                     <a:latin typeface="+mj-lt"/>
                     <a:ea typeface="Calibri" panose="020F0502020204030204" pitchFamily="34" charset="0"/>
@@ -8918,7 +8783,7 @@
               </a:p>
               <a:p>
                 <a:r>
-                  <a:rPr lang="en-GB" dirty="0" smtClean="0">
+                  <a:rPr lang="en-GB" dirty="0">
                     <a:latin typeface="+mj-lt"/>
                     <a:ea typeface="Calibri" panose="020F0502020204030204" pitchFamily="34" charset="0"/>
                     <a:cs typeface="Times New Roman" panose="02020603050405020304" pitchFamily="18" charset="0"/>
@@ -8988,13 +8853,6 @@
   <p:clrMapOvr>
     <a:masterClrMapping/>
   </p:clrMapOvr>
-  <p:timing>
-    <p:tnLst>
-      <p:par>
-        <p:cTn id="1" dur="indefinite" restart="never" nodeType="tmRoot"/>
-      </p:par>
-    </p:tnLst>
-  </p:timing>
 </p:sld>
 </file>
 
@@ -9058,13 +8916,6 @@
   <p:clrMapOvr>
     <a:masterClrMapping/>
   </p:clrMapOvr>
-  <p:timing>
-    <p:tnLst>
-      <p:par>
-        <p:cTn id="1" dur="indefinite" restart="never" nodeType="tmRoot"/>
-      </p:par>
-    </p:tnLst>
-  </p:timing>
 </p:sld>
 </file>
 
@@ -9216,7 +9067,7 @@
           <a:lstStyle/>
           <a:p>
             <a:r>
-              <a:rPr lang="en-US" b="1" dirty="0" smtClean="0"/>
+              <a:rPr lang="en-US" b="1" dirty="0"/>
               <a:t> </a:t>
             </a:r>
             <a:endParaRPr lang="tr-TR" b="1" dirty="0"/>
@@ -9250,7 +9101,7 @@
               <a:buChar char="•"/>
             </a:pPr>
             <a:r>
-              <a:rPr lang="en-GB" dirty="0" smtClean="0"/>
+              <a:rPr lang="en-GB" dirty="0"/>
               <a:t>3 rotors </a:t>
             </a:r>
           </a:p>
@@ -9260,7 +9111,7 @@
               <a:buChar char="•"/>
             </a:pPr>
             <a:r>
-              <a:rPr lang="en-GB" dirty="0" smtClean="0"/>
+              <a:rPr lang="en-GB" dirty="0"/>
               <a:t>2 front rotors are able to tilt in y-axes</a:t>
             </a:r>
           </a:p>
@@ -9270,7 +9121,7 @@
               <a:buChar char="•"/>
             </a:pPr>
             <a:r>
-              <a:rPr lang="en-GB" dirty="0" smtClean="0"/>
+              <a:rPr lang="en-GB" dirty="0"/>
               <a:t>Only 1 (Rear) passive rotor causes extra drag during horizontal flight</a:t>
             </a:r>
           </a:p>
@@ -9280,7 +9131,7 @@
               <a:buChar char="•"/>
             </a:pPr>
             <a:r>
-              <a:rPr lang="en-GB" dirty="0" smtClean="0"/>
+              <a:rPr lang="en-GB" dirty="0"/>
               <a:t>Quite Stable for vertical flight (3-point stability triangle)</a:t>
             </a:r>
           </a:p>
@@ -9290,7 +9141,7 @@
               <a:buChar char="•"/>
             </a:pPr>
             <a:r>
-              <a:rPr lang="en-GB" dirty="0" smtClean="0"/>
+              <a:rPr lang="en-GB" dirty="0"/>
               <a:t>Less bending moment on wings</a:t>
             </a:r>
           </a:p>
@@ -9299,14 +9150,14 @@
               <a:buFont typeface="Arial" panose="020B0604020202020204" pitchFamily="34" charset="0"/>
               <a:buChar char="•"/>
             </a:pPr>
-            <a:endParaRPr lang="en-GB" dirty="0" smtClean="0"/>
+            <a:endParaRPr lang="en-GB" dirty="0"/>
           </a:p>
           <a:p>
             <a:pPr marL="285750" indent="-285750">
               <a:buFont typeface="Arial" panose="020B0604020202020204" pitchFamily="34" charset="0"/>
               <a:buChar char="•"/>
             </a:pPr>
-            <a:endParaRPr lang="en-GB" dirty="0" smtClean="0"/>
+            <a:endParaRPr lang="en-GB" dirty="0"/>
           </a:p>
           <a:p>
             <a:pPr marL="285750" indent="-285750">
@@ -9327,13 +9178,6 @@
   <p:clrMapOvr>
     <a:masterClrMapping/>
   </p:clrMapOvr>
-  <p:timing>
-    <p:tnLst>
-      <p:par>
-        <p:cTn id="1" dur="indefinite" restart="never" nodeType="tmRoot"/>
-      </p:par>
-    </p:tnLst>
-  </p:timing>
 </p:sld>
 </file>
 
@@ -9507,15 +9351,15 @@
               <a:buChar char="•"/>
             </a:pPr>
             <a:r>
-              <a:rPr lang="en-GB" dirty="0" smtClean="0"/>
+              <a:rPr lang="en-GB" dirty="0"/>
               <a:t>4 rotors, 2 of them </a:t>
             </a:r>
             <a:r>
-              <a:rPr lang="tr-TR" dirty="0" smtClean="0"/>
+              <a:rPr lang="tr-TR" dirty="0"/>
               <a:t>(Front) </a:t>
             </a:r>
             <a:r>
-              <a:rPr lang="en-GB" dirty="0" smtClean="0"/>
+              <a:rPr lang="en-GB" dirty="0"/>
               <a:t>are able to tilt</a:t>
             </a:r>
           </a:p>
@@ -9525,7 +9369,7 @@
               <a:buChar char="•"/>
             </a:pPr>
             <a:r>
-              <a:rPr lang="en-GB" dirty="0" smtClean="0"/>
+              <a:rPr lang="en-GB" dirty="0"/>
               <a:t>2 passive rotor causes extra drag during horizontal flight</a:t>
             </a:r>
           </a:p>
@@ -9535,7 +9379,7 @@
               <a:buChar char="•"/>
             </a:pPr>
             <a:r>
-              <a:rPr lang="en-GB" dirty="0" smtClean="0"/>
+              <a:rPr lang="en-GB" dirty="0"/>
               <a:t>Extra weight for rotor arm tubes</a:t>
             </a:r>
           </a:p>
@@ -9545,10 +9389,9 @@
               <a:buChar char="•"/>
             </a:pPr>
             <a:r>
-              <a:rPr lang="en-GB" dirty="0" smtClean="0"/>
+              <a:rPr lang="en-GB" dirty="0"/>
               <a:t>Most stable concept for vertical flight</a:t>
             </a:r>
-            <a:endParaRPr lang="en-GB" dirty="0"/>
           </a:p>
         </p:txBody>
       </p:sp>
@@ -9579,7 +9422,7 @@
               <a:buChar char="•"/>
             </a:pPr>
             <a:r>
-              <a:rPr lang="en-GB" dirty="0" smtClean="0"/>
+              <a:rPr lang="en-GB" dirty="0"/>
               <a:t>2 rotors, both are able to tilt</a:t>
             </a:r>
           </a:p>
@@ -9593,7 +9436,7 @@
               <a:t>N</a:t>
             </a:r>
             <a:r>
-              <a:rPr lang="en-GB" dirty="0" smtClean="0"/>
+              <a:rPr lang="en-GB" dirty="0"/>
               <a:t>o passive rotor, no extra drag</a:t>
             </a:r>
           </a:p>
@@ -9603,7 +9446,7 @@
               <a:buChar char="•"/>
             </a:pPr>
             <a:r>
-              <a:rPr lang="en-GB" dirty="0" smtClean="0"/>
+              <a:rPr lang="en-GB" dirty="0"/>
               <a:t>Highest bending moment on wing </a:t>
             </a:r>
           </a:p>
@@ -9613,7 +9456,7 @@
               <a:buChar char="•"/>
             </a:pPr>
             <a:r>
-              <a:rPr lang="en-GB" dirty="0" smtClean="0"/>
+              <a:rPr lang="en-GB" dirty="0"/>
               <a:t>Least stable concept for vertical flight</a:t>
             </a:r>
           </a:p>
@@ -9629,13 +9472,6 @@
   <p:clrMapOvr>
     <a:masterClrMapping/>
   </p:clrMapOvr>
-  <p:timing>
-    <p:tnLst>
-      <p:par>
-        <p:cTn id="1" dur="indefinite" restart="never" nodeType="tmRoot"/>
-      </p:par>
-    </p:tnLst>
-  </p:timing>
 </p:sld>
 </file>
 
@@ -9732,13 +9568,6 @@
   <p:clrMapOvr>
     <a:masterClrMapping/>
   </p:clrMapOvr>
-  <p:timing>
-    <p:tnLst>
-      <p:par>
-        <p:cTn id="1" dur="indefinite" restart="never" nodeType="tmRoot"/>
-      </p:par>
-    </p:tnLst>
-  </p:timing>
 </p:sld>
 </file>
 
@@ -9795,10 +9624,10 @@
       </p:sp>
       <p:pic>
         <p:nvPicPr>
-          <p:cNvPr id="5" name="Picture 4">
+          <p:cNvPr id="4" name="Picture 3">
             <a:extLst>
               <a:ext uri="{FF2B5EF4-FFF2-40B4-BE49-F238E27FC236}">
-                <a16:creationId xmlns:a16="http://schemas.microsoft.com/office/drawing/2014/main" id="{643D4797-46CB-78C4-9ABE-DACF00E990A7}"/>
+                <a16:creationId xmlns:a16="http://schemas.microsoft.com/office/drawing/2014/main" id="{4C7E91E0-AC1E-A20C-C9AF-50CAA211C139}"/>
               </a:ext>
             </a:extLst>
           </p:cNvPr>
@@ -9815,8 +9644,8 @@
         </p:blipFill>
         <p:spPr>
           <a:xfrm>
-            <a:off x="456701" y="1356954"/>
-            <a:ext cx="7144747" cy="5134692"/>
+            <a:off x="400051" y="1173150"/>
+            <a:ext cx="7391563" cy="5318495"/>
           </a:xfrm>
           <a:prstGeom prst="rect">
             <a:avLst/>
@@ -9833,13 +9662,6 @@
   <p:clrMapOvr>
     <a:masterClrMapping/>
   </p:clrMapOvr>
-  <p:timing>
-    <p:tnLst>
-      <p:par>
-        <p:cTn id="1" dur="indefinite" restart="never" nodeType="tmRoot"/>
-      </p:par>
-    </p:tnLst>
-  </p:timing>
 </p:sld>
 </file>
 
@@ -9890,15 +9712,7 @@
           <a:p>
             <a:r>
               <a:rPr lang="en-US" dirty="0"/>
-              <a:t>Airfoil </a:t>
-            </a:r>
-            <a:r>
-              <a:rPr lang="en-US" dirty="0" smtClean="0"/>
-              <a:t>Selection</a:t>
-            </a:r>
-            <a:r>
-              <a:rPr lang="en-US" dirty="0"/>
-              <a:t/>
+              <a:t>Airfoil Selection</a:t>
             </a:r>
             <a:br>
               <a:rPr lang="en-US" dirty="0"/>
@@ -10090,26 +9904,25 @@
               <a:buChar char="•"/>
             </a:pPr>
             <a:r>
-              <a:rPr lang="en-GB" dirty="0" smtClean="0"/>
+              <a:rPr lang="en-GB" dirty="0"/>
               <a:t>Low</a:t>
             </a:r>
             <a:r>
-              <a:rPr lang="tr-TR" dirty="0" smtClean="0"/>
+              <a:rPr lang="tr-TR" dirty="0"/>
               <a:t> </a:t>
             </a:r>
             <a:r>
-              <a:rPr lang="en-GB" dirty="0" smtClean="0"/>
+              <a:rPr lang="en-GB" dirty="0"/>
               <a:t>Drag</a:t>
             </a:r>
             <a:r>
-              <a:rPr lang="tr-TR" dirty="0" smtClean="0"/>
+              <a:rPr lang="tr-TR" dirty="0"/>
               <a:t> </a:t>
             </a:r>
             <a:r>
-              <a:rPr lang="en-GB" dirty="0" smtClean="0"/>
+              <a:rPr lang="en-GB" dirty="0"/>
               <a:t>Coefficient</a:t>
             </a:r>
-            <a:endParaRPr lang="en-GB" dirty="0"/>
           </a:p>
         </p:txBody>
       </p:sp>
@@ -10142,7 +9955,7 @@
                   <a:buChar char="•"/>
                 </a:pPr>
                 <a:r>
-                  <a:rPr lang="tr-TR" dirty="0" smtClean="0"/>
+                  <a:rPr lang="tr-TR" dirty="0"/>
                   <a:t>High </a:t>
                 </a:r>
                 <a14:m>
@@ -10206,7 +10019,7 @@
                   </m:oMath>
                 </a14:m>
                 <a:r>
-                  <a:rPr lang="tr-TR" dirty="0" smtClean="0"/>
+                  <a:rPr lang="tr-TR" dirty="0"/>
                   <a:t> Ratio</a:t>
                 </a:r>
                 <a:endParaRPr lang="en-GB" dirty="0"/>
@@ -10280,18 +10093,17 @@
               <a:buChar char="•"/>
             </a:pPr>
             <a:r>
-              <a:rPr lang="en-GB" dirty="0" smtClean="0"/>
+              <a:rPr lang="en-GB" dirty="0"/>
               <a:t>Low Chamber</a:t>
             </a:r>
             <a:r>
-              <a:rPr lang="tr-TR" dirty="0" smtClean="0"/>
+              <a:rPr lang="tr-TR" dirty="0"/>
               <a:t>-</a:t>
             </a:r>
             <a:r>
-              <a:rPr lang="en-GB" dirty="0" smtClean="0"/>
+              <a:rPr lang="en-GB" dirty="0"/>
               <a:t>Ease of Manufacturing</a:t>
             </a:r>
-            <a:endParaRPr lang="en-GB" dirty="0"/>
           </a:p>
         </p:txBody>
       </p:sp>
@@ -10318,7 +10130,7 @@
           <a:lstStyle/>
           <a:p>
             <a:r>
-              <a:rPr lang="en-GB" u="sng" dirty="0" smtClean="0">
+              <a:rPr lang="en-GB" u="sng" dirty="0">
                 <a:solidFill>
                   <a:srgbClr val="0070C0"/>
                 </a:solidFill>
@@ -10326,18 +10138,17 @@
               <a:t>airfoiltools.com</a:t>
             </a:r>
             <a:r>
-              <a:rPr lang="en-GB" dirty="0" smtClean="0"/>
+              <a:rPr lang="en-GB" dirty="0"/>
               <a:t> web tool is used to select a</a:t>
             </a:r>
             <a:r>
-              <a:rPr lang="tr-TR" dirty="0" smtClean="0"/>
+              <a:rPr lang="tr-TR" dirty="0"/>
               <a:t>ir</a:t>
             </a:r>
             <a:r>
-              <a:rPr lang="en-GB" dirty="0" smtClean="0"/>
+              <a:rPr lang="en-GB" dirty="0"/>
               <a:t>foil, compare and understand their strengths for our design.</a:t>
             </a:r>
-            <a:endParaRPr lang="en-GB" dirty="0"/>
           </a:p>
         </p:txBody>
       </p:sp>
@@ -10351,13 +10162,6 @@
   <p:clrMapOvr>
     <a:masterClrMapping/>
   </p:clrMapOvr>
-  <p:timing>
-    <p:tnLst>
-      <p:par>
-        <p:cTn id="1" dur="indefinite" restart="never" nodeType="tmRoot"/>
-      </p:par>
-    </p:tnLst>
-  </p:timing>
 </p:sld>
 </file>
 

--- a/Course Materials/Presentation.pptx
+++ b/Course Materials/Presentation.pptx
@@ -11,12 +11,13 @@
     <p:sldId id="260" r:id="rId5"/>
     <p:sldId id="259" r:id="rId6"/>
     <p:sldId id="267" r:id="rId7"/>
-    <p:sldId id="264" r:id="rId8"/>
-    <p:sldId id="266" r:id="rId9"/>
-    <p:sldId id="261" r:id="rId10"/>
-    <p:sldId id="268" r:id="rId11"/>
-    <p:sldId id="262" r:id="rId12"/>
-    <p:sldId id="263" r:id="rId13"/>
+    <p:sldId id="269" r:id="rId8"/>
+    <p:sldId id="264" r:id="rId9"/>
+    <p:sldId id="266" r:id="rId10"/>
+    <p:sldId id="261" r:id="rId11"/>
+    <p:sldId id="268" r:id="rId12"/>
+    <p:sldId id="262" r:id="rId13"/>
+    <p:sldId id="263" r:id="rId14"/>
   </p:sldIdLst>
   <p:sldSz cx="12192000" cy="6858000"/>
   <p:notesSz cx="6858000" cy="9144000"/>
@@ -6016,6 +6017,506 @@
 </file>
 
 <file path=ppt/slides/slide10.xml><?xml version="1.0" encoding="utf-8"?>
+<p:sld xmlns:a="http://schemas.openxmlformats.org/drawingml/2006/main" xmlns:r="http://schemas.openxmlformats.org/officeDocument/2006/relationships" xmlns:p="http://schemas.openxmlformats.org/presentationml/2006/main">
+  <p:cSld>
+    <p:spTree>
+      <p:nvGrpSpPr>
+        <p:cNvPr id="1" name=""/>
+        <p:cNvGrpSpPr/>
+        <p:nvPr/>
+      </p:nvGrpSpPr>
+      <p:grpSpPr>
+        <a:xfrm>
+          <a:off x="0" y="0"/>
+          <a:ext cx="0" cy="0"/>
+          <a:chOff x="0" y="0"/>
+          <a:chExt cx="0" cy="0"/>
+        </a:xfrm>
+      </p:grpSpPr>
+      <p:sp>
+        <p:nvSpPr>
+          <p:cNvPr id="2" name="Title 1">
+            <a:extLst>
+              <a:ext uri="{FF2B5EF4-FFF2-40B4-BE49-F238E27FC236}">
+                <a16:creationId xmlns:a16="http://schemas.microsoft.com/office/drawing/2014/main" id="{591727A3-00DB-A364-1125-71BD119EED06}"/>
+              </a:ext>
+            </a:extLst>
+          </p:cNvPr>
+          <p:cNvSpPr>
+            <a:spLocks noGrp="1"/>
+          </p:cNvSpPr>
+          <p:nvPr>
+            <p:ph type="title"/>
+          </p:nvPr>
+        </p:nvSpPr>
+        <p:spPr>
+          <a:xfrm>
+            <a:off x="677334" y="609600"/>
+            <a:ext cx="8596668" cy="593700"/>
+          </a:xfrm>
+        </p:spPr>
+        <p:txBody>
+          <a:bodyPr>
+            <a:normAutofit fontScale="90000"/>
+          </a:bodyPr>
+          <a:lstStyle/>
+          <a:p>
+            <a:r>
+              <a:rPr lang="en-US" dirty="0"/>
+              <a:t>Airfoil Selection</a:t>
+            </a:r>
+            <a:br>
+              <a:rPr lang="en-US" dirty="0"/>
+            </a:br>
+            <a:endParaRPr lang="en-US" dirty="0"/>
+          </a:p>
+        </p:txBody>
+      </p:sp>
+      <p:sp>
+        <p:nvSpPr>
+          <p:cNvPr id="3" name="Content Placeholder 2">
+            <a:extLst>
+              <a:ext uri="{FF2B5EF4-FFF2-40B4-BE49-F238E27FC236}">
+                <a16:creationId xmlns:a16="http://schemas.microsoft.com/office/drawing/2014/main" id="{5DDBD233-5D1E-392B-4937-8BB645CDB468}"/>
+              </a:ext>
+            </a:extLst>
+          </p:cNvPr>
+          <p:cNvSpPr>
+            <a:spLocks noGrp="1"/>
+          </p:cNvSpPr>
+          <p:nvPr>
+            <p:ph idx="1"/>
+          </p:nvPr>
+        </p:nvSpPr>
+        <p:spPr>
+          <a:xfrm>
+            <a:off x="677334" y="1920613"/>
+            <a:ext cx="8596668" cy="4669762"/>
+          </a:xfrm>
+        </p:spPr>
+        <p:txBody>
+          <a:bodyPr/>
+          <a:lstStyle/>
+          <a:p>
+            <a:r>
+              <a:rPr lang="en-US" dirty="0"/>
+              <a:t>NACA 4412 </a:t>
+            </a:r>
+          </a:p>
+          <a:p>
+            <a:pPr marL="0" indent="0">
+              <a:buNone/>
+            </a:pPr>
+            <a:endParaRPr lang="en-US" dirty="0"/>
+          </a:p>
+          <a:p>
+            <a:endParaRPr lang="en-US" dirty="0"/>
+          </a:p>
+          <a:p>
+            <a:endParaRPr lang="en-US" dirty="0"/>
+          </a:p>
+          <a:p>
+            <a:r>
+              <a:rPr lang="en-US" dirty="0"/>
+              <a:t>NACA 2412</a:t>
+            </a:r>
+          </a:p>
+          <a:p>
+            <a:endParaRPr lang="en-US" dirty="0"/>
+          </a:p>
+          <a:p>
+            <a:endParaRPr lang="en-US" dirty="0"/>
+          </a:p>
+          <a:p>
+            <a:endParaRPr lang="en-US" dirty="0"/>
+          </a:p>
+          <a:p>
+            <a:r>
+              <a:rPr lang="en-US" dirty="0"/>
+              <a:t>NACA 6412</a:t>
+            </a:r>
+          </a:p>
+        </p:txBody>
+      </p:sp>
+      <p:pic>
+        <p:nvPicPr>
+          <p:cNvPr id="5" name="Picture 4">
+            <a:extLst>
+              <a:ext uri="{FF2B5EF4-FFF2-40B4-BE49-F238E27FC236}">
+                <a16:creationId xmlns:a16="http://schemas.microsoft.com/office/drawing/2014/main" id="{B826F65D-7FF4-B089-BCB8-2882061372F6}"/>
+              </a:ext>
+            </a:extLst>
+          </p:cNvPr>
+          <p:cNvPicPr>
+            <a:picLocks noChangeAspect="1"/>
+          </p:cNvPicPr>
+          <p:nvPr/>
+        </p:nvPicPr>
+        <p:blipFill>
+          <a:blip r:embed="rId2"/>
+          <a:stretch>
+            <a:fillRect/>
+          </a:stretch>
+        </p:blipFill>
+        <p:spPr>
+          <a:xfrm>
+            <a:off x="750529" y="2260912"/>
+            <a:ext cx="5384808" cy="980501"/>
+          </a:xfrm>
+          <a:prstGeom prst="rect">
+            <a:avLst/>
+          </a:prstGeom>
+        </p:spPr>
+      </p:pic>
+      <p:pic>
+        <p:nvPicPr>
+          <p:cNvPr id="7" name="Picture 6">
+            <a:extLst>
+              <a:ext uri="{FF2B5EF4-FFF2-40B4-BE49-F238E27FC236}">
+                <a16:creationId xmlns:a16="http://schemas.microsoft.com/office/drawing/2014/main" id="{5820F181-3338-AFB9-3DAD-DDD8930FA4D0}"/>
+              </a:ext>
+            </a:extLst>
+          </p:cNvPr>
+          <p:cNvPicPr>
+            <a:picLocks noChangeAspect="1"/>
+          </p:cNvPicPr>
+          <p:nvPr/>
+        </p:nvPicPr>
+        <p:blipFill>
+          <a:blip r:embed="rId3"/>
+          <a:stretch>
+            <a:fillRect/>
+          </a:stretch>
+        </p:blipFill>
+        <p:spPr>
+          <a:xfrm>
+            <a:off x="677334" y="3893785"/>
+            <a:ext cx="5458003" cy="966300"/>
+          </a:xfrm>
+          <a:prstGeom prst="rect">
+            <a:avLst/>
+          </a:prstGeom>
+        </p:spPr>
+      </p:pic>
+      <p:pic>
+        <p:nvPicPr>
+          <p:cNvPr id="9" name="Picture 8">
+            <a:extLst>
+              <a:ext uri="{FF2B5EF4-FFF2-40B4-BE49-F238E27FC236}">
+                <a16:creationId xmlns:a16="http://schemas.microsoft.com/office/drawing/2014/main" id="{F01B21C8-C15D-A993-9D27-E02088210CD3}"/>
+              </a:ext>
+            </a:extLst>
+          </p:cNvPr>
+          <p:cNvPicPr>
+            <a:picLocks noChangeAspect="1"/>
+          </p:cNvPicPr>
+          <p:nvPr/>
+        </p:nvPicPr>
+        <p:blipFill>
+          <a:blip r:embed="rId4"/>
+          <a:stretch>
+            <a:fillRect/>
+          </a:stretch>
+        </p:blipFill>
+        <p:spPr>
+          <a:xfrm>
+            <a:off x="750529" y="5548407"/>
+            <a:ext cx="5329666" cy="1041968"/>
+          </a:xfrm>
+          <a:prstGeom prst="rect">
+            <a:avLst/>
+          </a:prstGeom>
+        </p:spPr>
+      </p:pic>
+      <p:sp>
+        <p:nvSpPr>
+          <p:cNvPr id="4" name="Metin kutusu 3"/>
+          <p:cNvSpPr txBox="1"/>
+          <p:nvPr/>
+        </p:nvSpPr>
+        <p:spPr>
+          <a:xfrm>
+            <a:off x="6337341" y="2411475"/>
+            <a:ext cx="2773994" cy="369332"/>
+          </a:xfrm>
+          <a:prstGeom prst="rect">
+            <a:avLst/>
+          </a:prstGeom>
+          <a:noFill/>
+        </p:spPr>
+        <p:txBody>
+          <a:bodyPr wrap="square" rtlCol="0">
+            <a:spAutoFit/>
+          </a:bodyPr>
+          <a:lstStyle/>
+          <a:p>
+            <a:pPr marL="285750" indent="-285750">
+              <a:buFont typeface="Arial" panose="020B0604020202020204" pitchFamily="34" charset="0"/>
+              <a:buChar char="•"/>
+            </a:pPr>
+            <a:r>
+              <a:rPr lang="en-GB" dirty="0"/>
+              <a:t>Low</a:t>
+            </a:r>
+            <a:r>
+              <a:rPr lang="tr-TR" dirty="0"/>
+              <a:t> </a:t>
+            </a:r>
+            <a:r>
+              <a:rPr lang="en-GB" dirty="0"/>
+              <a:t>Drag</a:t>
+            </a:r>
+            <a:r>
+              <a:rPr lang="tr-TR" dirty="0"/>
+              <a:t> </a:t>
+            </a:r>
+            <a:r>
+              <a:rPr lang="en-GB" dirty="0"/>
+              <a:t>Coefficient</a:t>
+            </a:r>
+          </a:p>
+        </p:txBody>
+      </p:sp>
+      <mc:AlternateContent xmlns:mc="http://schemas.openxmlformats.org/markup-compatibility/2006" xmlns:a14="http://schemas.microsoft.com/office/drawing/2010/main">
+        <mc:Choice Requires="a14">
+          <p:sp>
+            <p:nvSpPr>
+              <p:cNvPr id="8" name="Metin kutusu 7"/>
+              <p:cNvSpPr txBox="1"/>
+              <p:nvPr/>
+            </p:nvSpPr>
+            <p:spPr>
+              <a:xfrm>
+                <a:off x="6337341" y="5847522"/>
+                <a:ext cx="2773994" cy="369332"/>
+              </a:xfrm>
+              <a:prstGeom prst="rect">
+                <a:avLst/>
+              </a:prstGeom>
+              <a:noFill/>
+            </p:spPr>
+            <p:txBody>
+              <a:bodyPr wrap="square" rtlCol="0">
+                <a:spAutoFit/>
+              </a:bodyPr>
+              <a:lstStyle/>
+              <a:p>
+                <a:pPr marL="285750" indent="-285750">
+                  <a:buFont typeface="Arial" panose="020B0604020202020204" pitchFamily="34" charset="0"/>
+                  <a:buChar char="•"/>
+                </a:pPr>
+                <a:r>
+                  <a:rPr lang="tr-TR" dirty="0"/>
+                  <a:t>High </a:t>
+                </a:r>
+                <a14:m>
+                  <m:oMath xmlns:m="http://schemas.openxmlformats.org/officeDocument/2006/math">
+                    <m:sSub>
+                      <m:sSubPr>
+                        <m:ctrlPr>
+                          <a:rPr lang="tr-TR" i="1" smtClean="0">
+                            <a:latin typeface="Cambria Math" panose="02040503050406030204" pitchFamily="18" charset="0"/>
+                          </a:rPr>
+                        </m:ctrlPr>
+                      </m:sSubPr>
+                      <m:e>
+                        <m:r>
+                          <a:rPr lang="tr-TR" b="0" i="1" smtClean="0">
+                            <a:latin typeface="Cambria Math" panose="02040503050406030204" pitchFamily="18" charset="0"/>
+                          </a:rPr>
+                          <m:t>𝐶</m:t>
+                        </m:r>
+                      </m:e>
+                      <m:sub>
+                        <m:r>
+                          <a:rPr lang="tr-TR" b="0" i="1" smtClean="0">
+                            <a:latin typeface="Cambria Math" panose="02040503050406030204" pitchFamily="18" charset="0"/>
+                          </a:rPr>
+                          <m:t>𝐿</m:t>
+                        </m:r>
+                      </m:sub>
+                    </m:sSub>
+                    <m:r>
+                      <a:rPr lang="tr-TR" b="0" i="1" smtClean="0">
+                        <a:latin typeface="Cambria Math" panose="02040503050406030204" pitchFamily="18" charset="0"/>
+                      </a:rPr>
+                      <m:t>/</m:t>
+                    </m:r>
+                    <m:sSub>
+                      <m:sSubPr>
+                        <m:ctrlPr>
+                          <a:rPr lang="tr-TR" b="0" i="1" smtClean="0">
+                            <a:latin typeface="Cambria Math" panose="02040503050406030204" pitchFamily="18" charset="0"/>
+                          </a:rPr>
+                        </m:ctrlPr>
+                      </m:sSubPr>
+                      <m:e>
+                        <m:r>
+                          <a:rPr lang="tr-TR" b="0" i="1" smtClean="0">
+                            <a:latin typeface="Cambria Math" panose="02040503050406030204" pitchFamily="18" charset="0"/>
+                          </a:rPr>
+                          <m:t>𝐶</m:t>
+                        </m:r>
+                      </m:e>
+                      <m:sub>
+                        <m:r>
+                          <a:rPr lang="tr-TR" b="0" i="1" smtClean="0">
+                            <a:latin typeface="Cambria Math" panose="02040503050406030204" pitchFamily="18" charset="0"/>
+                          </a:rPr>
+                          <m:t>𝐷</m:t>
+                        </m:r>
+                      </m:sub>
+                    </m:sSub>
+                  </m:oMath>
+                </a14:m>
+                <a:r>
+                  <a:rPr lang="tr-TR" dirty="0"/>
+                  <a:t> Ratio</a:t>
+                </a:r>
+                <a:endParaRPr lang="en-GB" dirty="0"/>
+              </a:p>
+            </p:txBody>
+          </p:sp>
+        </mc:Choice>
+        <mc:Fallback xmlns="">
+          <p:sp>
+            <p:nvSpPr>
+              <p:cNvPr id="8" name="Metin kutusu 7"/>
+              <p:cNvSpPr txBox="1">
+                <a:spLocks noRot="1" noChangeAspect="1" noMove="1" noResize="1" noEditPoints="1" noAdjustHandles="1" noChangeArrowheads="1" noChangeShapeType="1" noTextEdit="1"/>
+              </p:cNvSpPr>
+              <p:nvPr/>
+            </p:nvSpPr>
+            <p:spPr>
+              <a:xfrm>
+                <a:off x="6337341" y="5847522"/>
+                <a:ext cx="2773994" cy="369332"/>
+              </a:xfrm>
+              <a:prstGeom prst="rect">
+                <a:avLst/>
+              </a:prstGeom>
+              <a:blipFill>
+                <a:blip r:embed="rId5"/>
+                <a:stretch>
+                  <a:fillRect l="-1538" t="-9836" b="-22951"/>
+                </a:stretch>
+              </a:blipFill>
+            </p:spPr>
+            <p:txBody>
+              <a:bodyPr/>
+              <a:lstStyle/>
+              <a:p>
+                <a:r>
+                  <a:rPr lang="en-GB">
+                    <a:noFill/>
+                  </a:rPr>
+                  <a:t> </a:t>
+                </a:r>
+              </a:p>
+            </p:txBody>
+          </p:sp>
+        </mc:Fallback>
+      </mc:AlternateContent>
+      <p:sp>
+        <p:nvSpPr>
+          <p:cNvPr id="10" name="Metin kutusu 9"/>
+          <p:cNvSpPr txBox="1"/>
+          <p:nvPr/>
+        </p:nvSpPr>
+        <p:spPr>
+          <a:xfrm>
+            <a:off x="6337341" y="3813491"/>
+            <a:ext cx="2773994" cy="646331"/>
+          </a:xfrm>
+          <a:prstGeom prst="rect">
+            <a:avLst/>
+          </a:prstGeom>
+          <a:noFill/>
+        </p:spPr>
+        <p:txBody>
+          <a:bodyPr wrap="square" rtlCol="0">
+            <a:spAutoFit/>
+          </a:bodyPr>
+          <a:lstStyle/>
+          <a:p>
+            <a:pPr marL="285750" indent="-285750">
+              <a:buFont typeface="Arial" panose="020B0604020202020204" pitchFamily="34" charset="0"/>
+              <a:buChar char="•"/>
+            </a:pPr>
+            <a:r>
+              <a:rPr lang="en-GB" dirty="0"/>
+              <a:t>Low Chamber</a:t>
+            </a:r>
+            <a:r>
+              <a:rPr lang="tr-TR" dirty="0"/>
+              <a:t>-</a:t>
+            </a:r>
+            <a:r>
+              <a:rPr lang="en-GB" dirty="0"/>
+              <a:t>Ease of Manufacturing</a:t>
+            </a:r>
+          </a:p>
+        </p:txBody>
+      </p:sp>
+      <p:sp>
+        <p:nvSpPr>
+          <p:cNvPr id="6" name="Metin kutusu 5"/>
+          <p:cNvSpPr txBox="1"/>
+          <p:nvPr/>
+        </p:nvSpPr>
+        <p:spPr>
+          <a:xfrm>
+            <a:off x="711192" y="1203300"/>
+            <a:ext cx="8442044" cy="646331"/>
+          </a:xfrm>
+          <a:prstGeom prst="rect">
+            <a:avLst/>
+          </a:prstGeom>
+          <a:noFill/>
+        </p:spPr>
+        <p:txBody>
+          <a:bodyPr wrap="square" rtlCol="0">
+            <a:spAutoFit/>
+          </a:bodyPr>
+          <a:lstStyle/>
+          <a:p>
+            <a:r>
+              <a:rPr lang="en-GB" u="sng" dirty="0">
+                <a:solidFill>
+                  <a:srgbClr val="0070C0"/>
+                </a:solidFill>
+              </a:rPr>
+              <a:t>airfoiltools.com</a:t>
+            </a:r>
+            <a:r>
+              <a:rPr lang="en-GB" dirty="0"/>
+              <a:t> web tool is used to select a</a:t>
+            </a:r>
+            <a:r>
+              <a:rPr lang="tr-TR" dirty="0"/>
+              <a:t>ir</a:t>
+            </a:r>
+            <a:r>
+              <a:rPr lang="en-GB" dirty="0"/>
+              <a:t>foil, compare and understand their strengths for our design.</a:t>
+            </a:r>
+          </a:p>
+        </p:txBody>
+      </p:sp>
+    </p:spTree>
+    <p:extLst>
+      <p:ext uri="{BB962C8B-B14F-4D97-AF65-F5344CB8AC3E}">
+        <p14:creationId xmlns:p14="http://schemas.microsoft.com/office/powerpoint/2010/main" val="852559102"/>
+      </p:ext>
+    </p:extLst>
+  </p:cSld>
+  <p:clrMapOvr>
+    <a:masterClrMapping/>
+  </p:clrMapOvr>
+</p:sld>
+</file>
+
+<file path=ppt/slides/slide11.xml><?xml version="1.0" encoding="utf-8"?>
 <p:sld xmlns:a="http://schemas.openxmlformats.org/drawingml/2006/main" xmlns:r="http://schemas.openxmlformats.org/officeDocument/2006/relationships" xmlns:p="http://schemas.openxmlformats.org/presentationml/2006/main">
   <p:cSld>
     <p:spTree>
@@ -7775,7 +8276,7 @@
 </p:sld>
 </file>
 
-<file path=ppt/slides/slide11.xml><?xml version="1.0" encoding="utf-8"?>
+<file path=ppt/slides/slide12.xml><?xml version="1.0" encoding="utf-8"?>
 <p:sld xmlns:a="http://schemas.openxmlformats.org/drawingml/2006/main" xmlns:r="http://schemas.openxmlformats.org/officeDocument/2006/relationships" xmlns:p="http://schemas.openxmlformats.org/presentationml/2006/main">
   <p:cSld>
     <p:spTree>
@@ -8025,7 +8526,7 @@
 </p:sld>
 </file>
 
-<file path=ppt/slides/slide12.xml><?xml version="1.0" encoding="utf-8"?>
+<file path=ppt/slides/slide13.xml><?xml version="1.0" encoding="utf-8"?>
 <p:sld xmlns:a="http://schemas.openxmlformats.org/drawingml/2006/main" xmlns:r="http://schemas.openxmlformats.org/officeDocument/2006/relationships" xmlns:p="http://schemas.openxmlformats.org/presentationml/2006/main">
   <p:cSld>
     <p:spTree>
@@ -9497,6 +9998,377 @@
           <p:cNvPr id="2" name="Title 1">
             <a:extLst>
               <a:ext uri="{FF2B5EF4-FFF2-40B4-BE49-F238E27FC236}">
+                <a16:creationId xmlns:a16="http://schemas.microsoft.com/office/drawing/2014/main" id="{837B1B30-1175-F43D-2B0A-32F28FAF7D26}"/>
+              </a:ext>
+            </a:extLst>
+          </p:cNvPr>
+          <p:cNvSpPr>
+            <a:spLocks noGrp="1"/>
+          </p:cNvSpPr>
+          <p:nvPr>
+            <p:ph type="title"/>
+          </p:nvPr>
+        </p:nvSpPr>
+        <p:spPr/>
+        <p:txBody>
+          <a:bodyPr/>
+          <a:lstStyle/>
+          <a:p>
+            <a:r>
+              <a:rPr lang="en-US" dirty="0"/>
+              <a:t>Product Design Specification</a:t>
+            </a:r>
+            <a:endParaRPr lang="tr-TR" dirty="0"/>
+          </a:p>
+        </p:txBody>
+      </p:sp>
+      <p:sp>
+        <p:nvSpPr>
+          <p:cNvPr id="3" name="Content Placeholder 2">
+            <a:extLst>
+              <a:ext uri="{FF2B5EF4-FFF2-40B4-BE49-F238E27FC236}">
+                <a16:creationId xmlns:a16="http://schemas.microsoft.com/office/drawing/2014/main" id="{438F2AA8-08C3-0EF7-5D33-8FB675477422}"/>
+              </a:ext>
+            </a:extLst>
+          </p:cNvPr>
+          <p:cNvSpPr>
+            <a:spLocks noGrp="1"/>
+          </p:cNvSpPr>
+          <p:nvPr>
+            <p:ph idx="1"/>
+          </p:nvPr>
+        </p:nvSpPr>
+        <p:spPr>
+          <a:xfrm>
+            <a:off x="677334" y="2160589"/>
+            <a:ext cx="3986106" cy="3880773"/>
+          </a:xfrm>
+        </p:spPr>
+        <p:txBody>
+          <a:bodyPr/>
+          <a:lstStyle/>
+          <a:p>
+            <a:r>
+              <a:rPr lang="en-US" sz="2400" dirty="0"/>
+              <a:t>Maintenance </a:t>
+            </a:r>
+          </a:p>
+          <a:p>
+            <a:r>
+              <a:rPr lang="en-US" sz="2400" dirty="0"/>
+              <a:t>Size Restriction</a:t>
+            </a:r>
+          </a:p>
+          <a:p>
+            <a:r>
+              <a:rPr lang="en-US" sz="2400" dirty="0"/>
+              <a:t>Weight Control Stability</a:t>
+            </a:r>
+          </a:p>
+          <a:p>
+            <a:r>
+              <a:rPr lang="en-US" sz="2400" dirty="0"/>
+              <a:t>Aesthetic </a:t>
+            </a:r>
+          </a:p>
+          <a:p>
+            <a:r>
+              <a:rPr lang="en-US" sz="2400" dirty="0"/>
+              <a:t>Manufacturability</a:t>
+            </a:r>
+          </a:p>
+          <a:p>
+            <a:pPr marL="0" indent="0">
+              <a:buNone/>
+            </a:pPr>
+            <a:endParaRPr lang="en-US" dirty="0"/>
+          </a:p>
+          <a:p>
+            <a:endParaRPr lang="en-US" dirty="0"/>
+          </a:p>
+          <a:p>
+            <a:endParaRPr lang="tr-TR" dirty="0"/>
+          </a:p>
+        </p:txBody>
+      </p:sp>
+      <p:sp>
+        <p:nvSpPr>
+          <p:cNvPr id="5" name="TextBox 4">
+            <a:extLst>
+              <a:ext uri="{FF2B5EF4-FFF2-40B4-BE49-F238E27FC236}">
+                <a16:creationId xmlns:a16="http://schemas.microsoft.com/office/drawing/2014/main" id="{2234E1EC-DC67-E9BD-BBE1-B080668C30A8}"/>
+              </a:ext>
+            </a:extLst>
+          </p:cNvPr>
+          <p:cNvSpPr txBox="1"/>
+          <p:nvPr/>
+        </p:nvSpPr>
+        <p:spPr>
+          <a:xfrm>
+            <a:off x="5166360" y="2160589"/>
+            <a:ext cx="4928616" cy="2451953"/>
+          </a:xfrm>
+          <a:prstGeom prst="rect">
+            <a:avLst/>
+          </a:prstGeom>
+          <a:noFill/>
+        </p:spPr>
+        <p:txBody>
+          <a:bodyPr wrap="square" rtlCol="0">
+            <a:spAutoFit/>
+          </a:bodyPr>
+          <a:lstStyle/>
+          <a:p>
+            <a:pPr marL="342900" marR="0" lvl="0" indent="-342900" algn="l" defTabSz="457200" rtl="0" eaLnBrk="1" fontAlgn="auto" latinLnBrk="0" hangingPunct="1">
+              <a:lnSpc>
+                <a:spcPct val="100000"/>
+              </a:lnSpc>
+              <a:spcBef>
+                <a:spcPts val="1000"/>
+              </a:spcBef>
+              <a:spcAft>
+                <a:spcPts val="0"/>
+              </a:spcAft>
+              <a:buClr>
+                <a:srgbClr val="90C226"/>
+              </a:buClr>
+              <a:buSzPct val="80000"/>
+              <a:buFont typeface="Wingdings 3" charset="2"/>
+              <a:buChar char=""/>
+              <a:tabLst/>
+              <a:defRPr/>
+            </a:pPr>
+            <a:r>
+              <a:rPr kumimoji="0" lang="en-US" sz="2400" b="0" i="0" u="none" strike="noStrike" kern="1200" cap="none" spc="0" normalizeH="0" baseline="0" noProof="0" dirty="0">
+                <a:ln>
+                  <a:noFill/>
+                </a:ln>
+                <a:solidFill>
+                  <a:prstClr val="black">
+                    <a:lumMod val="75000"/>
+                    <a:lumOff val="25000"/>
+                  </a:prstClr>
+                </a:solidFill>
+                <a:effectLst/>
+                <a:uLnTx/>
+                <a:uFillTx/>
+                <a:latin typeface="Trebuchet MS" panose="020B0603020202020204"/>
+                <a:ea typeface="+mn-ea"/>
+                <a:cs typeface="+mn-cs"/>
+              </a:rPr>
+              <a:t>Reliability </a:t>
+            </a:r>
+          </a:p>
+          <a:p>
+            <a:pPr marL="342900" marR="0" lvl="0" indent="-342900" algn="l" defTabSz="457200" rtl="0" eaLnBrk="1" fontAlgn="auto" latinLnBrk="0" hangingPunct="1">
+              <a:lnSpc>
+                <a:spcPct val="100000"/>
+              </a:lnSpc>
+              <a:spcBef>
+                <a:spcPts val="1000"/>
+              </a:spcBef>
+              <a:spcAft>
+                <a:spcPts val="0"/>
+              </a:spcAft>
+              <a:buClr>
+                <a:srgbClr val="90C226"/>
+              </a:buClr>
+              <a:buSzPct val="80000"/>
+              <a:buFont typeface="Wingdings 3" charset="2"/>
+              <a:buChar char=""/>
+              <a:tabLst/>
+              <a:defRPr/>
+            </a:pPr>
+            <a:r>
+              <a:rPr kumimoji="0" lang="en-US" sz="2400" b="0" i="0" u="none" strike="noStrike" kern="1200" cap="none" spc="0" normalizeH="0" baseline="0" noProof="0" dirty="0">
+                <a:ln>
+                  <a:noFill/>
+                </a:ln>
+                <a:solidFill>
+                  <a:prstClr val="black">
+                    <a:lumMod val="75000"/>
+                    <a:lumOff val="25000"/>
+                  </a:prstClr>
+                </a:solidFill>
+                <a:effectLst/>
+                <a:uLnTx/>
+                <a:uFillTx/>
+                <a:latin typeface="Trebuchet MS" panose="020B0603020202020204"/>
+                <a:ea typeface="+mn-ea"/>
+                <a:cs typeface="+mn-cs"/>
+              </a:rPr>
+              <a:t>Unusable Rotors</a:t>
+            </a:r>
+          </a:p>
+          <a:p>
+            <a:pPr marL="342900" marR="0" lvl="0" indent="-342900" algn="l" defTabSz="457200" rtl="0" eaLnBrk="1" fontAlgn="auto" latinLnBrk="0" hangingPunct="1">
+              <a:lnSpc>
+                <a:spcPct val="100000"/>
+              </a:lnSpc>
+              <a:spcBef>
+                <a:spcPts val="1000"/>
+              </a:spcBef>
+              <a:spcAft>
+                <a:spcPts val="0"/>
+              </a:spcAft>
+              <a:buClr>
+                <a:srgbClr val="90C226"/>
+              </a:buClr>
+              <a:buSzPct val="80000"/>
+              <a:buFont typeface="Wingdings 3" charset="2"/>
+              <a:buChar char=""/>
+              <a:tabLst/>
+              <a:defRPr/>
+            </a:pPr>
+            <a:r>
+              <a:rPr kumimoji="0" lang="en-US" sz="2400" b="0" i="0" u="none" strike="noStrike" kern="1200" cap="none" spc="0" normalizeH="0" baseline="0" noProof="0" dirty="0">
+                <a:ln>
+                  <a:noFill/>
+                </a:ln>
+                <a:solidFill>
+                  <a:prstClr val="black">
+                    <a:lumMod val="75000"/>
+                    <a:lumOff val="25000"/>
+                  </a:prstClr>
+                </a:solidFill>
+                <a:effectLst/>
+                <a:uLnTx/>
+                <a:uFillTx/>
+                <a:latin typeface="Trebuchet MS" panose="020B0603020202020204"/>
+                <a:ea typeface="+mn-ea"/>
+                <a:cs typeface="+mn-cs"/>
+              </a:rPr>
+              <a:t>Transition Capabilities </a:t>
+            </a:r>
+          </a:p>
+          <a:p>
+            <a:pPr marL="342900" marR="0" lvl="0" indent="-342900" algn="l" defTabSz="457200" rtl="0" eaLnBrk="1" fontAlgn="auto" latinLnBrk="0" hangingPunct="1">
+              <a:lnSpc>
+                <a:spcPct val="100000"/>
+              </a:lnSpc>
+              <a:spcBef>
+                <a:spcPts val="1000"/>
+              </a:spcBef>
+              <a:spcAft>
+                <a:spcPts val="0"/>
+              </a:spcAft>
+              <a:buClr>
+                <a:srgbClr val="90C226"/>
+              </a:buClr>
+              <a:buSzPct val="80000"/>
+              <a:buFont typeface="Wingdings 3" charset="2"/>
+              <a:buChar char=""/>
+              <a:tabLst/>
+              <a:defRPr/>
+            </a:pPr>
+            <a:r>
+              <a:rPr kumimoji="0" lang="en-US" sz="2400" b="0" i="0" u="none" strike="noStrike" kern="1200" cap="none" spc="0" normalizeH="0" baseline="0" noProof="0" dirty="0">
+                <a:ln>
+                  <a:noFill/>
+                </a:ln>
+                <a:solidFill>
+                  <a:prstClr val="black">
+                    <a:lumMod val="75000"/>
+                    <a:lumOff val="25000"/>
+                  </a:prstClr>
+                </a:solidFill>
+                <a:effectLst/>
+                <a:uLnTx/>
+                <a:uFillTx/>
+                <a:latin typeface="Trebuchet MS" panose="020B0603020202020204"/>
+                <a:ea typeface="+mn-ea"/>
+                <a:cs typeface="+mn-cs"/>
+              </a:rPr>
+              <a:t>Hover Efficiency</a:t>
+            </a:r>
+          </a:p>
+          <a:p>
+            <a:pPr marL="342900" marR="0" lvl="0" indent="-342900" algn="l" defTabSz="457200" rtl="0" eaLnBrk="1" fontAlgn="auto" latinLnBrk="0" hangingPunct="1">
+              <a:lnSpc>
+                <a:spcPct val="100000"/>
+              </a:lnSpc>
+              <a:spcBef>
+                <a:spcPts val="1000"/>
+              </a:spcBef>
+              <a:spcAft>
+                <a:spcPts val="0"/>
+              </a:spcAft>
+              <a:buClr>
+                <a:srgbClr val="90C226"/>
+              </a:buClr>
+              <a:buSzPct val="80000"/>
+              <a:buFont typeface="Wingdings 3" charset="2"/>
+              <a:buChar char=""/>
+              <a:tabLst/>
+              <a:defRPr/>
+            </a:pPr>
+            <a:r>
+              <a:rPr lang="en-US" sz="2400" dirty="0">
+                <a:solidFill>
+                  <a:prstClr val="black">
+                    <a:lumMod val="75000"/>
+                    <a:lumOff val="25000"/>
+                  </a:prstClr>
+                </a:solidFill>
+                <a:latin typeface="Trebuchet MS" panose="020B0603020202020204"/>
+              </a:rPr>
+              <a:t>Material Cost</a:t>
+            </a:r>
+            <a:endParaRPr kumimoji="0" lang="en-US" sz="2400" b="0" i="0" u="none" strike="noStrike" kern="1200" cap="none" spc="0" normalizeH="0" baseline="0" noProof="0" dirty="0">
+              <a:ln>
+                <a:noFill/>
+              </a:ln>
+              <a:solidFill>
+                <a:prstClr val="black">
+                  <a:lumMod val="75000"/>
+                  <a:lumOff val="25000"/>
+                </a:prstClr>
+              </a:solidFill>
+              <a:effectLst/>
+              <a:uLnTx/>
+              <a:uFillTx/>
+              <a:latin typeface="Trebuchet MS" panose="020B0603020202020204"/>
+              <a:ea typeface="+mn-ea"/>
+              <a:cs typeface="+mn-cs"/>
+            </a:endParaRPr>
+          </a:p>
+        </p:txBody>
+      </p:sp>
+    </p:spTree>
+    <p:extLst>
+      <p:ext uri="{BB962C8B-B14F-4D97-AF65-F5344CB8AC3E}">
+        <p14:creationId xmlns:p14="http://schemas.microsoft.com/office/powerpoint/2010/main" val="4053273978"/>
+      </p:ext>
+    </p:extLst>
+  </p:cSld>
+  <p:clrMapOvr>
+    <a:masterClrMapping/>
+  </p:clrMapOvr>
+</p:sld>
+</file>
+
+<file path=ppt/slides/slide8.xml><?xml version="1.0" encoding="utf-8"?>
+<p:sld xmlns:a="http://schemas.openxmlformats.org/drawingml/2006/main" xmlns:r="http://schemas.openxmlformats.org/officeDocument/2006/relationships" xmlns:p="http://schemas.openxmlformats.org/presentationml/2006/main">
+  <p:cSld>
+    <p:spTree>
+      <p:nvGrpSpPr>
+        <p:cNvPr id="1" name=""/>
+        <p:cNvGrpSpPr/>
+        <p:nvPr/>
+      </p:nvGrpSpPr>
+      <p:grpSpPr>
+        <a:xfrm>
+          <a:off x="0" y="0"/>
+          <a:ext cx="0" cy="0"/>
+          <a:chOff x="0" y="0"/>
+          <a:chExt cx="0" cy="0"/>
+        </a:xfrm>
+      </p:grpSpPr>
+      <p:sp>
+        <p:nvSpPr>
+          <p:cNvPr id="2" name="Title 1">
+            <a:extLst>
+              <a:ext uri="{FF2B5EF4-FFF2-40B4-BE49-F238E27FC236}">
                 <a16:creationId xmlns:a16="http://schemas.microsoft.com/office/drawing/2014/main" id="{B7FEE11E-46C0-E4E8-F5A6-DC115F62C2B9}"/>
               </a:ext>
             </a:extLst>
@@ -9571,7 +10443,7 @@
 </p:sld>
 </file>
 
-<file path=ppt/slides/slide8.xml><?xml version="1.0" encoding="utf-8"?>
+<file path=ppt/slides/slide9.xml><?xml version="1.0" encoding="utf-8"?>
 <p:sld xmlns:a="http://schemas.openxmlformats.org/drawingml/2006/main" xmlns:r="http://schemas.openxmlformats.org/officeDocument/2006/relationships" xmlns:p="http://schemas.openxmlformats.org/presentationml/2006/main">
   <p:cSld>
     <p:spTree>
@@ -9656,506 +10528,6 @@
     <p:extLst>
       <p:ext uri="{BB962C8B-B14F-4D97-AF65-F5344CB8AC3E}">
         <p14:creationId xmlns:p14="http://schemas.microsoft.com/office/powerpoint/2010/main" val="189284443"/>
-      </p:ext>
-    </p:extLst>
-  </p:cSld>
-  <p:clrMapOvr>
-    <a:masterClrMapping/>
-  </p:clrMapOvr>
-</p:sld>
-</file>
-
-<file path=ppt/slides/slide9.xml><?xml version="1.0" encoding="utf-8"?>
-<p:sld xmlns:a="http://schemas.openxmlformats.org/drawingml/2006/main" xmlns:r="http://schemas.openxmlformats.org/officeDocument/2006/relationships" xmlns:p="http://schemas.openxmlformats.org/presentationml/2006/main">
-  <p:cSld>
-    <p:spTree>
-      <p:nvGrpSpPr>
-        <p:cNvPr id="1" name=""/>
-        <p:cNvGrpSpPr/>
-        <p:nvPr/>
-      </p:nvGrpSpPr>
-      <p:grpSpPr>
-        <a:xfrm>
-          <a:off x="0" y="0"/>
-          <a:ext cx="0" cy="0"/>
-          <a:chOff x="0" y="0"/>
-          <a:chExt cx="0" cy="0"/>
-        </a:xfrm>
-      </p:grpSpPr>
-      <p:sp>
-        <p:nvSpPr>
-          <p:cNvPr id="2" name="Title 1">
-            <a:extLst>
-              <a:ext uri="{FF2B5EF4-FFF2-40B4-BE49-F238E27FC236}">
-                <a16:creationId xmlns:a16="http://schemas.microsoft.com/office/drawing/2014/main" id="{591727A3-00DB-A364-1125-71BD119EED06}"/>
-              </a:ext>
-            </a:extLst>
-          </p:cNvPr>
-          <p:cNvSpPr>
-            <a:spLocks noGrp="1"/>
-          </p:cNvSpPr>
-          <p:nvPr>
-            <p:ph type="title"/>
-          </p:nvPr>
-        </p:nvSpPr>
-        <p:spPr>
-          <a:xfrm>
-            <a:off x="677334" y="609600"/>
-            <a:ext cx="8596668" cy="593700"/>
-          </a:xfrm>
-        </p:spPr>
-        <p:txBody>
-          <a:bodyPr>
-            <a:normAutofit fontScale="90000"/>
-          </a:bodyPr>
-          <a:lstStyle/>
-          <a:p>
-            <a:r>
-              <a:rPr lang="en-US" dirty="0"/>
-              <a:t>Airfoil Selection</a:t>
-            </a:r>
-            <a:br>
-              <a:rPr lang="en-US" dirty="0"/>
-            </a:br>
-            <a:endParaRPr lang="en-US" dirty="0"/>
-          </a:p>
-        </p:txBody>
-      </p:sp>
-      <p:sp>
-        <p:nvSpPr>
-          <p:cNvPr id="3" name="Content Placeholder 2">
-            <a:extLst>
-              <a:ext uri="{FF2B5EF4-FFF2-40B4-BE49-F238E27FC236}">
-                <a16:creationId xmlns:a16="http://schemas.microsoft.com/office/drawing/2014/main" id="{5DDBD233-5D1E-392B-4937-8BB645CDB468}"/>
-              </a:ext>
-            </a:extLst>
-          </p:cNvPr>
-          <p:cNvSpPr>
-            <a:spLocks noGrp="1"/>
-          </p:cNvSpPr>
-          <p:nvPr>
-            <p:ph idx="1"/>
-          </p:nvPr>
-        </p:nvSpPr>
-        <p:spPr>
-          <a:xfrm>
-            <a:off x="677334" y="1920613"/>
-            <a:ext cx="8596668" cy="4669762"/>
-          </a:xfrm>
-        </p:spPr>
-        <p:txBody>
-          <a:bodyPr/>
-          <a:lstStyle/>
-          <a:p>
-            <a:r>
-              <a:rPr lang="en-US" dirty="0"/>
-              <a:t>NACA 4412 </a:t>
-            </a:r>
-          </a:p>
-          <a:p>
-            <a:pPr marL="0" indent="0">
-              <a:buNone/>
-            </a:pPr>
-            <a:endParaRPr lang="en-US" dirty="0"/>
-          </a:p>
-          <a:p>
-            <a:endParaRPr lang="en-US" dirty="0"/>
-          </a:p>
-          <a:p>
-            <a:endParaRPr lang="en-US" dirty="0"/>
-          </a:p>
-          <a:p>
-            <a:r>
-              <a:rPr lang="en-US" dirty="0"/>
-              <a:t>NACA 2412</a:t>
-            </a:r>
-          </a:p>
-          <a:p>
-            <a:endParaRPr lang="en-US" dirty="0"/>
-          </a:p>
-          <a:p>
-            <a:endParaRPr lang="en-US" dirty="0"/>
-          </a:p>
-          <a:p>
-            <a:endParaRPr lang="en-US" dirty="0"/>
-          </a:p>
-          <a:p>
-            <a:r>
-              <a:rPr lang="en-US" dirty="0"/>
-              <a:t>NACA 6412</a:t>
-            </a:r>
-          </a:p>
-        </p:txBody>
-      </p:sp>
-      <p:pic>
-        <p:nvPicPr>
-          <p:cNvPr id="5" name="Picture 4">
-            <a:extLst>
-              <a:ext uri="{FF2B5EF4-FFF2-40B4-BE49-F238E27FC236}">
-                <a16:creationId xmlns:a16="http://schemas.microsoft.com/office/drawing/2014/main" id="{B826F65D-7FF4-B089-BCB8-2882061372F6}"/>
-              </a:ext>
-            </a:extLst>
-          </p:cNvPr>
-          <p:cNvPicPr>
-            <a:picLocks noChangeAspect="1"/>
-          </p:cNvPicPr>
-          <p:nvPr/>
-        </p:nvPicPr>
-        <p:blipFill>
-          <a:blip r:embed="rId2"/>
-          <a:stretch>
-            <a:fillRect/>
-          </a:stretch>
-        </p:blipFill>
-        <p:spPr>
-          <a:xfrm>
-            <a:off x="750529" y="2260912"/>
-            <a:ext cx="5384808" cy="980501"/>
-          </a:xfrm>
-          <a:prstGeom prst="rect">
-            <a:avLst/>
-          </a:prstGeom>
-        </p:spPr>
-      </p:pic>
-      <p:pic>
-        <p:nvPicPr>
-          <p:cNvPr id="7" name="Picture 6">
-            <a:extLst>
-              <a:ext uri="{FF2B5EF4-FFF2-40B4-BE49-F238E27FC236}">
-                <a16:creationId xmlns:a16="http://schemas.microsoft.com/office/drawing/2014/main" id="{5820F181-3338-AFB9-3DAD-DDD8930FA4D0}"/>
-              </a:ext>
-            </a:extLst>
-          </p:cNvPr>
-          <p:cNvPicPr>
-            <a:picLocks noChangeAspect="1"/>
-          </p:cNvPicPr>
-          <p:nvPr/>
-        </p:nvPicPr>
-        <p:blipFill>
-          <a:blip r:embed="rId3"/>
-          <a:stretch>
-            <a:fillRect/>
-          </a:stretch>
-        </p:blipFill>
-        <p:spPr>
-          <a:xfrm>
-            <a:off x="677334" y="3893785"/>
-            <a:ext cx="5458003" cy="966300"/>
-          </a:xfrm>
-          <a:prstGeom prst="rect">
-            <a:avLst/>
-          </a:prstGeom>
-        </p:spPr>
-      </p:pic>
-      <p:pic>
-        <p:nvPicPr>
-          <p:cNvPr id="9" name="Picture 8">
-            <a:extLst>
-              <a:ext uri="{FF2B5EF4-FFF2-40B4-BE49-F238E27FC236}">
-                <a16:creationId xmlns:a16="http://schemas.microsoft.com/office/drawing/2014/main" id="{F01B21C8-C15D-A993-9D27-E02088210CD3}"/>
-              </a:ext>
-            </a:extLst>
-          </p:cNvPr>
-          <p:cNvPicPr>
-            <a:picLocks noChangeAspect="1"/>
-          </p:cNvPicPr>
-          <p:nvPr/>
-        </p:nvPicPr>
-        <p:blipFill>
-          <a:blip r:embed="rId4"/>
-          <a:stretch>
-            <a:fillRect/>
-          </a:stretch>
-        </p:blipFill>
-        <p:spPr>
-          <a:xfrm>
-            <a:off x="750529" y="5548407"/>
-            <a:ext cx="5329666" cy="1041968"/>
-          </a:xfrm>
-          <a:prstGeom prst="rect">
-            <a:avLst/>
-          </a:prstGeom>
-        </p:spPr>
-      </p:pic>
-      <p:sp>
-        <p:nvSpPr>
-          <p:cNvPr id="4" name="Metin kutusu 3"/>
-          <p:cNvSpPr txBox="1"/>
-          <p:nvPr/>
-        </p:nvSpPr>
-        <p:spPr>
-          <a:xfrm>
-            <a:off x="6337341" y="2411475"/>
-            <a:ext cx="2773994" cy="369332"/>
-          </a:xfrm>
-          <a:prstGeom prst="rect">
-            <a:avLst/>
-          </a:prstGeom>
-          <a:noFill/>
-        </p:spPr>
-        <p:txBody>
-          <a:bodyPr wrap="square" rtlCol="0">
-            <a:spAutoFit/>
-          </a:bodyPr>
-          <a:lstStyle/>
-          <a:p>
-            <a:pPr marL="285750" indent="-285750">
-              <a:buFont typeface="Arial" panose="020B0604020202020204" pitchFamily="34" charset="0"/>
-              <a:buChar char="•"/>
-            </a:pPr>
-            <a:r>
-              <a:rPr lang="en-GB" dirty="0"/>
-              <a:t>Low</a:t>
-            </a:r>
-            <a:r>
-              <a:rPr lang="tr-TR" dirty="0"/>
-              <a:t> </a:t>
-            </a:r>
-            <a:r>
-              <a:rPr lang="en-GB" dirty="0"/>
-              <a:t>Drag</a:t>
-            </a:r>
-            <a:r>
-              <a:rPr lang="tr-TR" dirty="0"/>
-              <a:t> </a:t>
-            </a:r>
-            <a:r>
-              <a:rPr lang="en-GB" dirty="0"/>
-              <a:t>Coefficient</a:t>
-            </a:r>
-          </a:p>
-        </p:txBody>
-      </p:sp>
-      <mc:AlternateContent xmlns:mc="http://schemas.openxmlformats.org/markup-compatibility/2006" xmlns:a14="http://schemas.microsoft.com/office/drawing/2010/main">
-        <mc:Choice Requires="a14">
-          <p:sp>
-            <p:nvSpPr>
-              <p:cNvPr id="8" name="Metin kutusu 7"/>
-              <p:cNvSpPr txBox="1"/>
-              <p:nvPr/>
-            </p:nvSpPr>
-            <p:spPr>
-              <a:xfrm>
-                <a:off x="6337341" y="5847522"/>
-                <a:ext cx="2773994" cy="369332"/>
-              </a:xfrm>
-              <a:prstGeom prst="rect">
-                <a:avLst/>
-              </a:prstGeom>
-              <a:noFill/>
-            </p:spPr>
-            <p:txBody>
-              <a:bodyPr wrap="square" rtlCol="0">
-                <a:spAutoFit/>
-              </a:bodyPr>
-              <a:lstStyle/>
-              <a:p>
-                <a:pPr marL="285750" indent="-285750">
-                  <a:buFont typeface="Arial" panose="020B0604020202020204" pitchFamily="34" charset="0"/>
-                  <a:buChar char="•"/>
-                </a:pPr>
-                <a:r>
-                  <a:rPr lang="tr-TR" dirty="0"/>
-                  <a:t>High </a:t>
-                </a:r>
-                <a14:m>
-                  <m:oMath xmlns:m="http://schemas.openxmlformats.org/officeDocument/2006/math">
-                    <m:sSub>
-                      <m:sSubPr>
-                        <m:ctrlPr>
-                          <a:rPr lang="tr-TR" i="1" smtClean="0">
-                            <a:latin typeface="Cambria Math" panose="02040503050406030204" pitchFamily="18" charset="0"/>
-                          </a:rPr>
-                        </m:ctrlPr>
-                      </m:sSubPr>
-                      <m:e>
-                        <m:r>
-                          <a:rPr lang="tr-TR" b="0" i="1" smtClean="0">
-                            <a:latin typeface="Cambria Math" panose="02040503050406030204" pitchFamily="18" charset="0"/>
-                          </a:rPr>
-                          <m:t>𝐶</m:t>
-                        </m:r>
-                      </m:e>
-                      <m:sub>
-                        <m:r>
-                          <a:rPr lang="tr-TR" b="0" i="1" smtClean="0">
-                            <a:latin typeface="Cambria Math" panose="02040503050406030204" pitchFamily="18" charset="0"/>
-                          </a:rPr>
-                          <m:t>𝐿</m:t>
-                        </m:r>
-                      </m:sub>
-                    </m:sSub>
-                    <m:r>
-                      <a:rPr lang="tr-TR" b="0" i="1" smtClean="0">
-                        <a:latin typeface="Cambria Math" panose="02040503050406030204" pitchFamily="18" charset="0"/>
-                      </a:rPr>
-                      <m:t>/</m:t>
-                    </m:r>
-                    <m:sSub>
-                      <m:sSubPr>
-                        <m:ctrlPr>
-                          <a:rPr lang="tr-TR" b="0" i="1" smtClean="0">
-                            <a:latin typeface="Cambria Math" panose="02040503050406030204" pitchFamily="18" charset="0"/>
-                          </a:rPr>
-                        </m:ctrlPr>
-                      </m:sSubPr>
-                      <m:e>
-                        <m:r>
-                          <a:rPr lang="tr-TR" b="0" i="1" smtClean="0">
-                            <a:latin typeface="Cambria Math" panose="02040503050406030204" pitchFamily="18" charset="0"/>
-                          </a:rPr>
-                          <m:t>𝐶</m:t>
-                        </m:r>
-                      </m:e>
-                      <m:sub>
-                        <m:r>
-                          <a:rPr lang="tr-TR" b="0" i="1" smtClean="0">
-                            <a:latin typeface="Cambria Math" panose="02040503050406030204" pitchFamily="18" charset="0"/>
-                          </a:rPr>
-                          <m:t>𝐷</m:t>
-                        </m:r>
-                      </m:sub>
-                    </m:sSub>
-                  </m:oMath>
-                </a14:m>
-                <a:r>
-                  <a:rPr lang="tr-TR" dirty="0"/>
-                  <a:t> Ratio</a:t>
-                </a:r>
-                <a:endParaRPr lang="en-GB" dirty="0"/>
-              </a:p>
-            </p:txBody>
-          </p:sp>
-        </mc:Choice>
-        <mc:Fallback xmlns="">
-          <p:sp>
-            <p:nvSpPr>
-              <p:cNvPr id="8" name="Metin kutusu 7"/>
-              <p:cNvSpPr txBox="1">
-                <a:spLocks noRot="1" noChangeAspect="1" noMove="1" noResize="1" noEditPoints="1" noAdjustHandles="1" noChangeArrowheads="1" noChangeShapeType="1" noTextEdit="1"/>
-              </p:cNvSpPr>
-              <p:nvPr/>
-            </p:nvSpPr>
-            <p:spPr>
-              <a:xfrm>
-                <a:off x="6337341" y="5847522"/>
-                <a:ext cx="2773994" cy="369332"/>
-              </a:xfrm>
-              <a:prstGeom prst="rect">
-                <a:avLst/>
-              </a:prstGeom>
-              <a:blipFill>
-                <a:blip r:embed="rId5"/>
-                <a:stretch>
-                  <a:fillRect l="-1538" t="-9836" b="-22951"/>
-                </a:stretch>
-              </a:blipFill>
-            </p:spPr>
-            <p:txBody>
-              <a:bodyPr/>
-              <a:lstStyle/>
-              <a:p>
-                <a:r>
-                  <a:rPr lang="en-GB">
-                    <a:noFill/>
-                  </a:rPr>
-                  <a:t> </a:t>
-                </a:r>
-              </a:p>
-            </p:txBody>
-          </p:sp>
-        </mc:Fallback>
-      </mc:AlternateContent>
-      <p:sp>
-        <p:nvSpPr>
-          <p:cNvPr id="10" name="Metin kutusu 9"/>
-          <p:cNvSpPr txBox="1"/>
-          <p:nvPr/>
-        </p:nvSpPr>
-        <p:spPr>
-          <a:xfrm>
-            <a:off x="6337341" y="3813491"/>
-            <a:ext cx="2773994" cy="646331"/>
-          </a:xfrm>
-          <a:prstGeom prst="rect">
-            <a:avLst/>
-          </a:prstGeom>
-          <a:noFill/>
-        </p:spPr>
-        <p:txBody>
-          <a:bodyPr wrap="square" rtlCol="0">
-            <a:spAutoFit/>
-          </a:bodyPr>
-          <a:lstStyle/>
-          <a:p>
-            <a:pPr marL="285750" indent="-285750">
-              <a:buFont typeface="Arial" panose="020B0604020202020204" pitchFamily="34" charset="0"/>
-              <a:buChar char="•"/>
-            </a:pPr>
-            <a:r>
-              <a:rPr lang="en-GB" dirty="0"/>
-              <a:t>Low Chamber</a:t>
-            </a:r>
-            <a:r>
-              <a:rPr lang="tr-TR" dirty="0"/>
-              <a:t>-</a:t>
-            </a:r>
-            <a:r>
-              <a:rPr lang="en-GB" dirty="0"/>
-              <a:t>Ease of Manufacturing</a:t>
-            </a:r>
-          </a:p>
-        </p:txBody>
-      </p:sp>
-      <p:sp>
-        <p:nvSpPr>
-          <p:cNvPr id="6" name="Metin kutusu 5"/>
-          <p:cNvSpPr txBox="1"/>
-          <p:nvPr/>
-        </p:nvSpPr>
-        <p:spPr>
-          <a:xfrm>
-            <a:off x="711192" y="1203300"/>
-            <a:ext cx="8442044" cy="646331"/>
-          </a:xfrm>
-          <a:prstGeom prst="rect">
-            <a:avLst/>
-          </a:prstGeom>
-          <a:noFill/>
-        </p:spPr>
-        <p:txBody>
-          <a:bodyPr wrap="square" rtlCol="0">
-            <a:spAutoFit/>
-          </a:bodyPr>
-          <a:lstStyle/>
-          <a:p>
-            <a:r>
-              <a:rPr lang="en-GB" u="sng" dirty="0">
-                <a:solidFill>
-                  <a:srgbClr val="0070C0"/>
-                </a:solidFill>
-              </a:rPr>
-              <a:t>airfoiltools.com</a:t>
-            </a:r>
-            <a:r>
-              <a:rPr lang="en-GB" dirty="0"/>
-              <a:t> web tool is used to select a</a:t>
-            </a:r>
-            <a:r>
-              <a:rPr lang="tr-TR" dirty="0"/>
-              <a:t>ir</a:t>
-            </a:r>
-            <a:r>
-              <a:rPr lang="en-GB" dirty="0"/>
-              <a:t>foil, compare and understand their strengths for our design.</a:t>
-            </a:r>
-          </a:p>
-        </p:txBody>
-      </p:sp>
-    </p:spTree>
-    <p:extLst>
-      <p:ext uri="{BB962C8B-B14F-4D97-AF65-F5344CB8AC3E}">
-        <p14:creationId xmlns:p14="http://schemas.microsoft.com/office/powerpoint/2010/main" val="852559102"/>
       </p:ext>
     </p:extLst>
   </p:cSld>
